--- a/Slides/16. Controle do Áudio.pptx
+++ b/Slides/16. Controle do Áudio.pptx
@@ -140,7 +140,7 @@
 <file path=ppt/revisionInfo.xml><?xml version="1.0" encoding="utf-8"?>
 <p1510:revInfo xmlns:a="http://schemas.openxmlformats.org/drawingml/2006/main" xmlns:r="http://schemas.openxmlformats.org/officeDocument/2006/relationships" xmlns:p1510="http://schemas.microsoft.com/office/powerpoint/2015/10/main">
   <p1510:revLst>
-    <p1510:client id="{778F9870-3553-4F56-874F-000F72DA08F7}" v="116" dt="2019-07-03T00:21:46.569"/>
+    <p1510:client id="{9B113408-AA8E-4A02-9404-9E3863D7312F}" v="29" dt="2021-09-19T21:50:03.784"/>
   </p1510:revLst>
 </p1510:revInfo>
 </file>
@@ -2048,6 +2048,536 @@
           </ac:cxnSpMkLst>
         </pc:cxnChg>
       </pc:sldChg>
+    </pc:docChg>
+  </pc:docChgLst>
+  <pc:docChgLst>
+    <pc:chgData name="Judson Santiago" userId="ebb108da2f256286" providerId="LiveId" clId="{9B113408-AA8E-4A02-9404-9E3863D7312F}"/>
+    <pc:docChg chg="undo custSel modSld modMainMaster">
+      <pc:chgData name="Judson Santiago" userId="ebb108da2f256286" providerId="LiveId" clId="{9B113408-AA8E-4A02-9404-9E3863D7312F}" dt="2021-09-19T21:54:36.727" v="221" actId="21"/>
+      <pc:docMkLst>
+        <pc:docMk/>
+      </pc:docMkLst>
+      <pc:sldChg chg="modSp mod">
+        <pc:chgData name="Judson Santiago" userId="ebb108da2f256286" providerId="LiveId" clId="{9B113408-AA8E-4A02-9404-9E3863D7312F}" dt="2021-09-19T21:28:14.769" v="39" actId="403"/>
+        <pc:sldMkLst>
+          <pc:docMk/>
+          <pc:sldMk cId="0" sldId="256"/>
+        </pc:sldMkLst>
+        <pc:spChg chg="mod">
+          <ac:chgData name="Judson Santiago" userId="ebb108da2f256286" providerId="LiveId" clId="{9B113408-AA8E-4A02-9404-9E3863D7312F}" dt="2021-09-19T21:28:14.769" v="39" actId="403"/>
+          <ac:spMkLst>
+            <pc:docMk/>
+            <pc:sldMk cId="0" sldId="256"/>
+            <ac:spMk id="2" creationId="{00000000-0000-0000-0000-000000000000}"/>
+          </ac:spMkLst>
+        </pc:spChg>
+        <pc:spChg chg="mod">
+          <ac:chgData name="Judson Santiago" userId="ebb108da2f256286" providerId="LiveId" clId="{9B113408-AA8E-4A02-9404-9E3863D7312F}" dt="2021-09-19T21:28:11.082" v="36" actId="403"/>
+          <ac:spMkLst>
+            <pc:docMk/>
+            <pc:sldMk cId="0" sldId="256"/>
+            <ac:spMk id="3" creationId="{00000000-0000-0000-0000-000000000000}"/>
+          </ac:spMkLst>
+        </pc:spChg>
+      </pc:sldChg>
+      <pc:sldChg chg="modSp mod">
+        <pc:chgData name="Judson Santiago" userId="ebb108da2f256286" providerId="LiveId" clId="{9B113408-AA8E-4A02-9404-9E3863D7312F}" dt="2021-09-19T21:53:13.262" v="220" actId="20577"/>
+        <pc:sldMkLst>
+          <pc:docMk/>
+          <pc:sldMk cId="904695914" sldId="325"/>
+        </pc:sldMkLst>
+        <pc:spChg chg="mod">
+          <ac:chgData name="Judson Santiago" userId="ebb108da2f256286" providerId="LiveId" clId="{9B113408-AA8E-4A02-9404-9E3863D7312F}" dt="2021-09-19T21:53:13.262" v="220" actId="20577"/>
+          <ac:spMkLst>
+            <pc:docMk/>
+            <pc:sldMk cId="904695914" sldId="325"/>
+            <ac:spMk id="2" creationId="{00000000-0000-0000-0000-000000000000}"/>
+          </ac:spMkLst>
+        </pc:spChg>
+      </pc:sldChg>
+      <pc:sldChg chg="modSp mod modNotesTx">
+        <pc:chgData name="Judson Santiago" userId="ebb108da2f256286" providerId="LiveId" clId="{9B113408-AA8E-4A02-9404-9E3863D7312F}" dt="2021-09-19T21:39:42.366" v="89" actId="6549"/>
+        <pc:sldMkLst>
+          <pc:docMk/>
+          <pc:sldMk cId="2581471607" sldId="339"/>
+        </pc:sldMkLst>
+        <pc:spChg chg="mod">
+          <ac:chgData name="Judson Santiago" userId="ebb108da2f256286" providerId="LiveId" clId="{9B113408-AA8E-4A02-9404-9E3863D7312F}" dt="2021-09-19T21:39:12.579" v="88" actId="20577"/>
+          <ac:spMkLst>
+            <pc:docMk/>
+            <pc:sldMk cId="2581471607" sldId="339"/>
+            <ac:spMk id="12" creationId="{7E38511B-E32B-4212-9B85-FF94C8C9EA61}"/>
+          </ac:spMkLst>
+        </pc:spChg>
+      </pc:sldChg>
+      <pc:sldChg chg="modSp mod modNotesTx">
+        <pc:chgData name="Judson Santiago" userId="ebb108da2f256286" providerId="LiveId" clId="{9B113408-AA8E-4A02-9404-9E3863D7312F}" dt="2021-09-19T21:49:33.314" v="208" actId="6549"/>
+        <pc:sldMkLst>
+          <pc:docMk/>
+          <pc:sldMk cId="574181964" sldId="341"/>
+        </pc:sldMkLst>
+        <pc:spChg chg="mod">
+          <ac:chgData name="Judson Santiago" userId="ebb108da2f256286" providerId="LiveId" clId="{9B113408-AA8E-4A02-9404-9E3863D7312F}" dt="2021-09-19T21:48:38.950" v="207" actId="6549"/>
+          <ac:spMkLst>
+            <pc:docMk/>
+            <pc:sldMk cId="574181964" sldId="341"/>
+            <ac:spMk id="2" creationId="{00000000-0000-0000-0000-000000000000}"/>
+          </ac:spMkLst>
+        </pc:spChg>
+        <pc:cxnChg chg="mod">
+          <ac:chgData name="Judson Santiago" userId="ebb108da2f256286" providerId="LiveId" clId="{9B113408-AA8E-4A02-9404-9E3863D7312F}" dt="2021-09-19T21:47:58.608" v="188" actId="208"/>
+          <ac:cxnSpMkLst>
+            <pc:docMk/>
+            <pc:sldMk cId="574181964" sldId="341"/>
+            <ac:cxnSpMk id="20" creationId="{EFA1E55B-F735-4FA9-B0C4-1F4C44D39297}"/>
+          </ac:cxnSpMkLst>
+        </pc:cxnChg>
+      </pc:sldChg>
+      <pc:sldChg chg="modSp mod modNotesTx">
+        <pc:chgData name="Judson Santiago" userId="ebb108da2f256286" providerId="LiveId" clId="{9B113408-AA8E-4A02-9404-9E3863D7312F}" dt="2021-09-19T21:52:11.595" v="215" actId="113"/>
+        <pc:sldMkLst>
+          <pc:docMk/>
+          <pc:sldMk cId="3220016815" sldId="342"/>
+        </pc:sldMkLst>
+        <pc:spChg chg="mod">
+          <ac:chgData name="Judson Santiago" userId="ebb108da2f256286" providerId="LiveId" clId="{9B113408-AA8E-4A02-9404-9E3863D7312F}" dt="2021-09-19T21:51:06.257" v="211" actId="207"/>
+          <ac:spMkLst>
+            <pc:docMk/>
+            <pc:sldMk cId="3220016815" sldId="342"/>
+            <ac:spMk id="8" creationId="{CD9E136A-A500-4E69-AA4D-EF439664003D}"/>
+          </ac:spMkLst>
+        </pc:spChg>
+        <pc:cxnChg chg="mod">
+          <ac:chgData name="Judson Santiago" userId="ebb108da2f256286" providerId="LiveId" clId="{9B113408-AA8E-4A02-9404-9E3863D7312F}" dt="2021-09-19T21:51:38.494" v="213" actId="692"/>
+          <ac:cxnSpMkLst>
+            <pc:docMk/>
+            <pc:sldMk cId="3220016815" sldId="342"/>
+            <ac:cxnSpMk id="6" creationId="{61F72C75-15B1-4B29-8535-0F6777057C88}"/>
+          </ac:cxnSpMkLst>
+        </pc:cxnChg>
+      </pc:sldChg>
+      <pc:sldChg chg="modSp mod">
+        <pc:chgData name="Judson Santiago" userId="ebb108da2f256286" providerId="LiveId" clId="{9B113408-AA8E-4A02-9404-9E3863D7312F}" dt="2021-09-19T21:29:16.301" v="58" actId="20577"/>
+        <pc:sldMkLst>
+          <pc:docMk/>
+          <pc:sldMk cId="754064701" sldId="347"/>
+        </pc:sldMkLst>
+        <pc:spChg chg="mod">
+          <ac:chgData name="Judson Santiago" userId="ebb108da2f256286" providerId="LiveId" clId="{9B113408-AA8E-4A02-9404-9E3863D7312F}" dt="2021-09-19T21:29:16.301" v="58" actId="20577"/>
+          <ac:spMkLst>
+            <pc:docMk/>
+            <pc:sldMk cId="754064701" sldId="347"/>
+            <ac:spMk id="2" creationId="{0AA4A0BA-6329-4DF2-B9C4-B3853C062645}"/>
+          </ac:spMkLst>
+        </pc:spChg>
+      </pc:sldChg>
+      <pc:sldChg chg="addSp delSp modSp mod">
+        <pc:chgData name="Judson Santiago" userId="ebb108da2f256286" providerId="LiveId" clId="{9B113408-AA8E-4A02-9404-9E3863D7312F}" dt="2021-09-19T21:36:17.332" v="87" actId="1076"/>
+        <pc:sldMkLst>
+          <pc:docMk/>
+          <pc:sldMk cId="4102431079" sldId="348"/>
+        </pc:sldMkLst>
+        <pc:spChg chg="mod">
+          <ac:chgData name="Judson Santiago" userId="ebb108da2f256286" providerId="LiveId" clId="{9B113408-AA8E-4A02-9404-9E3863D7312F}" dt="2021-09-19T21:36:17.332" v="87" actId="1076"/>
+          <ac:spMkLst>
+            <pc:docMk/>
+            <pc:sldMk cId="4102431079" sldId="348"/>
+            <ac:spMk id="48" creationId="{C35F1685-DA3A-4D82-AB7F-8A4CD0E6223C}"/>
+          </ac:spMkLst>
+        </pc:spChg>
+        <pc:picChg chg="add del mod">
+          <ac:chgData name="Judson Santiago" userId="ebb108da2f256286" providerId="LiveId" clId="{9B113408-AA8E-4A02-9404-9E3863D7312F}" dt="2021-09-19T21:33:48.164" v="68" actId="478"/>
+          <ac:picMkLst>
+            <pc:docMk/>
+            <pc:sldMk cId="4102431079" sldId="348"/>
+            <ac:picMk id="6" creationId="{37346A92-363D-43D7-BB12-75A8747ADAEB}"/>
+          </ac:picMkLst>
+        </pc:picChg>
+        <pc:picChg chg="add mod modCrop">
+          <ac:chgData name="Judson Santiago" userId="ebb108da2f256286" providerId="LiveId" clId="{9B113408-AA8E-4A02-9404-9E3863D7312F}" dt="2021-09-19T21:36:10.176" v="86" actId="688"/>
+          <ac:picMkLst>
+            <pc:docMk/>
+            <pc:sldMk cId="4102431079" sldId="348"/>
+            <ac:picMk id="8" creationId="{5EC12D52-9EAD-43CF-90FB-3F6C20507CA6}"/>
+          </ac:picMkLst>
+        </pc:picChg>
+        <pc:picChg chg="del">
+          <ac:chgData name="Judson Santiago" userId="ebb108da2f256286" providerId="LiveId" clId="{9B113408-AA8E-4A02-9404-9E3863D7312F}" dt="2021-09-19T21:35:54.495" v="81" actId="478"/>
+          <ac:picMkLst>
+            <pc:docMk/>
+            <pc:sldMk cId="4102431079" sldId="348"/>
+            <ac:picMk id="47" creationId="{CF56FFAF-DB79-40E1-A260-5397DC74F69E}"/>
+          </ac:picMkLst>
+        </pc:picChg>
+        <pc:cxnChg chg="mod">
+          <ac:chgData name="Judson Santiago" userId="ebb108da2f256286" providerId="LiveId" clId="{9B113408-AA8E-4A02-9404-9E3863D7312F}" dt="2021-09-19T21:31:51.484" v="61" actId="692"/>
+          <ac:cxnSpMkLst>
+            <pc:docMk/>
+            <pc:sldMk cId="4102431079" sldId="348"/>
+            <ac:cxnSpMk id="15" creationId="{7AB36253-83C9-4122-9BA5-918138EDA0EF}"/>
+          </ac:cxnSpMkLst>
+        </pc:cxnChg>
+        <pc:cxnChg chg="mod">
+          <ac:chgData name="Judson Santiago" userId="ebb108da2f256286" providerId="LiveId" clId="{9B113408-AA8E-4A02-9404-9E3863D7312F}" dt="2021-09-19T21:31:51.484" v="61" actId="692"/>
+          <ac:cxnSpMkLst>
+            <pc:docMk/>
+            <pc:sldMk cId="4102431079" sldId="348"/>
+            <ac:cxnSpMk id="25" creationId="{26D8716E-9210-435D-87AC-9E75C97016BF}"/>
+          </ac:cxnSpMkLst>
+        </pc:cxnChg>
+        <pc:cxnChg chg="mod">
+          <ac:chgData name="Judson Santiago" userId="ebb108da2f256286" providerId="LiveId" clId="{9B113408-AA8E-4A02-9404-9E3863D7312F}" dt="2021-09-19T21:31:51.484" v="61" actId="692"/>
+          <ac:cxnSpMkLst>
+            <pc:docMk/>
+            <pc:sldMk cId="4102431079" sldId="348"/>
+            <ac:cxnSpMk id="35" creationId="{64C67CBC-7C2C-4E99-801A-D61C00968488}"/>
+          </ac:cxnSpMkLst>
+        </pc:cxnChg>
+      </pc:sldChg>
+      <pc:sldChg chg="modSp mod">
+        <pc:chgData name="Judson Santiago" userId="ebb108da2f256286" providerId="LiveId" clId="{9B113408-AA8E-4A02-9404-9E3863D7312F}" dt="2021-09-19T21:40:10.498" v="91" actId="20577"/>
+        <pc:sldMkLst>
+          <pc:docMk/>
+          <pc:sldMk cId="3586350796" sldId="350"/>
+        </pc:sldMkLst>
+        <pc:spChg chg="mod">
+          <ac:chgData name="Judson Santiago" userId="ebb108da2f256286" providerId="LiveId" clId="{9B113408-AA8E-4A02-9404-9E3863D7312F}" dt="2021-09-19T21:40:10.498" v="91" actId="20577"/>
+          <ac:spMkLst>
+            <pc:docMk/>
+            <pc:sldMk cId="3586350796" sldId="350"/>
+            <ac:spMk id="2" creationId="{00000000-0000-0000-0000-000000000000}"/>
+          </ac:spMkLst>
+        </pc:spChg>
+      </pc:sldChg>
+      <pc:sldChg chg="modSp mod">
+        <pc:chgData name="Judson Santiago" userId="ebb108da2f256286" providerId="LiveId" clId="{9B113408-AA8E-4A02-9404-9E3863D7312F}" dt="2021-09-19T21:47:04.110" v="187" actId="6549"/>
+        <pc:sldMkLst>
+          <pc:docMk/>
+          <pc:sldMk cId="3570102051" sldId="351"/>
+        </pc:sldMkLst>
+        <pc:spChg chg="mod">
+          <ac:chgData name="Judson Santiago" userId="ebb108da2f256286" providerId="LiveId" clId="{9B113408-AA8E-4A02-9404-9E3863D7312F}" dt="2021-09-19T21:46:26.314" v="181" actId="207"/>
+          <ac:spMkLst>
+            <pc:docMk/>
+            <pc:sldMk cId="3570102051" sldId="351"/>
+            <ac:spMk id="2" creationId="{00000000-0000-0000-0000-000000000000}"/>
+          </ac:spMkLst>
+        </pc:spChg>
+        <pc:spChg chg="mod">
+          <ac:chgData name="Judson Santiago" userId="ebb108da2f256286" providerId="LiveId" clId="{9B113408-AA8E-4A02-9404-9E3863D7312F}" dt="2021-09-19T21:47:04.110" v="187" actId="6549"/>
+          <ac:spMkLst>
+            <pc:docMk/>
+            <pc:sldMk cId="3570102051" sldId="351"/>
+            <ac:spMk id="12" creationId="{7E38511B-E32B-4212-9B85-FF94C8C9EA61}"/>
+          </ac:spMkLst>
+        </pc:spChg>
+        <pc:grpChg chg="mod">
+          <ac:chgData name="Judson Santiago" userId="ebb108da2f256286" providerId="LiveId" clId="{9B113408-AA8E-4A02-9404-9E3863D7312F}" dt="2021-09-19T21:46:06.809" v="179" actId="1038"/>
+          <ac:grpSpMkLst>
+            <pc:docMk/>
+            <pc:sldMk cId="3570102051" sldId="351"/>
+            <ac:grpSpMk id="4" creationId="{9FA32540-8367-4741-9684-69E25B2D34EE}"/>
+          </ac:grpSpMkLst>
+        </pc:grpChg>
+      </pc:sldChg>
+      <pc:sldChg chg="modSp mod">
+        <pc:chgData name="Judson Santiago" userId="ebb108da2f256286" providerId="LiveId" clId="{9B113408-AA8E-4A02-9404-9E3863D7312F}" dt="2021-09-19T21:49:40.844" v="209" actId="20577"/>
+        <pc:sldMkLst>
+          <pc:docMk/>
+          <pc:sldMk cId="3615580228" sldId="352"/>
+        </pc:sldMkLst>
+        <pc:spChg chg="mod">
+          <ac:chgData name="Judson Santiago" userId="ebb108da2f256286" providerId="LiveId" clId="{9B113408-AA8E-4A02-9404-9E3863D7312F}" dt="2021-09-19T21:49:40.844" v="209" actId="20577"/>
+          <ac:spMkLst>
+            <pc:docMk/>
+            <pc:sldMk cId="3615580228" sldId="352"/>
+            <ac:spMk id="2" creationId="{00000000-0000-0000-0000-000000000000}"/>
+          </ac:spMkLst>
+        </pc:spChg>
+      </pc:sldChg>
+      <pc:sldMasterChg chg="addSp delSp modSp mod delSldLayout modSldLayout">
+        <pc:chgData name="Judson Santiago" userId="ebb108da2f256286" providerId="LiveId" clId="{9B113408-AA8E-4A02-9404-9E3863D7312F}" dt="2021-09-19T21:54:36.727" v="221" actId="21"/>
+        <pc:sldMasterMkLst>
+          <pc:docMk/>
+          <pc:sldMasterMk cId="0" sldId="2147483780"/>
+        </pc:sldMasterMkLst>
+        <pc:spChg chg="del">
+          <ac:chgData name="Judson Santiago" userId="ebb108da2f256286" providerId="LiveId" clId="{9B113408-AA8E-4A02-9404-9E3863D7312F}" dt="2021-09-19T21:26:36.792" v="12" actId="478"/>
+          <ac:spMkLst>
+            <pc:docMk/>
+            <pc:sldMasterMk cId="0" sldId="2147483780"/>
+            <ac:spMk id="12" creationId="{00000000-0000-0000-0000-000000000000}"/>
+          </ac:spMkLst>
+        </pc:spChg>
+        <pc:spChg chg="del">
+          <ac:chgData name="Judson Santiago" userId="ebb108da2f256286" providerId="LiveId" clId="{9B113408-AA8E-4A02-9404-9E3863D7312F}" dt="2021-09-19T21:26:34.541" v="11" actId="478"/>
+          <ac:spMkLst>
+            <pc:docMk/>
+            <pc:sldMasterMk cId="0" sldId="2147483780"/>
+            <ac:spMk id="13" creationId="{00000000-0000-0000-0000-000000000000}"/>
+          </ac:spMkLst>
+        </pc:spChg>
+        <pc:spChg chg="del">
+          <ac:chgData name="Judson Santiago" userId="ebb108da2f256286" providerId="LiveId" clId="{9B113408-AA8E-4A02-9404-9E3863D7312F}" dt="2021-09-19T21:26:33.510" v="10" actId="478"/>
+          <ac:spMkLst>
+            <pc:docMk/>
+            <pc:sldMasterMk cId="0" sldId="2147483780"/>
+            <ac:spMk id="14" creationId="{00000000-0000-0000-0000-000000000000}"/>
+          </ac:spMkLst>
+        </pc:spChg>
+        <pc:spChg chg="mod">
+          <ac:chgData name="Judson Santiago" userId="ebb108da2f256286" providerId="LiveId" clId="{9B113408-AA8E-4A02-9404-9E3863D7312F}" dt="2021-09-11T03:54:41.383" v="0"/>
+          <ac:spMkLst>
+            <pc:docMk/>
+            <pc:sldMasterMk cId="0" sldId="2147483780"/>
+            <ac:spMk id="16" creationId="{89EDEAAE-97D6-456A-8694-71088977BA5C}"/>
+          </ac:spMkLst>
+        </pc:spChg>
+        <pc:spChg chg="add mod ord">
+          <ac:chgData name="Judson Santiago" userId="ebb108da2f256286" providerId="LiveId" clId="{9B113408-AA8E-4A02-9404-9E3863D7312F}" dt="2021-09-19T21:26:42.553" v="14" actId="167"/>
+          <ac:spMkLst>
+            <pc:docMk/>
+            <pc:sldMasterMk cId="0" sldId="2147483780"/>
+            <ac:spMk id="17" creationId="{2DF57690-1B0B-48CD-BEB9-D84627E13B8A}"/>
+          </ac:spMkLst>
+        </pc:spChg>
+        <pc:spChg chg="mod">
+          <ac:chgData name="Judson Santiago" userId="ebb108da2f256286" providerId="LiveId" clId="{9B113408-AA8E-4A02-9404-9E3863D7312F}" dt="2021-09-19T21:26:38.901" v="13"/>
+          <ac:spMkLst>
+            <pc:docMk/>
+            <pc:sldMasterMk cId="0" sldId="2147483780"/>
+            <ac:spMk id="20" creationId="{943E1265-8EC5-42F5-9B5D-D70B19572CB5}"/>
+          </ac:spMkLst>
+        </pc:spChg>
+        <pc:spChg chg="mod">
+          <ac:chgData name="Judson Santiago" userId="ebb108da2f256286" providerId="LiveId" clId="{9B113408-AA8E-4A02-9404-9E3863D7312F}" dt="2021-09-19T21:26:38.901" v="13"/>
+          <ac:spMkLst>
+            <pc:docMk/>
+            <pc:sldMasterMk cId="0" sldId="2147483780"/>
+            <ac:spMk id="21" creationId="{045982C0-6BAE-4A6C-B4C8-C4FAE02A9D42}"/>
+          </ac:spMkLst>
+        </pc:spChg>
+        <pc:spChg chg="mod">
+          <ac:chgData name="Judson Santiago" userId="ebb108da2f256286" providerId="LiveId" clId="{9B113408-AA8E-4A02-9404-9E3863D7312F}" dt="2021-09-19T21:26:38.901" v="13"/>
+          <ac:spMkLst>
+            <pc:docMk/>
+            <pc:sldMasterMk cId="0" sldId="2147483780"/>
+            <ac:spMk id="23" creationId="{F031D62E-34D0-4307-89A9-D4DF99FC2071}"/>
+          </ac:spMkLst>
+        </pc:spChg>
+        <pc:grpChg chg="add del mod">
+          <ac:chgData name="Judson Santiago" userId="ebb108da2f256286" providerId="LiveId" clId="{9B113408-AA8E-4A02-9404-9E3863D7312F}" dt="2021-09-19T21:54:36.727" v="221" actId="21"/>
+          <ac:grpSpMkLst>
+            <pc:docMk/>
+            <pc:sldMasterMk cId="0" sldId="2147483780"/>
+            <ac:grpSpMk id="11" creationId="{4B4590A7-AF74-40F5-81EB-2D85D3AFE775}"/>
+          </ac:grpSpMkLst>
+        </pc:grpChg>
+        <pc:grpChg chg="add mod ord">
+          <ac:chgData name="Judson Santiago" userId="ebb108da2f256286" providerId="LiveId" clId="{9B113408-AA8E-4A02-9404-9E3863D7312F}" dt="2021-09-19T21:26:42.553" v="14" actId="167"/>
+          <ac:grpSpMkLst>
+            <pc:docMk/>
+            <pc:sldMasterMk cId="0" sldId="2147483780"/>
+            <ac:grpSpMk id="19" creationId="{7A8E834D-78A8-4392-978B-BEB5202C2DE7}"/>
+          </ac:grpSpMkLst>
+        </pc:grpChg>
+        <pc:picChg chg="mod">
+          <ac:chgData name="Judson Santiago" userId="ebb108da2f256286" providerId="LiveId" clId="{9B113408-AA8E-4A02-9404-9E3863D7312F}" dt="2021-09-11T03:54:41.383" v="0"/>
+          <ac:picMkLst>
+            <pc:docMk/>
+            <pc:sldMasterMk cId="0" sldId="2147483780"/>
+            <ac:picMk id="15" creationId="{443A4D7D-F98C-4C39-AD6C-796C69EDB606}"/>
+          </ac:picMkLst>
+        </pc:picChg>
+        <pc:sldLayoutChg chg="addSp delSp modSp mod">
+          <pc:chgData name="Judson Santiago" userId="ebb108da2f256286" providerId="LiveId" clId="{9B113408-AA8E-4A02-9404-9E3863D7312F}" dt="2021-09-19T21:28:05.300" v="33"/>
+          <pc:sldLayoutMkLst>
+            <pc:docMk/>
+            <pc:sldMasterMk cId="0" sldId="2147483780"/>
+            <pc:sldLayoutMk cId="0" sldId="2147483781"/>
+          </pc:sldLayoutMkLst>
+          <pc:spChg chg="mod">
+            <ac:chgData name="Judson Santiago" userId="ebb108da2f256286" providerId="LiveId" clId="{9B113408-AA8E-4A02-9404-9E3863D7312F}" dt="2021-09-19T21:27:12.011" v="19"/>
+            <ac:spMkLst>
+              <pc:docMk/>
+              <pc:sldMasterMk cId="0" sldId="2147483780"/>
+              <pc:sldLayoutMk cId="0" sldId="2147483781"/>
+              <ac:spMk id="10" creationId="{3C48BC4A-6C0D-4C27-BA2E-E4C5650E1D49}"/>
+            </ac:spMkLst>
+          </pc:spChg>
+          <pc:spChg chg="del">
+            <ac:chgData name="Judson Santiago" userId="ebb108da2f256286" providerId="LiveId" clId="{9B113408-AA8E-4A02-9404-9E3863D7312F}" dt="2021-09-19T21:27:10.902" v="18" actId="478"/>
+            <ac:spMkLst>
+              <pc:docMk/>
+              <pc:sldMasterMk cId="0" sldId="2147483780"/>
+              <pc:sldLayoutMk cId="0" sldId="2147483781"/>
+              <ac:spMk id="12" creationId="{7324CB5F-D67A-48D3-B993-C6490D8F0F9B}"/>
+            </ac:spMkLst>
+          </pc:spChg>
+          <pc:spChg chg="mod">
+            <ac:chgData name="Judson Santiago" userId="ebb108da2f256286" providerId="LiveId" clId="{9B113408-AA8E-4A02-9404-9E3863D7312F}" dt="2021-09-19T21:27:12.011" v="19"/>
+            <ac:spMkLst>
+              <pc:docMk/>
+              <pc:sldMasterMk cId="0" sldId="2147483780"/>
+              <pc:sldLayoutMk cId="0" sldId="2147483781"/>
+              <ac:spMk id="13" creationId="{8A9CF518-DC4F-4DA5-9754-84FD213FC185}"/>
+            </ac:spMkLst>
+          </pc:spChg>
+          <pc:spChg chg="mod">
+            <ac:chgData name="Judson Santiago" userId="ebb108da2f256286" providerId="LiveId" clId="{9B113408-AA8E-4A02-9404-9E3863D7312F}" dt="2021-09-19T21:27:12.011" v="19"/>
+            <ac:spMkLst>
+              <pc:docMk/>
+              <pc:sldMasterMk cId="0" sldId="2147483780"/>
+              <pc:sldLayoutMk cId="0" sldId="2147483781"/>
+              <ac:spMk id="14" creationId="{A71F5001-A4B8-4E47-AD1E-446A95019890}"/>
+            </ac:spMkLst>
+          </pc:spChg>
+          <pc:spChg chg="mod">
+            <ac:chgData name="Judson Santiago" userId="ebb108da2f256286" providerId="LiveId" clId="{9B113408-AA8E-4A02-9404-9E3863D7312F}" dt="2021-09-19T21:27:12.011" v="19"/>
+            <ac:spMkLst>
+              <pc:docMk/>
+              <pc:sldMasterMk cId="0" sldId="2147483780"/>
+              <pc:sldLayoutMk cId="0" sldId="2147483781"/>
+              <ac:spMk id="15" creationId="{CA6D09B6-13A7-4F5D-BCE2-8C1C8814D799}"/>
+            </ac:spMkLst>
+          </pc:spChg>
+          <pc:spChg chg="mod">
+            <ac:chgData name="Judson Santiago" userId="ebb108da2f256286" providerId="LiveId" clId="{9B113408-AA8E-4A02-9404-9E3863D7312F}" dt="2021-09-19T21:27:44.971" v="31"/>
+            <ac:spMkLst>
+              <pc:docMk/>
+              <pc:sldMasterMk cId="0" sldId="2147483780"/>
+              <pc:sldLayoutMk cId="0" sldId="2147483781"/>
+              <ac:spMk id="17" creationId="{B5AC258B-590E-444D-B219-BA85BFC691FC}"/>
+            </ac:spMkLst>
+          </pc:spChg>
+          <pc:spChg chg="del">
+            <ac:chgData name="Judson Santiago" userId="ebb108da2f256286" providerId="LiveId" clId="{9B113408-AA8E-4A02-9404-9E3863D7312F}" dt="2021-09-19T21:27:08.808" v="16" actId="478"/>
+            <ac:spMkLst>
+              <pc:docMk/>
+              <pc:sldMasterMk cId="0" sldId="2147483780"/>
+              <pc:sldLayoutMk cId="0" sldId="2147483781"/>
+              <ac:spMk id="18" creationId="{98B2195E-138A-44E4-B87B-0704CEF02590}"/>
+            </ac:spMkLst>
+          </pc:spChg>
+          <pc:spChg chg="mod">
+            <ac:chgData name="Judson Santiago" userId="ebb108da2f256286" providerId="LiveId" clId="{9B113408-AA8E-4A02-9404-9E3863D7312F}" dt="2021-09-19T21:27:44.971" v="31"/>
+            <ac:spMkLst>
+              <pc:docMk/>
+              <pc:sldMasterMk cId="0" sldId="2147483780"/>
+              <pc:sldLayoutMk cId="0" sldId="2147483781"/>
+              <ac:spMk id="19" creationId="{CCEF2756-9D20-40E4-B8BC-17C21975493D}"/>
+            </ac:spMkLst>
+          </pc:spChg>
+          <pc:spChg chg="del">
+            <ac:chgData name="Judson Santiago" userId="ebb108da2f256286" providerId="LiveId" clId="{9B113408-AA8E-4A02-9404-9E3863D7312F}" dt="2021-09-19T21:27:08.061" v="15" actId="478"/>
+            <ac:spMkLst>
+              <pc:docMk/>
+              <pc:sldMasterMk cId="0" sldId="2147483780"/>
+              <pc:sldLayoutMk cId="0" sldId="2147483781"/>
+              <ac:spMk id="21" creationId="{5F9F209C-0402-4EA6-B176-57AC70F88A3C}"/>
+            </ac:spMkLst>
+          </pc:spChg>
+          <pc:spChg chg="del">
+            <ac:chgData name="Judson Santiago" userId="ebb108da2f256286" providerId="LiveId" clId="{9B113408-AA8E-4A02-9404-9E3863D7312F}" dt="2021-09-19T21:27:10.105" v="17" actId="478"/>
+            <ac:spMkLst>
+              <pc:docMk/>
+              <pc:sldMasterMk cId="0" sldId="2147483780"/>
+              <pc:sldLayoutMk cId="0" sldId="2147483781"/>
+              <ac:spMk id="22" creationId="{C1BCEA78-C28C-4FCD-9C09-8ED7BAF35E06}"/>
+            </ac:spMkLst>
+          </pc:spChg>
+          <pc:grpChg chg="add mod">
+            <ac:chgData name="Judson Santiago" userId="ebb108da2f256286" providerId="LiveId" clId="{9B113408-AA8E-4A02-9404-9E3863D7312F}" dt="2021-09-19T21:27:12.011" v="19"/>
+            <ac:grpSpMkLst>
+              <pc:docMk/>
+              <pc:sldMasterMk cId="0" sldId="2147483780"/>
+              <pc:sldLayoutMk cId="0" sldId="2147483781"/>
+              <ac:grpSpMk id="9" creationId="{D0730FA8-2F5F-4ED8-9188-DA12646837DB}"/>
+            </ac:grpSpMkLst>
+          </pc:grpChg>
+          <pc:grpChg chg="add del mod">
+            <ac:chgData name="Judson Santiago" userId="ebb108da2f256286" providerId="LiveId" clId="{9B113408-AA8E-4A02-9404-9E3863D7312F}" dt="2021-09-19T21:28:05.300" v="33"/>
+            <ac:grpSpMkLst>
+              <pc:docMk/>
+              <pc:sldMasterMk cId="0" sldId="2147483780"/>
+              <pc:sldLayoutMk cId="0" sldId="2147483781"/>
+              <ac:grpSpMk id="16" creationId="{CEF6D7F5-9786-41EF-B9DE-2D45BE317626}"/>
+            </ac:grpSpMkLst>
+          </pc:grpChg>
+        </pc:sldLayoutChg>
+        <pc:sldLayoutChg chg="del">
+          <pc:chgData name="Judson Santiago" userId="ebb108da2f256286" providerId="LiveId" clId="{9B113408-AA8E-4A02-9404-9E3863D7312F}" dt="2021-09-11T03:54:48.795" v="1" actId="2696"/>
+          <pc:sldLayoutMkLst>
+            <pc:docMk/>
+            <pc:sldMasterMk cId="0" sldId="2147483780"/>
+            <pc:sldLayoutMk cId="0" sldId="2147483783"/>
+          </pc:sldLayoutMkLst>
+        </pc:sldLayoutChg>
+        <pc:sldLayoutChg chg="del">
+          <pc:chgData name="Judson Santiago" userId="ebb108da2f256286" providerId="LiveId" clId="{9B113408-AA8E-4A02-9404-9E3863D7312F}" dt="2021-09-11T03:54:48.813" v="2" actId="2696"/>
+          <pc:sldLayoutMkLst>
+            <pc:docMk/>
+            <pc:sldMasterMk cId="0" sldId="2147483780"/>
+            <pc:sldLayoutMk cId="0" sldId="2147483784"/>
+          </pc:sldLayoutMkLst>
+        </pc:sldLayoutChg>
+        <pc:sldLayoutChg chg="del">
+          <pc:chgData name="Judson Santiago" userId="ebb108da2f256286" providerId="LiveId" clId="{9B113408-AA8E-4A02-9404-9E3863D7312F}" dt="2021-09-11T03:54:48.813" v="3" actId="2696"/>
+          <pc:sldLayoutMkLst>
+            <pc:docMk/>
+            <pc:sldMasterMk cId="0" sldId="2147483780"/>
+            <pc:sldLayoutMk cId="0" sldId="2147483785"/>
+          </pc:sldLayoutMkLst>
+        </pc:sldLayoutChg>
+        <pc:sldLayoutChg chg="del">
+          <pc:chgData name="Judson Santiago" userId="ebb108da2f256286" providerId="LiveId" clId="{9B113408-AA8E-4A02-9404-9E3863D7312F}" dt="2021-09-11T03:54:48.829" v="4" actId="2696"/>
+          <pc:sldLayoutMkLst>
+            <pc:docMk/>
+            <pc:sldMasterMk cId="0" sldId="2147483780"/>
+            <pc:sldLayoutMk cId="0" sldId="2147483786"/>
+          </pc:sldLayoutMkLst>
+        </pc:sldLayoutChg>
+        <pc:sldLayoutChg chg="del">
+          <pc:chgData name="Judson Santiago" userId="ebb108da2f256286" providerId="LiveId" clId="{9B113408-AA8E-4A02-9404-9E3863D7312F}" dt="2021-09-11T03:54:48.829" v="5" actId="2696"/>
+          <pc:sldLayoutMkLst>
+            <pc:docMk/>
+            <pc:sldMasterMk cId="0" sldId="2147483780"/>
+            <pc:sldLayoutMk cId="0" sldId="2147483787"/>
+          </pc:sldLayoutMkLst>
+        </pc:sldLayoutChg>
+        <pc:sldLayoutChg chg="del">
+          <pc:chgData name="Judson Santiago" userId="ebb108da2f256286" providerId="LiveId" clId="{9B113408-AA8E-4A02-9404-9E3863D7312F}" dt="2021-09-11T03:54:48.844" v="6" actId="2696"/>
+          <pc:sldLayoutMkLst>
+            <pc:docMk/>
+            <pc:sldMasterMk cId="0" sldId="2147483780"/>
+            <pc:sldLayoutMk cId="0" sldId="2147483788"/>
+          </pc:sldLayoutMkLst>
+        </pc:sldLayoutChg>
+        <pc:sldLayoutChg chg="del">
+          <pc:chgData name="Judson Santiago" userId="ebb108da2f256286" providerId="LiveId" clId="{9B113408-AA8E-4A02-9404-9E3863D7312F}" dt="2021-09-11T03:54:48.844" v="7" actId="2696"/>
+          <pc:sldLayoutMkLst>
+            <pc:docMk/>
+            <pc:sldMasterMk cId="0" sldId="2147483780"/>
+            <pc:sldLayoutMk cId="0" sldId="2147483789"/>
+          </pc:sldLayoutMkLst>
+        </pc:sldLayoutChg>
+        <pc:sldLayoutChg chg="del">
+          <pc:chgData name="Judson Santiago" userId="ebb108da2f256286" providerId="LiveId" clId="{9B113408-AA8E-4A02-9404-9E3863D7312F}" dt="2021-09-11T03:54:48.844" v="8" actId="2696"/>
+          <pc:sldLayoutMkLst>
+            <pc:docMk/>
+            <pc:sldMasterMk cId="0" sldId="2147483780"/>
+            <pc:sldLayoutMk cId="0" sldId="2147483790"/>
+          </pc:sldLayoutMkLst>
+        </pc:sldLayoutChg>
+        <pc:sldLayoutChg chg="del">
+          <pc:chgData name="Judson Santiago" userId="ebb108da2f256286" providerId="LiveId" clId="{9B113408-AA8E-4A02-9404-9E3863D7312F}" dt="2021-09-11T03:54:48.860" v="9" actId="2696"/>
+          <pc:sldLayoutMkLst>
+            <pc:docMk/>
+            <pc:sldMasterMk cId="0" sldId="2147483780"/>
+            <pc:sldLayoutMk cId="0" sldId="2147483791"/>
+          </pc:sldLayoutMkLst>
+        </pc:sldLayoutChg>
+      </pc:sldMasterChg>
     </pc:docChg>
   </pc:docChgLst>
   <pc:docChgLst>
@@ -2534,7 +3064,7 @@
             <a:fld id="{4C457FC9-8E1D-4A40-BFF1-0E630693B1AB}" type="datetimeFigureOut">
               <a:rPr lang="pt-BR" smtClean="0"/>
               <a:pPr/>
-              <a:t>02/07/2019</a:t>
+              <a:t>19/09/2021</a:t>
             </a:fld>
             <a:endParaRPr lang="pt-BR"/>
           </a:p>
@@ -3018,10 +3548,7 @@
           <a:bodyPr/>
           <a:lstStyle/>
           <a:p>
-            <a:r>
-              <a:rPr lang="pt-BR" dirty="0"/>
-              <a:t>Diapasão gera uma vibração constante.</a:t>
-            </a:r>
+            <a:endParaRPr lang="pt-BR" dirty="0"/>
           </a:p>
         </p:txBody>
       </p:sp>
@@ -3282,14 +3809,6 @@
           <a:bodyPr/>
           <a:lstStyle/>
           <a:p>
-            <a:r>
-              <a:rPr lang="pt-BR" dirty="0"/>
-              <a:t>A frequência está diretamente relacionada</a:t>
-            </a:r>
-            <a:r>
-              <a:rPr lang="pt-BR" baseline="0" dirty="0"/>
-              <a:t> com o comprimento da onda.</a:t>
-            </a:r>
             <a:endParaRPr lang="pt-BR" dirty="0"/>
           </a:p>
         </p:txBody>
@@ -3494,7 +4013,7 @@
               <a:t>» Mostrar atualizações feitas nas classes </a:t>
             </a:r>
             <a:r>
-              <a:rPr lang="pt-BR" sz="1200" dirty="0" err="1">
+              <a:rPr lang="pt-BR" sz="1200" b="1" dirty="0" err="1">
                 <a:solidFill>
                   <a:schemeClr val="bg1"/>
                 </a:solidFill>
@@ -3510,7 +4029,7 @@
               <a:t> e </a:t>
             </a:r>
             <a:r>
-              <a:rPr lang="pt-BR" sz="1200" dirty="0" err="1">
+              <a:rPr lang="pt-BR" sz="1200" b="1" dirty="0" err="1">
                 <a:solidFill>
                   <a:schemeClr val="bg1"/>
                 </a:solidFill>
@@ -3683,10 +4202,993 @@
       </p:sp>
       <p:sp>
         <p:nvSpPr>
-          <p:cNvPr id="12" name="Forma livre 12">
+          <p:cNvPr id="23" name="Título 8">
             <a:extLst>
               <a:ext uri="{FF2B5EF4-FFF2-40B4-BE49-F238E27FC236}">
-                <a16:creationId xmlns:a16="http://schemas.microsoft.com/office/drawing/2014/main" id="{7324CB5F-D67A-48D3-B993-C6490D8F0F9B}"/>
+                <a16:creationId xmlns:a16="http://schemas.microsoft.com/office/drawing/2014/main" id="{DFB49F34-0E1A-41B3-8E03-D064D4CF018F}"/>
+              </a:ext>
+            </a:extLst>
+          </p:cNvPr>
+          <p:cNvSpPr>
+            <a:spLocks noGrp="1"/>
+          </p:cNvSpPr>
+          <p:nvPr>
+            <p:ph type="ctrTitle"/>
+          </p:nvPr>
+        </p:nvSpPr>
+        <p:spPr>
+          <a:xfrm>
+            <a:off x="914400" y="1752602"/>
+            <a:ext cx="10363200" cy="1829761"/>
+          </a:xfrm>
+        </p:spPr>
+        <p:txBody>
+          <a:bodyPr vert="horz" anchor="b">
+            <a:normAutofit/>
+            <a:scene3d>
+              <a:camera prst="orthographicFront"/>
+              <a:lightRig rig="soft" dir="t"/>
+            </a:scene3d>
+            <a:sp3d prstMaterial="softEdge">
+              <a:bevelT w="25400" h="25400"/>
+            </a:sp3d>
+          </a:bodyPr>
+          <a:lstStyle>
+            <a:lvl1pPr algn="l">
+              <a:defRPr sz="4800" b="1">
+                <a:solidFill>
+                  <a:schemeClr val="tx2">
+                    <a:lumMod val="40000"/>
+                    <a:lumOff val="60000"/>
+                  </a:schemeClr>
+                </a:solidFill>
+                <a:effectLst>
+                  <a:outerShdw blurRad="31750" dist="25400" dir="5400000" algn="tl" rotWithShape="0">
+                    <a:srgbClr val="000000">
+                      <a:alpha val="25000"/>
+                    </a:srgbClr>
+                  </a:outerShdw>
+                </a:effectLst>
+              </a:defRPr>
+            </a:lvl1pPr>
+            <a:extLst/>
+          </a:lstStyle>
+          <a:p>
+            <a:r>
+              <a:rPr kumimoji="0" lang="pt-BR" dirty="0"/>
+              <a:t>Clique para editar o título mestre</a:t>
+            </a:r>
+            <a:endParaRPr kumimoji="0" lang="en-US" dirty="0"/>
+          </a:p>
+        </p:txBody>
+      </p:sp>
+      <p:sp>
+        <p:nvSpPr>
+          <p:cNvPr id="24" name="Subtítulo 16">
+            <a:extLst>
+              <a:ext uri="{FF2B5EF4-FFF2-40B4-BE49-F238E27FC236}">
+                <a16:creationId xmlns:a16="http://schemas.microsoft.com/office/drawing/2014/main" id="{992729E7-7079-41D8-B402-B14FF9651709}"/>
+              </a:ext>
+            </a:extLst>
+          </p:cNvPr>
+          <p:cNvSpPr>
+            <a:spLocks noGrp="1"/>
+          </p:cNvSpPr>
+          <p:nvPr>
+            <p:ph type="subTitle" idx="1" hasCustomPrompt="1"/>
+          </p:nvPr>
+        </p:nvSpPr>
+        <p:spPr>
+          <a:xfrm>
+            <a:off x="914400" y="3611607"/>
+            <a:ext cx="10363200" cy="1199704"/>
+          </a:xfrm>
+        </p:spPr>
+        <p:txBody>
+          <a:bodyPr lIns="108000" tIns="72000" rIns="108000" bIns="72000"/>
+          <a:lstStyle>
+            <a:lvl1pPr marL="0" marR="64008" indent="0" algn="l">
+              <a:buNone/>
+              <a:defRPr>
+                <a:solidFill>
+                  <a:schemeClr val="tx2">
+                    <a:lumMod val="75000"/>
+                  </a:schemeClr>
+                </a:solidFill>
+              </a:defRPr>
+            </a:lvl1pPr>
+            <a:lvl2pPr marL="457200" indent="0" algn="ctr">
+              <a:buNone/>
+            </a:lvl2pPr>
+            <a:lvl3pPr marL="914400" indent="0" algn="ctr">
+              <a:buNone/>
+            </a:lvl3pPr>
+            <a:lvl4pPr marL="1371600" indent="0" algn="ctr">
+              <a:buNone/>
+            </a:lvl4pPr>
+            <a:lvl5pPr marL="1828800" indent="0" algn="ctr">
+              <a:buNone/>
+            </a:lvl5pPr>
+            <a:lvl6pPr marL="2286000" indent="0" algn="ctr">
+              <a:buNone/>
+            </a:lvl6pPr>
+            <a:lvl7pPr marL="2743200" indent="0" algn="ctr">
+              <a:buNone/>
+            </a:lvl7pPr>
+            <a:lvl8pPr marL="3200400" indent="0" algn="ctr">
+              <a:buNone/>
+            </a:lvl8pPr>
+            <a:lvl9pPr marL="3657600" indent="0" algn="ctr">
+              <a:buNone/>
+            </a:lvl9pPr>
+            <a:extLst/>
+          </a:lstStyle>
+          <a:p>
+            <a:r>
+              <a:rPr kumimoji="0" lang="pt-BR" dirty="0"/>
+              <a:t>Clique para editar o estilo do subtítulo mestre</a:t>
+            </a:r>
+            <a:endParaRPr kumimoji="0" lang="en-US" dirty="0"/>
+          </a:p>
+        </p:txBody>
+      </p:sp>
+      <p:grpSp>
+        <p:nvGrpSpPr>
+          <p:cNvPr id="9" name="Agrupar 8">
+            <a:extLst>
+              <a:ext uri="{FF2B5EF4-FFF2-40B4-BE49-F238E27FC236}">
+                <a16:creationId xmlns:a16="http://schemas.microsoft.com/office/drawing/2014/main" id="{D0730FA8-2F5F-4ED8-9188-DA12646837DB}"/>
+              </a:ext>
+            </a:extLst>
+          </p:cNvPr>
+          <p:cNvGrpSpPr/>
+          <p:nvPr userDrawn="1"/>
+        </p:nvGrpSpPr>
+        <p:grpSpPr>
+          <a:xfrm>
+            <a:off x="-2" y="5142592"/>
+            <a:ext cx="12192002" cy="1728726"/>
+            <a:chOff x="-2" y="5142592"/>
+            <a:chExt cx="12192002" cy="1728726"/>
+          </a:xfrm>
+        </p:grpSpPr>
+        <p:sp>
+          <p:nvSpPr>
+            <p:cNvPr id="10" name="Triângulo retângulo 13">
+              <a:extLst>
+                <a:ext uri="{FF2B5EF4-FFF2-40B4-BE49-F238E27FC236}">
+                  <a16:creationId xmlns:a16="http://schemas.microsoft.com/office/drawing/2014/main" id="{3C48BC4A-6C0D-4C27-BA2E-E4C5650E1D49}"/>
+                </a:ext>
+              </a:extLst>
+            </p:cNvPr>
+            <p:cNvSpPr>
+              <a:spLocks/>
+            </p:cNvSpPr>
+            <p:nvPr userDrawn="1"/>
+          </p:nvSpPr>
+          <p:spPr bwMode="auto">
+            <a:xfrm>
+              <a:off x="-2" y="5142592"/>
+              <a:ext cx="9192346" cy="1715408"/>
+            </a:xfrm>
+            <a:prstGeom prst="rtTriangle">
+              <a:avLst/>
+            </a:prstGeom>
+            <a:blipFill>
+              <a:blip r:embed="rId2">
+                <a:alphaModFix amt="50000"/>
+              </a:blip>
+              <a:tile tx="0" ty="0" sx="50000" sy="50000" flip="none" algn="t"/>
+            </a:blipFill>
+            <a:ln w="12700" cap="rnd" cmpd="thickThin" algn="ctr">
+              <a:noFill/>
+              <a:prstDash val="solid"/>
+            </a:ln>
+            <a:effectLst>
+              <a:fillOverlay blend="mult">
+                <a:gradFill flip="none" rotWithShape="1">
+                  <a:gsLst>
+                    <a:gs pos="0">
+                      <a:schemeClr val="accent1">
+                        <a:shade val="20000"/>
+                        <a:satMod val="176000"/>
+                        <a:alpha val="100000"/>
+                      </a:schemeClr>
+                    </a:gs>
+                    <a:gs pos="18000">
+                      <a:schemeClr val="accent1">
+                        <a:shade val="48000"/>
+                        <a:satMod val="153000"/>
+                        <a:alpha val="100000"/>
+                      </a:schemeClr>
+                    </a:gs>
+                    <a:gs pos="43000">
+                      <a:schemeClr val="accent1">
+                        <a:tint val="86000"/>
+                        <a:satMod val="149000"/>
+                        <a:alpha val="100000"/>
+                      </a:schemeClr>
+                    </a:gs>
+                    <a:gs pos="45000">
+                      <a:schemeClr val="accent1">
+                        <a:tint val="85000"/>
+                        <a:satMod val="150000"/>
+                        <a:alpha val="100000"/>
+                      </a:schemeClr>
+                    </a:gs>
+                    <a:gs pos="50000">
+                      <a:schemeClr val="accent1">
+                        <a:tint val="86000"/>
+                        <a:satMod val="149000"/>
+                        <a:alpha val="100000"/>
+                      </a:schemeClr>
+                    </a:gs>
+                    <a:gs pos="79000">
+                      <a:schemeClr val="accent1">
+                        <a:shade val="53000"/>
+                        <a:satMod val="150000"/>
+                        <a:alpha val="100000"/>
+                      </a:schemeClr>
+                    </a:gs>
+                    <a:gs pos="100000">
+                      <a:schemeClr val="accent1">
+                        <a:shade val="25000"/>
+                        <a:satMod val="170000"/>
+                        <a:alpha val="100000"/>
+                      </a:schemeClr>
+                    </a:gs>
+                  </a:gsLst>
+                  <a:lin ang="450000" scaled="1"/>
+                  <a:tileRect/>
+                </a:gradFill>
+              </a:fillOverlay>
+            </a:effectLst>
+          </p:spPr>
+          <p:style>
+            <a:lnRef idx="3">
+              <a:schemeClr val="lt1"/>
+            </a:lnRef>
+            <a:fillRef idx="1">
+              <a:schemeClr val="accent1"/>
+            </a:fillRef>
+            <a:effectRef idx="1">
+              <a:schemeClr val="accent1"/>
+            </a:effectRef>
+            <a:fontRef idx="minor">
+              <a:schemeClr val="lt1"/>
+            </a:fontRef>
+          </p:style>
+          <p:txBody>
+            <a:bodyPr vert="horz" wrap="square" lIns="91440" tIns="45720" rIns="91440" bIns="45720" anchor="ctr" compatLnSpc="1"/>
+            <a:lstStyle/>
+            <a:p>
+              <a:pPr algn="ctr" eaLnBrk="1" latinLnBrk="0" hangingPunct="1"/>
+              <a:endParaRPr kumimoji="0" lang="en-US" sz="1800" dirty="0"/>
+            </a:p>
+          </p:txBody>
+        </p:sp>
+        <p:sp>
+          <p:nvSpPr>
+            <p:cNvPr id="13" name="Forma livre 12">
+              <a:extLst>
+                <a:ext uri="{FF2B5EF4-FFF2-40B4-BE49-F238E27FC236}">
+                  <a16:creationId xmlns:a16="http://schemas.microsoft.com/office/drawing/2014/main" id="{8A9CF518-DC4F-4DA5-9754-84FD213FC185}"/>
+                </a:ext>
+              </a:extLst>
+            </p:cNvPr>
+            <p:cNvSpPr>
+              <a:spLocks/>
+            </p:cNvSpPr>
+            <p:nvPr userDrawn="1"/>
+          </p:nvSpPr>
+          <p:spPr bwMode="auto">
+            <a:xfrm>
+              <a:off x="-2" y="5186981"/>
+              <a:ext cx="12192002" cy="1671020"/>
+            </a:xfrm>
+            <a:custGeom>
+              <a:avLst>
+                <a:gd name="A1" fmla="val 0"/>
+                <a:gd name="A2" fmla="val 0"/>
+                <a:gd name="A3" fmla="val 0"/>
+                <a:gd name="A4" fmla="val 0"/>
+                <a:gd name="A5" fmla="val 0"/>
+                <a:gd name="A6" fmla="val 0"/>
+                <a:gd name="A7" fmla="val 0"/>
+                <a:gd name="A8" fmla="val 0"/>
+              </a:avLst>
+              <a:gdLst/>
+              <a:ahLst/>
+              <a:cxnLst>
+                <a:cxn ang="0">
+                  <a:pos x="0" y="0"/>
+                </a:cxn>
+                <a:cxn ang="0">
+                  <a:pos x="5760" y="0"/>
+                </a:cxn>
+                <a:cxn ang="0">
+                  <a:pos x="5760" y="528"/>
+                </a:cxn>
+                <a:cxn ang="0">
+                  <a:pos x="48" y="0"/>
+                </a:cxn>
+              </a:cxnLst>
+              <a:rect l="0" t="0" r="0" b="0"/>
+              <a:pathLst>
+                <a:path w="7485" h="337">
+                  <a:moveTo>
+                    <a:pt x="0" y="2"/>
+                  </a:moveTo>
+                  <a:lnTo>
+                    <a:pt x="7485" y="337"/>
+                  </a:lnTo>
+                  <a:lnTo>
+                    <a:pt x="5558" y="337"/>
+                  </a:lnTo>
+                  <a:lnTo>
+                    <a:pt x="1" y="0"/>
+                  </a:lnTo>
+                </a:path>
+              </a:pathLst>
+            </a:custGeom>
+            <a:solidFill>
+              <a:schemeClr val="accent1">
+                <a:tint val="65000"/>
+                <a:satMod val="115000"/>
+                <a:alpha val="40000"/>
+              </a:schemeClr>
+            </a:solidFill>
+            <a:ln w="9525" cap="flat" cmpd="sng" algn="ctr">
+              <a:noFill/>
+              <a:prstDash val="solid"/>
+              <a:round/>
+              <a:headEnd type="none" w="med" len="med"/>
+              <a:tailEnd type="none" w="med" len="med"/>
+            </a:ln>
+            <a:effectLst/>
+          </p:spPr>
+          <p:txBody>
+            <a:bodyPr vert="horz" wrap="square" lIns="91440" tIns="45720" rIns="91440" bIns="45720" anchor="t" compatLnSpc="1"/>
+            <a:lstStyle/>
+            <a:p>
+              <a:endParaRPr kumimoji="0" lang="en-US" sz="1800"/>
+            </a:p>
+          </p:txBody>
+        </p:sp>
+        <p:sp>
+          <p:nvSpPr>
+            <p:cNvPr id="14" name="TextBox 20">
+              <a:extLst>
+                <a:ext uri="{FF2B5EF4-FFF2-40B4-BE49-F238E27FC236}">
+                  <a16:creationId xmlns:a16="http://schemas.microsoft.com/office/drawing/2014/main" id="{A71F5001-A4B8-4E47-AD1E-446A95019890}"/>
+                </a:ext>
+              </a:extLst>
+            </p:cNvPr>
+            <p:cNvSpPr txBox="1"/>
+            <p:nvPr userDrawn="1"/>
+          </p:nvSpPr>
+          <p:spPr>
+            <a:xfrm>
+              <a:off x="983432" y="6274667"/>
+              <a:ext cx="2877344" cy="369332"/>
+            </a:xfrm>
+            <a:prstGeom prst="rect">
+              <a:avLst/>
+            </a:prstGeom>
+            <a:noFill/>
+          </p:spPr>
+          <p:txBody>
+            <a:bodyPr wrap="square" rtlCol="0">
+              <a:spAutoFit/>
+            </a:bodyPr>
+            <a:lstStyle/>
+            <a:p>
+              <a:pPr algn="r"/>
+              <a:r>
+                <a:rPr lang="pt-BR" sz="1800" b="1" dirty="0">
+                  <a:solidFill>
+                    <a:schemeClr val="tx1"/>
+                  </a:solidFill>
+                </a:rPr>
+                <a:t>Judson</a:t>
+              </a:r>
+              <a:r>
+                <a:rPr lang="pt-BR" sz="1800" b="1" baseline="0" dirty="0">
+                  <a:solidFill>
+                    <a:schemeClr val="tx1"/>
+                  </a:solidFill>
+                </a:rPr>
+                <a:t> Santos Santiago</a:t>
+              </a:r>
+              <a:endParaRPr lang="pt-BR" sz="1800" b="1" dirty="0">
+                <a:solidFill>
+                  <a:schemeClr val="tx1"/>
+                </a:solidFill>
+              </a:endParaRPr>
+            </a:p>
+          </p:txBody>
+        </p:sp>
+        <p:sp>
+          <p:nvSpPr>
+            <p:cNvPr id="15" name="Forma livre 11">
+              <a:extLst>
+                <a:ext uri="{FF2B5EF4-FFF2-40B4-BE49-F238E27FC236}">
+                  <a16:creationId xmlns:a16="http://schemas.microsoft.com/office/drawing/2014/main" id="{CA6D09B6-13A7-4F5D-BCE2-8C1C8814D799}"/>
+                </a:ext>
+              </a:extLst>
+            </p:cNvPr>
+            <p:cNvSpPr>
+              <a:spLocks/>
+            </p:cNvSpPr>
+            <p:nvPr userDrawn="1"/>
+          </p:nvSpPr>
+          <p:spPr bwMode="auto">
+            <a:xfrm>
+              <a:off x="-2" y="5142592"/>
+              <a:ext cx="9408370" cy="1728726"/>
+            </a:xfrm>
+            <a:custGeom>
+              <a:avLst>
+                <a:gd name="A1" fmla="val 0"/>
+                <a:gd name="A2" fmla="val 0"/>
+                <a:gd name="A3" fmla="val 0"/>
+                <a:gd name="A4" fmla="val 0"/>
+                <a:gd name="A5" fmla="val 0"/>
+                <a:gd name="A6" fmla="val 0"/>
+                <a:gd name="A7" fmla="val 0"/>
+                <a:gd name="A8" fmla="val 0"/>
+              </a:avLst>
+              <a:gdLst/>
+              <a:ahLst/>
+              <a:cxnLst>
+                <a:cxn ang="0">
+                  <a:pos x="0" y="0"/>
+                </a:cxn>
+                <a:cxn ang="0">
+                  <a:pos x="5760" y="0"/>
+                </a:cxn>
+                <a:cxn ang="0">
+                  <a:pos x="5760" y="528"/>
+                </a:cxn>
+                <a:cxn ang="0">
+                  <a:pos x="48" y="0"/>
+                </a:cxn>
+              </a:cxnLst>
+              <a:rect l="0" t="0" r="0" b="0"/>
+              <a:pathLst>
+                <a:path w="5591" h="588">
+                  <a:moveTo>
+                    <a:pt x="0" y="0"/>
+                  </a:moveTo>
+                  <a:lnTo>
+                    <a:pt x="5591" y="585"/>
+                  </a:lnTo>
+                  <a:lnTo>
+                    <a:pt x="4415" y="588"/>
+                  </a:lnTo>
+                  <a:lnTo>
+                    <a:pt x="12" y="4"/>
+                  </a:lnTo>
+                </a:path>
+              </a:pathLst>
+            </a:custGeom>
+            <a:solidFill>
+              <a:srgbClr val="000000">
+                <a:alpha val="100000"/>
+              </a:srgbClr>
+            </a:solidFill>
+            <a:ln w="9525" cap="flat" cmpd="sng" algn="ctr">
+              <a:noFill/>
+              <a:prstDash val="solid"/>
+              <a:round/>
+              <a:headEnd type="none" w="med" len="med"/>
+              <a:tailEnd type="none" w="med" len="med"/>
+            </a:ln>
+            <a:effectLst/>
+          </p:spPr>
+          <p:txBody>
+            <a:bodyPr vert="horz" wrap="square" lIns="91440" tIns="45720" rIns="91440" bIns="45720" anchor="t" compatLnSpc="1"/>
+            <a:lstStyle/>
+            <a:p>
+              <a:endParaRPr kumimoji="0" lang="en-US" sz="1800"/>
+            </a:p>
+          </p:txBody>
+        </p:sp>
+      </p:grpSp>
+      <p:grpSp>
+        <p:nvGrpSpPr>
+          <p:cNvPr id="16" name="Agrupar 15">
+            <a:extLst>
+              <a:ext uri="{FF2B5EF4-FFF2-40B4-BE49-F238E27FC236}">
+                <a16:creationId xmlns:a16="http://schemas.microsoft.com/office/drawing/2014/main" id="{CEF6D7F5-9786-41EF-B9DE-2D45BE317626}"/>
+              </a:ext>
+            </a:extLst>
+          </p:cNvPr>
+          <p:cNvGrpSpPr/>
+          <p:nvPr userDrawn="1"/>
+        </p:nvGrpSpPr>
+        <p:grpSpPr>
+          <a:xfrm>
+            <a:off x="-2" y="-5"/>
+            <a:ext cx="12192002" cy="892457"/>
+            <a:chOff x="-2" y="-5"/>
+            <a:chExt cx="12192002" cy="892457"/>
+          </a:xfrm>
+        </p:grpSpPr>
+        <p:sp>
+          <p:nvSpPr>
+            <p:cNvPr id="17" name="Triângulo retângulo 13">
+              <a:extLst>
+                <a:ext uri="{FF2B5EF4-FFF2-40B4-BE49-F238E27FC236}">
+                  <a16:creationId xmlns:a16="http://schemas.microsoft.com/office/drawing/2014/main" id="{B5AC258B-590E-444D-B219-BA85BFC691FC}"/>
+                </a:ext>
+              </a:extLst>
+            </p:cNvPr>
+            <p:cNvSpPr>
+              <a:spLocks/>
+            </p:cNvSpPr>
+            <p:nvPr userDrawn="1"/>
+          </p:nvSpPr>
+          <p:spPr bwMode="auto">
+            <a:xfrm rot="10800000" flipH="1">
+              <a:off x="0" y="-5"/>
+              <a:ext cx="6600056" cy="836713"/>
+            </a:xfrm>
+            <a:prstGeom prst="rtTriangle">
+              <a:avLst/>
+            </a:prstGeom>
+            <a:blipFill>
+              <a:blip r:embed="rId2">
+                <a:alphaModFix amt="50000"/>
+              </a:blip>
+              <a:tile tx="0" ty="0" sx="50000" sy="50000" flip="none" algn="t"/>
+            </a:blipFill>
+            <a:ln w="12700" cap="rnd" cmpd="thickThin" algn="ctr">
+              <a:noFill/>
+              <a:prstDash val="solid"/>
+            </a:ln>
+            <a:effectLst>
+              <a:fillOverlay blend="mult">
+                <a:gradFill flip="none" rotWithShape="1">
+                  <a:gsLst>
+                    <a:gs pos="0">
+                      <a:schemeClr val="accent1">
+                        <a:shade val="20000"/>
+                        <a:satMod val="176000"/>
+                        <a:alpha val="100000"/>
+                      </a:schemeClr>
+                    </a:gs>
+                    <a:gs pos="18000">
+                      <a:schemeClr val="accent1">
+                        <a:shade val="48000"/>
+                        <a:satMod val="153000"/>
+                        <a:alpha val="100000"/>
+                      </a:schemeClr>
+                    </a:gs>
+                    <a:gs pos="43000">
+                      <a:schemeClr val="accent1">
+                        <a:tint val="86000"/>
+                        <a:satMod val="149000"/>
+                        <a:alpha val="100000"/>
+                      </a:schemeClr>
+                    </a:gs>
+                    <a:gs pos="45000">
+                      <a:schemeClr val="accent1">
+                        <a:tint val="85000"/>
+                        <a:satMod val="150000"/>
+                        <a:alpha val="100000"/>
+                      </a:schemeClr>
+                    </a:gs>
+                    <a:gs pos="50000">
+                      <a:schemeClr val="accent1">
+                        <a:tint val="86000"/>
+                        <a:satMod val="149000"/>
+                        <a:alpha val="100000"/>
+                      </a:schemeClr>
+                    </a:gs>
+                    <a:gs pos="79000">
+                      <a:schemeClr val="accent1">
+                        <a:shade val="53000"/>
+                        <a:satMod val="150000"/>
+                        <a:alpha val="100000"/>
+                      </a:schemeClr>
+                    </a:gs>
+                    <a:gs pos="100000">
+                      <a:schemeClr val="accent1">
+                        <a:shade val="25000"/>
+                        <a:satMod val="170000"/>
+                        <a:alpha val="100000"/>
+                      </a:schemeClr>
+                    </a:gs>
+                  </a:gsLst>
+                  <a:lin ang="450000" scaled="1"/>
+                  <a:tileRect/>
+                </a:gradFill>
+              </a:fillOverlay>
+            </a:effectLst>
+          </p:spPr>
+          <p:style>
+            <a:lnRef idx="3">
+              <a:schemeClr val="lt1"/>
+            </a:lnRef>
+            <a:fillRef idx="1">
+              <a:schemeClr val="accent1"/>
+            </a:fillRef>
+            <a:effectRef idx="1">
+              <a:schemeClr val="accent1"/>
+            </a:effectRef>
+            <a:fontRef idx="minor">
+              <a:schemeClr val="lt1"/>
+            </a:fontRef>
+          </p:style>
+          <p:txBody>
+            <a:bodyPr vert="horz" wrap="square" lIns="91440" tIns="45720" rIns="91440" bIns="45720" anchor="ctr" compatLnSpc="1"/>
+            <a:lstStyle/>
+            <a:p>
+              <a:pPr algn="ctr" eaLnBrk="1" latinLnBrk="0" hangingPunct="1"/>
+              <a:endParaRPr kumimoji="0" lang="en-US" sz="1800"/>
+            </a:p>
+          </p:txBody>
+        </p:sp>
+        <p:sp>
+          <p:nvSpPr>
+            <p:cNvPr id="19" name="Forma livre 12">
+              <a:extLst>
+                <a:ext uri="{FF2B5EF4-FFF2-40B4-BE49-F238E27FC236}">
+                  <a16:creationId xmlns:a16="http://schemas.microsoft.com/office/drawing/2014/main" id="{CCEF2756-9D20-40E4-B8BC-17C21975493D}"/>
+                </a:ext>
+              </a:extLst>
+            </p:cNvPr>
+            <p:cNvSpPr>
+              <a:spLocks/>
+            </p:cNvSpPr>
+            <p:nvPr userDrawn="1"/>
+          </p:nvSpPr>
+          <p:spPr bwMode="auto">
+            <a:xfrm flipV="1">
+              <a:off x="-2" y="0"/>
+              <a:ext cx="12192002" cy="892452"/>
+            </a:xfrm>
+            <a:custGeom>
+              <a:avLst>
+                <a:gd name="A1" fmla="val 0"/>
+                <a:gd name="A2" fmla="val 0"/>
+                <a:gd name="A3" fmla="val 0"/>
+                <a:gd name="A4" fmla="val 0"/>
+                <a:gd name="A5" fmla="val 0"/>
+                <a:gd name="A6" fmla="val 0"/>
+                <a:gd name="A7" fmla="val 0"/>
+                <a:gd name="A8" fmla="val 0"/>
+              </a:avLst>
+              <a:gdLst/>
+              <a:ahLst/>
+              <a:cxnLst>
+                <a:cxn ang="0">
+                  <a:pos x="0" y="0"/>
+                </a:cxn>
+                <a:cxn ang="0">
+                  <a:pos x="5760" y="0"/>
+                </a:cxn>
+                <a:cxn ang="0">
+                  <a:pos x="5760" y="528"/>
+                </a:cxn>
+                <a:cxn ang="0">
+                  <a:pos x="48" y="0"/>
+                </a:cxn>
+              </a:cxnLst>
+              <a:rect l="0" t="0" r="0" b="0"/>
+              <a:pathLst>
+                <a:path w="7485" h="337">
+                  <a:moveTo>
+                    <a:pt x="0" y="2"/>
+                  </a:moveTo>
+                  <a:lnTo>
+                    <a:pt x="7485" y="337"/>
+                  </a:lnTo>
+                  <a:lnTo>
+                    <a:pt x="5558" y="337"/>
+                  </a:lnTo>
+                  <a:lnTo>
+                    <a:pt x="1" y="0"/>
+                  </a:lnTo>
+                </a:path>
+              </a:pathLst>
+            </a:custGeom>
+            <a:solidFill>
+              <a:schemeClr val="accent1">
+                <a:tint val="65000"/>
+                <a:satMod val="115000"/>
+                <a:alpha val="40000"/>
+              </a:schemeClr>
+            </a:solidFill>
+            <a:ln w="9525" cap="flat" cmpd="sng" algn="ctr">
+              <a:noFill/>
+              <a:prstDash val="solid"/>
+              <a:round/>
+              <a:headEnd type="none" w="med" len="med"/>
+              <a:tailEnd type="none" w="med" len="med"/>
+            </a:ln>
+            <a:effectLst/>
+          </p:spPr>
+          <p:txBody>
+            <a:bodyPr vert="horz" wrap="square" lIns="91440" tIns="45720" rIns="91440" bIns="45720" anchor="t" compatLnSpc="1"/>
+            <a:lstStyle/>
+            <a:p>
+              <a:endParaRPr kumimoji="0" lang="en-US" sz="1800"/>
+            </a:p>
+          </p:txBody>
+        </p:sp>
+      </p:grpSp>
+    </p:spTree>
+  </p:cSld>
+  <p:clrMapOvr>
+    <a:masterClrMapping/>
+  </p:clrMapOvr>
+</p:sldLayout>
+</file>
+
+<file path=ppt/slideLayouts/slideLayout2.xml><?xml version="1.0" encoding="utf-8"?>
+<p:sldLayout xmlns:a="http://schemas.openxmlformats.org/drawingml/2006/main" xmlns:r="http://schemas.openxmlformats.org/officeDocument/2006/relationships" xmlns:p="http://schemas.openxmlformats.org/presentationml/2006/main" type="obj" preserve="1">
+  <p:cSld name="Título e conteúdo">
+    <p:spTree>
+      <p:nvGrpSpPr>
+        <p:cNvPr id="1" name=""/>
+        <p:cNvGrpSpPr/>
+        <p:nvPr/>
+      </p:nvGrpSpPr>
+      <p:grpSpPr>
+        <a:xfrm>
+          <a:off x="0" y="0"/>
+          <a:ext cx="0" cy="0"/>
+          <a:chOff x="0" y="0"/>
+          <a:chExt cx="0" cy="0"/>
+        </a:xfrm>
+      </p:grpSpPr>
+      <p:sp>
+        <p:nvSpPr>
+          <p:cNvPr id="3" name="Espaço Reservado para Conteúdo 2"/>
+          <p:cNvSpPr>
+            <a:spLocks noGrp="1"/>
+          </p:cNvSpPr>
+          <p:nvPr>
+            <p:ph idx="1"/>
+          </p:nvPr>
+        </p:nvSpPr>
+        <p:spPr/>
+        <p:txBody>
+          <a:bodyPr/>
+          <a:lstStyle>
+            <a:lvl1pPr>
+              <a:defRPr>
+                <a:solidFill>
+                  <a:schemeClr val="tx2">
+                    <a:lumMod val="60000"/>
+                    <a:lumOff val="40000"/>
+                  </a:schemeClr>
+                </a:solidFill>
+              </a:defRPr>
+            </a:lvl1pPr>
+            <a:lvl2pPr>
+              <a:defRPr>
+                <a:solidFill>
+                  <a:schemeClr val="tx2">
+                    <a:lumMod val="60000"/>
+                    <a:lumOff val="40000"/>
+                  </a:schemeClr>
+                </a:solidFill>
+              </a:defRPr>
+            </a:lvl2pPr>
+            <a:lvl3pPr>
+              <a:defRPr>
+                <a:solidFill>
+                  <a:schemeClr val="tx2">
+                    <a:lumMod val="60000"/>
+                    <a:lumOff val="40000"/>
+                  </a:schemeClr>
+                </a:solidFill>
+              </a:defRPr>
+            </a:lvl3pPr>
+            <a:lvl4pPr>
+              <a:defRPr>
+                <a:solidFill>
+                  <a:schemeClr val="tx2">
+                    <a:lumMod val="60000"/>
+                    <a:lumOff val="40000"/>
+                  </a:schemeClr>
+                </a:solidFill>
+              </a:defRPr>
+            </a:lvl4pPr>
+            <a:lvl5pPr>
+              <a:defRPr>
+                <a:solidFill>
+                  <a:schemeClr val="tx2">
+                    <a:lumMod val="60000"/>
+                    <a:lumOff val="40000"/>
+                  </a:schemeClr>
+                </a:solidFill>
+              </a:defRPr>
+            </a:lvl5pPr>
+            <a:extLst/>
+          </a:lstStyle>
+          <a:p>
+            <a:pPr lvl="0" eaLnBrk="1" latinLnBrk="0" hangingPunct="1"/>
+            <a:r>
+              <a:rPr lang="pt-BR" dirty="0"/>
+              <a:t>Clique para editar o texto mestre</a:t>
+            </a:r>
+          </a:p>
+          <a:p>
+            <a:pPr lvl="1" eaLnBrk="1" latinLnBrk="0" hangingPunct="1"/>
+            <a:r>
+              <a:rPr lang="pt-BR" dirty="0"/>
+              <a:t>Segundo nível</a:t>
+            </a:r>
+          </a:p>
+          <a:p>
+            <a:pPr lvl="2" eaLnBrk="1" latinLnBrk="0" hangingPunct="1"/>
+            <a:r>
+              <a:rPr lang="pt-BR" dirty="0"/>
+              <a:t>Terceiro nível</a:t>
+            </a:r>
+          </a:p>
+          <a:p>
+            <a:pPr lvl="3" eaLnBrk="1" latinLnBrk="0" hangingPunct="1"/>
+            <a:r>
+              <a:rPr lang="pt-BR" dirty="0"/>
+              <a:t>Quarto nível</a:t>
+            </a:r>
+          </a:p>
+          <a:p>
+            <a:pPr lvl="4" eaLnBrk="1" latinLnBrk="0" hangingPunct="1"/>
+            <a:r>
+              <a:rPr lang="pt-BR" dirty="0"/>
+              <a:t>Quinto nível</a:t>
+            </a:r>
+            <a:endParaRPr kumimoji="0" lang="en-US" dirty="0"/>
+          </a:p>
+        </p:txBody>
+      </p:sp>
+      <p:sp>
+        <p:nvSpPr>
+          <p:cNvPr id="4" name="Espaço Reservado para Data 3"/>
+          <p:cNvSpPr>
+            <a:spLocks noGrp="1"/>
+          </p:cNvSpPr>
+          <p:nvPr>
+            <p:ph type="dt" sz="half" idx="10"/>
+          </p:nvPr>
+        </p:nvSpPr>
+        <p:spPr/>
+        <p:txBody>
+          <a:bodyPr/>
+          <a:lstStyle/>
+          <a:p>
+            <a:fld id="{B41ABA4E-CD72-497B-97AA-7213B3980F60}" type="datetimeFigureOut">
+              <a:rPr lang="en-US" smtClean="0"/>
+              <a:pPr/>
+              <a:t>9/19/2021</a:t>
+            </a:fld>
+            <a:endParaRPr lang="en-US" dirty="0"/>
+          </a:p>
+        </p:txBody>
+      </p:sp>
+      <p:sp>
+        <p:nvSpPr>
+          <p:cNvPr id="5" name="Espaço Reservado para Rodapé 4"/>
+          <p:cNvSpPr>
+            <a:spLocks noGrp="1"/>
+          </p:cNvSpPr>
+          <p:nvPr>
+            <p:ph type="ftr" sz="quarter" idx="11"/>
+          </p:nvPr>
+        </p:nvSpPr>
+        <p:spPr/>
+        <p:txBody>
+          <a:bodyPr/>
+          <a:lstStyle/>
+          <a:p>
+            <a:endParaRPr kumimoji="0" lang="en-US" dirty="0"/>
+          </a:p>
+        </p:txBody>
+      </p:sp>
+      <p:sp>
+        <p:nvSpPr>
+          <p:cNvPr id="6" name="Espaço Reservado para Número de Slide 5"/>
+          <p:cNvSpPr>
+            <a:spLocks noGrp="1"/>
+          </p:cNvSpPr>
+          <p:nvPr>
+            <p:ph type="sldNum" sz="quarter" idx="12"/>
+          </p:nvPr>
+        </p:nvSpPr>
+        <p:spPr/>
+        <p:txBody>
+          <a:bodyPr/>
+          <a:lstStyle/>
+          <a:p>
+            <a:fld id="{D2E57653-3E58-4892-A7ED-712530ACC680}" type="slidenum">
+              <a:rPr kumimoji="0" lang="en-US" smtClean="0"/>
+              <a:pPr/>
+              <a:t>‹nº›</a:t>
+            </a:fld>
+            <a:endParaRPr kumimoji="0" lang="en-US" dirty="0"/>
+          </a:p>
+        </p:txBody>
+      </p:sp>
+      <p:sp>
+        <p:nvSpPr>
+          <p:cNvPr id="7" name="Título 6"/>
+          <p:cNvSpPr>
+            <a:spLocks noGrp="1"/>
+          </p:cNvSpPr>
+          <p:nvPr>
+            <p:ph type="title"/>
+          </p:nvPr>
+        </p:nvSpPr>
+        <p:spPr/>
+        <p:txBody>
+          <a:bodyPr rtlCol="0"/>
+          <a:lstStyle>
+            <a:lvl1pPr>
+              <a:defRPr>
+                <a:solidFill>
+                  <a:schemeClr val="tx2">
+                    <a:lumMod val="40000"/>
+                    <a:lumOff val="60000"/>
+                  </a:schemeClr>
+                </a:solidFill>
+              </a:defRPr>
+            </a:lvl1pPr>
+            <a:extLst/>
+          </a:lstStyle>
+          <a:p>
+            <a:r>
+              <a:rPr kumimoji="0" lang="pt-BR" dirty="0"/>
+              <a:t>Clique para editar o título mestre</a:t>
+            </a:r>
+            <a:endParaRPr kumimoji="0" lang="en-US" dirty="0"/>
+          </a:p>
+        </p:txBody>
+      </p:sp>
+    </p:spTree>
+  </p:cSld>
+  <p:clrMapOvr>
+    <a:masterClrMapping/>
+  </p:clrMapOvr>
+</p:sldLayout>
+</file>
+
+<file path=ppt/slideMasters/slideMaster1.xml><?xml version="1.0" encoding="utf-8"?>
+<p:sldMaster xmlns:a="http://schemas.openxmlformats.org/drawingml/2006/main" xmlns:r="http://schemas.openxmlformats.org/officeDocument/2006/relationships" xmlns:p="http://schemas.openxmlformats.org/presentationml/2006/main">
+  <p:cSld>
+    <p:bg>
+      <p:bgPr>
+        <a:solidFill>
+          <a:schemeClr val="tx1"/>
+        </a:solidFill>
+        <a:effectLst/>
+      </p:bgPr>
+    </p:bg>
+    <p:spTree>
+      <p:nvGrpSpPr>
+        <p:cNvPr id="1" name=""/>
+        <p:cNvGrpSpPr/>
+        <p:nvPr/>
+      </p:nvGrpSpPr>
+      <p:grpSpPr>
+        <a:xfrm>
+          <a:off x="0" y="0"/>
+          <a:ext cx="0" cy="0"/>
+          <a:chOff x="0" y="0"/>
+          <a:chExt cx="0" cy="0"/>
+        </a:xfrm>
+      </p:grpSpPr>
+      <p:sp>
+        <p:nvSpPr>
+          <p:cNvPr id="17" name="Triângulo retângulo 13">
+            <a:extLst>
+              <a:ext uri="{FF2B5EF4-FFF2-40B4-BE49-F238E27FC236}">
+                <a16:creationId xmlns:a16="http://schemas.microsoft.com/office/drawing/2014/main" id="{2DF57690-1B0B-48CD-BEB9-D84627E13B8A}"/>
               </a:ext>
             </a:extLst>
           </p:cNvPr>
@@ -3696,103 +5198,15 @@
           <p:nvPr userDrawn="1"/>
         </p:nvSpPr>
         <p:spPr bwMode="auto">
-          <a:xfrm>
-            <a:off x="-2" y="5186981"/>
-            <a:ext cx="12192002" cy="1671020"/>
-          </a:xfrm>
-          <a:custGeom>
-            <a:avLst>
-              <a:gd name="A1" fmla="val 0"/>
-              <a:gd name="A2" fmla="val 0"/>
-              <a:gd name="A3" fmla="val 0"/>
-              <a:gd name="A4" fmla="val 0"/>
-              <a:gd name="A5" fmla="val 0"/>
-              <a:gd name="A6" fmla="val 0"/>
-              <a:gd name="A7" fmla="val 0"/>
-              <a:gd name="A8" fmla="val 0"/>
-            </a:avLst>
-            <a:gdLst/>
-            <a:ahLst/>
-            <a:cxnLst>
-              <a:cxn ang="0">
-                <a:pos x="0" y="0"/>
-              </a:cxn>
-              <a:cxn ang="0">
-                <a:pos x="5760" y="0"/>
-              </a:cxn>
-              <a:cxn ang="0">
-                <a:pos x="5760" y="528"/>
-              </a:cxn>
-              <a:cxn ang="0">
-                <a:pos x="48" y="0"/>
-              </a:cxn>
-            </a:cxnLst>
-            <a:rect l="0" t="0" r="0" b="0"/>
-            <a:pathLst>
-              <a:path w="7485" h="337">
-                <a:moveTo>
-                  <a:pt x="0" y="2"/>
-                </a:moveTo>
-                <a:lnTo>
-                  <a:pt x="7485" y="337"/>
-                </a:lnTo>
-                <a:lnTo>
-                  <a:pt x="5558" y="337"/>
-                </a:lnTo>
-                <a:lnTo>
-                  <a:pt x="1" y="0"/>
-                </a:lnTo>
-              </a:path>
-            </a:pathLst>
-          </a:custGeom>
-          <a:solidFill>
-            <a:schemeClr val="accent1">
-              <a:tint val="65000"/>
-              <a:satMod val="115000"/>
-              <a:alpha val="40000"/>
-            </a:schemeClr>
-          </a:solidFill>
-          <a:ln w="9525" cap="flat" cmpd="sng" algn="ctr">
-            <a:noFill/>
-            <a:prstDash val="solid"/>
-            <a:round/>
-            <a:headEnd type="none" w="med" len="med"/>
-            <a:tailEnd type="none" w="med" len="med"/>
-          </a:ln>
-          <a:effectLst/>
-        </p:spPr>
-        <p:txBody>
-          <a:bodyPr vert="horz" wrap="square" lIns="91440" tIns="45720" rIns="91440" bIns="45720" anchor="t" compatLnSpc="1"/>
-          <a:lstStyle/>
-          <a:p>
-            <a:endParaRPr kumimoji="0" lang="en-US" sz="1800"/>
-          </a:p>
-        </p:txBody>
-      </p:sp>
-      <p:sp>
-        <p:nvSpPr>
-          <p:cNvPr id="18" name="Triângulo retângulo 13">
-            <a:extLst>
-              <a:ext uri="{FF2B5EF4-FFF2-40B4-BE49-F238E27FC236}">
-                <a16:creationId xmlns:a16="http://schemas.microsoft.com/office/drawing/2014/main" id="{98B2195E-138A-44E4-B87B-0704CEF02590}"/>
-              </a:ext>
-            </a:extLst>
-          </p:cNvPr>
-          <p:cNvSpPr>
-            <a:spLocks/>
-          </p:cNvSpPr>
-          <p:nvPr userDrawn="1"/>
-        </p:nvSpPr>
-        <p:spPr bwMode="auto">
-          <a:xfrm>
-            <a:off x="-2" y="5142592"/>
-            <a:ext cx="9192346" cy="1715408"/>
+          <a:xfrm rot="10800000">
+            <a:off x="6600056" y="-2"/>
+            <a:ext cx="5600000" cy="836713"/>
           </a:xfrm>
           <a:prstGeom prst="rtTriangle">
             <a:avLst/>
           </a:prstGeom>
           <a:blipFill>
-            <a:blip r:embed="rId2">
+            <a:blip r:embed="rId4">
               <a:alphaModFix amt="50000"/>
             </a:blip>
             <a:tile tx="0" ty="0" sx="50000" sy="50000" flip="none" algn="t"/>
@@ -3880,3468 +5294,320 @@
           <a:lstStyle/>
           <a:p>
             <a:pPr algn="ctr" eaLnBrk="1" latinLnBrk="0" hangingPunct="1"/>
-            <a:endParaRPr kumimoji="0" lang="en-US" sz="1800" dirty="0"/>
+            <a:endParaRPr kumimoji="0" lang="en-US" sz="1800"/>
           </a:p>
         </p:txBody>
       </p:sp>
-      <p:sp>
-        <p:nvSpPr>
-          <p:cNvPr id="21" name="TextBox 20">
+      <p:grpSp>
+        <p:nvGrpSpPr>
+          <p:cNvPr id="19" name="Agrupar 18">
             <a:extLst>
               <a:ext uri="{FF2B5EF4-FFF2-40B4-BE49-F238E27FC236}">
-                <a16:creationId xmlns:a16="http://schemas.microsoft.com/office/drawing/2014/main" id="{5F9F209C-0402-4EA6-B176-57AC70F88A3C}"/>
+                <a16:creationId xmlns:a16="http://schemas.microsoft.com/office/drawing/2014/main" id="{7A8E834D-78A8-4392-978B-BEB5202C2DE7}"/>
               </a:ext>
             </a:extLst>
           </p:cNvPr>
-          <p:cNvSpPr txBox="1"/>
+          <p:cNvGrpSpPr/>
           <p:nvPr userDrawn="1"/>
-        </p:nvSpPr>
-        <p:spPr>
+        </p:nvGrpSpPr>
+        <p:grpSpPr>
           <a:xfrm>
-            <a:off x="983432" y="6274667"/>
-            <a:ext cx="2877344" cy="369332"/>
+            <a:off x="0" y="6007292"/>
+            <a:ext cx="5591944" cy="850708"/>
+            <a:chOff x="0" y="6317566"/>
+            <a:chExt cx="4759907" cy="540434"/>
           </a:xfrm>
-          <a:prstGeom prst="rect">
-            <a:avLst/>
-          </a:prstGeom>
-          <a:noFill/>
-        </p:spPr>
-        <p:txBody>
-          <a:bodyPr wrap="square" rtlCol="0">
-            <a:spAutoFit/>
-          </a:bodyPr>
-          <a:lstStyle/>
-          <a:p>
-            <a:pPr algn="r"/>
-            <a:r>
-              <a:rPr lang="pt-BR" sz="1800" dirty="0">
-                <a:solidFill>
-                  <a:schemeClr val="tx1"/>
-                </a:solidFill>
-              </a:rPr>
-              <a:t>Judson</a:t>
-            </a:r>
-            <a:r>
-              <a:rPr lang="pt-BR" sz="1800" baseline="0" dirty="0">
-                <a:solidFill>
-                  <a:schemeClr val="tx1"/>
-                </a:solidFill>
-              </a:rPr>
-              <a:t> Santos Santiago</a:t>
-            </a:r>
-            <a:endParaRPr lang="pt-BR" sz="1800" dirty="0">
-              <a:solidFill>
-                <a:schemeClr val="tx1"/>
-              </a:solidFill>
-            </a:endParaRPr>
-          </a:p>
-        </p:txBody>
-      </p:sp>
-      <p:sp>
-        <p:nvSpPr>
-          <p:cNvPr id="22" name="Forma livre 11">
-            <a:extLst>
-              <a:ext uri="{FF2B5EF4-FFF2-40B4-BE49-F238E27FC236}">
-                <a16:creationId xmlns:a16="http://schemas.microsoft.com/office/drawing/2014/main" id="{C1BCEA78-C28C-4FCD-9C09-8ED7BAF35E06}"/>
-              </a:ext>
-            </a:extLst>
-          </p:cNvPr>
-          <p:cNvSpPr>
-            <a:spLocks/>
-          </p:cNvSpPr>
-          <p:nvPr userDrawn="1"/>
-        </p:nvSpPr>
-        <p:spPr bwMode="auto">
-          <a:xfrm>
-            <a:off x="-2" y="5142592"/>
-            <a:ext cx="9408370" cy="1728726"/>
-          </a:xfrm>
-          <a:custGeom>
-            <a:avLst>
-              <a:gd name="A1" fmla="val 0"/>
-              <a:gd name="A2" fmla="val 0"/>
-              <a:gd name="A3" fmla="val 0"/>
-              <a:gd name="A4" fmla="val 0"/>
-              <a:gd name="A5" fmla="val 0"/>
-              <a:gd name="A6" fmla="val 0"/>
-              <a:gd name="A7" fmla="val 0"/>
-              <a:gd name="A8" fmla="val 0"/>
-            </a:avLst>
-            <a:gdLst/>
-            <a:ahLst/>
-            <a:cxnLst>
-              <a:cxn ang="0">
-                <a:pos x="0" y="0"/>
-              </a:cxn>
-              <a:cxn ang="0">
-                <a:pos x="5760" y="0"/>
-              </a:cxn>
-              <a:cxn ang="0">
-                <a:pos x="5760" y="528"/>
-              </a:cxn>
-              <a:cxn ang="0">
-                <a:pos x="48" y="0"/>
-              </a:cxn>
-            </a:cxnLst>
-            <a:rect l="0" t="0" r="0" b="0"/>
-            <a:pathLst>
-              <a:path w="5591" h="588">
-                <a:moveTo>
-                  <a:pt x="0" y="0"/>
-                </a:moveTo>
-                <a:lnTo>
-                  <a:pt x="5591" y="585"/>
-                </a:lnTo>
-                <a:lnTo>
-                  <a:pt x="4415" y="588"/>
-                </a:lnTo>
-                <a:lnTo>
-                  <a:pt x="12" y="4"/>
-                </a:lnTo>
-              </a:path>
-            </a:pathLst>
-          </a:custGeom>
-          <a:solidFill>
-            <a:srgbClr val="000000">
-              <a:alpha val="100000"/>
-            </a:srgbClr>
-          </a:solidFill>
-          <a:ln w="9525" cap="flat" cmpd="sng" algn="ctr">
-            <a:noFill/>
-            <a:prstDash val="solid"/>
-            <a:round/>
-            <a:headEnd type="none" w="med" len="med"/>
-            <a:tailEnd type="none" w="med" len="med"/>
-          </a:ln>
-          <a:effectLst/>
-        </p:spPr>
-        <p:txBody>
-          <a:bodyPr vert="horz" wrap="square" lIns="91440" tIns="45720" rIns="91440" bIns="45720" anchor="t" compatLnSpc="1"/>
-          <a:lstStyle/>
-          <a:p>
-            <a:endParaRPr kumimoji="0" lang="en-US" sz="1800"/>
-          </a:p>
-        </p:txBody>
-      </p:sp>
-      <p:sp>
-        <p:nvSpPr>
-          <p:cNvPr id="23" name="Título 8">
-            <a:extLst>
-              <a:ext uri="{FF2B5EF4-FFF2-40B4-BE49-F238E27FC236}">
-                <a16:creationId xmlns:a16="http://schemas.microsoft.com/office/drawing/2014/main" id="{DFB49F34-0E1A-41B3-8E03-D064D4CF018F}"/>
-              </a:ext>
-            </a:extLst>
-          </p:cNvPr>
-          <p:cNvSpPr>
-            <a:spLocks noGrp="1"/>
-          </p:cNvSpPr>
-          <p:nvPr>
-            <p:ph type="ctrTitle"/>
-          </p:nvPr>
-        </p:nvSpPr>
-        <p:spPr>
-          <a:xfrm>
-            <a:off x="914400" y="1752602"/>
-            <a:ext cx="10363200" cy="1829761"/>
-          </a:xfrm>
-        </p:spPr>
-        <p:txBody>
-          <a:bodyPr vert="horz" anchor="b">
-            <a:normAutofit/>
-            <a:scene3d>
-              <a:camera prst="orthographicFront"/>
-              <a:lightRig rig="soft" dir="t"/>
-            </a:scene3d>
-            <a:sp3d prstMaterial="softEdge">
-              <a:bevelT w="25400" h="25400"/>
-            </a:sp3d>
-          </a:bodyPr>
-          <a:lstStyle>
-            <a:lvl1pPr algn="l">
-              <a:defRPr sz="4800" b="1">
-                <a:solidFill>
-                  <a:schemeClr val="tx2">
-                    <a:lumMod val="40000"/>
-                    <a:lumOff val="60000"/>
-                  </a:schemeClr>
-                </a:solidFill>
-                <a:effectLst>
-                  <a:outerShdw blurRad="31750" dist="25400" dir="5400000" algn="tl" rotWithShape="0">
-                    <a:srgbClr val="000000">
-                      <a:alpha val="25000"/>
-                    </a:srgbClr>
-                  </a:outerShdw>
-                </a:effectLst>
-              </a:defRPr>
-            </a:lvl1pPr>
-            <a:extLst/>
-          </a:lstStyle>
-          <a:p>
-            <a:r>
-              <a:rPr kumimoji="0" lang="pt-BR" dirty="0"/>
-              <a:t>Clique para editar o título mestre</a:t>
-            </a:r>
-            <a:endParaRPr kumimoji="0" lang="en-US" dirty="0"/>
-          </a:p>
-        </p:txBody>
-      </p:sp>
-      <p:sp>
-        <p:nvSpPr>
-          <p:cNvPr id="24" name="Subtítulo 16">
-            <a:extLst>
-              <a:ext uri="{FF2B5EF4-FFF2-40B4-BE49-F238E27FC236}">
-                <a16:creationId xmlns:a16="http://schemas.microsoft.com/office/drawing/2014/main" id="{992729E7-7079-41D8-B402-B14FF9651709}"/>
-              </a:ext>
-            </a:extLst>
-          </p:cNvPr>
-          <p:cNvSpPr>
-            <a:spLocks noGrp="1"/>
-          </p:cNvSpPr>
-          <p:nvPr>
-            <p:ph type="subTitle" idx="1" hasCustomPrompt="1"/>
-          </p:nvPr>
-        </p:nvSpPr>
-        <p:spPr>
-          <a:xfrm>
-            <a:off x="914400" y="3611607"/>
-            <a:ext cx="10363200" cy="1199704"/>
-          </a:xfrm>
-        </p:spPr>
-        <p:txBody>
-          <a:bodyPr lIns="108000" tIns="72000" rIns="108000" bIns="72000"/>
-          <a:lstStyle>
-            <a:lvl1pPr marL="0" marR="64008" indent="0" algn="l">
-              <a:buNone/>
-              <a:defRPr>
-                <a:solidFill>
-                  <a:schemeClr val="tx2">
-                    <a:lumMod val="75000"/>
-                  </a:schemeClr>
-                </a:solidFill>
-              </a:defRPr>
-            </a:lvl1pPr>
-            <a:lvl2pPr marL="457200" indent="0" algn="ctr">
-              <a:buNone/>
-            </a:lvl2pPr>
-            <a:lvl3pPr marL="914400" indent="0" algn="ctr">
-              <a:buNone/>
-            </a:lvl3pPr>
-            <a:lvl4pPr marL="1371600" indent="0" algn="ctr">
-              <a:buNone/>
-            </a:lvl4pPr>
-            <a:lvl5pPr marL="1828800" indent="0" algn="ctr">
-              <a:buNone/>
-            </a:lvl5pPr>
-            <a:lvl6pPr marL="2286000" indent="0" algn="ctr">
-              <a:buNone/>
-            </a:lvl6pPr>
-            <a:lvl7pPr marL="2743200" indent="0" algn="ctr">
-              <a:buNone/>
-            </a:lvl7pPr>
-            <a:lvl8pPr marL="3200400" indent="0" algn="ctr">
-              <a:buNone/>
-            </a:lvl8pPr>
-            <a:lvl9pPr marL="3657600" indent="0" algn="ctr">
-              <a:buNone/>
-            </a:lvl9pPr>
-            <a:extLst/>
-          </a:lstStyle>
-          <a:p>
-            <a:r>
-              <a:rPr kumimoji="0" lang="pt-BR" dirty="0"/>
-              <a:t>Clique para editar o estilo do subtítulo mestre</a:t>
-            </a:r>
-            <a:endParaRPr kumimoji="0" lang="en-US" dirty="0"/>
-          </a:p>
-        </p:txBody>
-      </p:sp>
-    </p:spTree>
-  </p:cSld>
-  <p:clrMapOvr>
-    <a:masterClrMapping/>
-  </p:clrMapOvr>
-</p:sldLayout>
-</file>
-
-<file path=ppt/slideLayouts/slideLayout10.xml><?xml version="1.0" encoding="utf-8"?>
-<p:sldLayout xmlns:a="http://schemas.openxmlformats.org/drawingml/2006/main" xmlns:r="http://schemas.openxmlformats.org/officeDocument/2006/relationships" xmlns:p="http://schemas.openxmlformats.org/presentationml/2006/main" type="vertTx" preserve="1">
-  <p:cSld name="Título e texto vertical">
-    <p:spTree>
-      <p:nvGrpSpPr>
-        <p:cNvPr id="1" name=""/>
-        <p:cNvGrpSpPr/>
-        <p:nvPr/>
-      </p:nvGrpSpPr>
-      <p:grpSpPr>
-        <a:xfrm>
-          <a:off x="0" y="0"/>
-          <a:ext cx="0" cy="0"/>
-          <a:chOff x="0" y="0"/>
-          <a:chExt cx="0" cy="0"/>
-        </a:xfrm>
-      </p:grpSpPr>
-      <p:sp>
-        <p:nvSpPr>
-          <p:cNvPr id="2" name="Título 1"/>
-          <p:cNvSpPr>
-            <a:spLocks noGrp="1"/>
-          </p:cNvSpPr>
-          <p:nvPr>
-            <p:ph type="title"/>
-          </p:nvPr>
-        </p:nvSpPr>
-        <p:spPr/>
-        <p:txBody>
-          <a:bodyPr/>
-          <a:lstStyle/>
-          <a:p>
-            <a:r>
-              <a:rPr kumimoji="0" lang="pt-BR"/>
-              <a:t>Clique para editar o título mestre</a:t>
-            </a:r>
-            <a:endParaRPr kumimoji="0" lang="en-US"/>
-          </a:p>
-        </p:txBody>
-      </p:sp>
-      <p:sp>
-        <p:nvSpPr>
-          <p:cNvPr id="3" name="Espaço Reservado para Texto Vertical 2"/>
-          <p:cNvSpPr>
-            <a:spLocks noGrp="1"/>
-          </p:cNvSpPr>
-          <p:nvPr>
-            <p:ph type="body" orient="vert" idx="1"/>
-          </p:nvPr>
-        </p:nvSpPr>
-        <p:spPr>
-          <a:xfrm>
-            <a:off x="609600" y="1481330"/>
-            <a:ext cx="10972800" cy="4386071"/>
-          </a:xfrm>
-        </p:spPr>
-        <p:txBody>
-          <a:bodyPr vert="eaVert"/>
-          <a:lstStyle/>
-          <a:p>
-            <a:pPr lvl="0" eaLnBrk="1" latinLnBrk="0" hangingPunct="1"/>
-            <a:r>
-              <a:rPr lang="pt-BR"/>
-              <a:t>Clique para editar o texto mestre</a:t>
-            </a:r>
-          </a:p>
-          <a:p>
-            <a:pPr lvl="1" eaLnBrk="1" latinLnBrk="0" hangingPunct="1"/>
-            <a:r>
-              <a:rPr lang="pt-BR"/>
-              <a:t>Segundo nível</a:t>
-            </a:r>
-          </a:p>
-          <a:p>
-            <a:pPr lvl="2" eaLnBrk="1" latinLnBrk="0" hangingPunct="1"/>
-            <a:r>
-              <a:rPr lang="pt-BR"/>
-              <a:t>Terceiro nível</a:t>
-            </a:r>
-          </a:p>
-          <a:p>
-            <a:pPr lvl="3" eaLnBrk="1" latinLnBrk="0" hangingPunct="1"/>
-            <a:r>
-              <a:rPr lang="pt-BR"/>
-              <a:t>Quarto nível</a:t>
-            </a:r>
-          </a:p>
-          <a:p>
-            <a:pPr lvl="4" eaLnBrk="1" latinLnBrk="0" hangingPunct="1"/>
-            <a:r>
-              <a:rPr lang="pt-BR"/>
-              <a:t>Quinto nível</a:t>
-            </a:r>
-            <a:endParaRPr kumimoji="0" lang="en-US"/>
-          </a:p>
-        </p:txBody>
-      </p:sp>
-      <p:sp>
-        <p:nvSpPr>
-          <p:cNvPr id="4" name="Espaço Reservado para Data 3"/>
-          <p:cNvSpPr>
-            <a:spLocks noGrp="1"/>
-          </p:cNvSpPr>
-          <p:nvPr>
-            <p:ph type="dt" sz="half" idx="10"/>
-          </p:nvPr>
-        </p:nvSpPr>
-        <p:spPr/>
-        <p:txBody>
-          <a:bodyPr/>
-          <a:lstStyle/>
-          <a:p>
-            <a:fld id="{B41ABA4E-CD72-497B-97AA-7213B3980F60}" type="datetimeFigureOut">
-              <a:rPr lang="en-US" smtClean="0"/>
-              <a:pPr/>
-              <a:t>7/2/2019</a:t>
-            </a:fld>
-            <a:endParaRPr lang="en-US" dirty="0"/>
-          </a:p>
-        </p:txBody>
-      </p:sp>
-      <p:sp>
-        <p:nvSpPr>
-          <p:cNvPr id="5" name="Espaço Reservado para Rodapé 4"/>
-          <p:cNvSpPr>
-            <a:spLocks noGrp="1"/>
-          </p:cNvSpPr>
-          <p:nvPr>
-            <p:ph type="ftr" sz="quarter" idx="11"/>
-          </p:nvPr>
-        </p:nvSpPr>
-        <p:spPr/>
-        <p:txBody>
-          <a:bodyPr/>
-          <a:lstStyle/>
-          <a:p>
-            <a:endParaRPr kumimoji="0" lang="en-US" dirty="0"/>
-          </a:p>
-        </p:txBody>
-      </p:sp>
-      <p:sp>
-        <p:nvSpPr>
-          <p:cNvPr id="6" name="Espaço Reservado para Número de Slide 5"/>
-          <p:cNvSpPr>
-            <a:spLocks noGrp="1"/>
-          </p:cNvSpPr>
-          <p:nvPr>
-            <p:ph type="sldNum" sz="quarter" idx="12"/>
-          </p:nvPr>
-        </p:nvSpPr>
-        <p:spPr/>
-        <p:txBody>
-          <a:bodyPr/>
-          <a:lstStyle/>
-          <a:p>
-            <a:fld id="{D2E57653-3E58-4892-A7ED-712530ACC680}" type="slidenum">
-              <a:rPr kumimoji="0" lang="en-US" smtClean="0"/>
-              <a:pPr/>
-              <a:t>‹nº›</a:t>
-            </a:fld>
-            <a:endParaRPr kumimoji="0" lang="en-US" dirty="0"/>
-          </a:p>
-        </p:txBody>
-      </p:sp>
-    </p:spTree>
-  </p:cSld>
-  <p:clrMapOvr>
-    <a:masterClrMapping/>
-  </p:clrMapOvr>
-</p:sldLayout>
-</file>
-
-<file path=ppt/slideLayouts/slideLayout11.xml><?xml version="1.0" encoding="utf-8"?>
-<p:sldLayout xmlns:a="http://schemas.openxmlformats.org/drawingml/2006/main" xmlns:r="http://schemas.openxmlformats.org/officeDocument/2006/relationships" xmlns:p="http://schemas.openxmlformats.org/presentationml/2006/main" type="vertTitleAndTx" preserve="1">
-  <p:cSld name="Título e texto verticais">
-    <p:spTree>
-      <p:nvGrpSpPr>
-        <p:cNvPr id="1" name=""/>
-        <p:cNvGrpSpPr/>
-        <p:nvPr/>
-      </p:nvGrpSpPr>
-      <p:grpSpPr>
-        <a:xfrm>
-          <a:off x="0" y="0"/>
-          <a:ext cx="0" cy="0"/>
-          <a:chOff x="0" y="0"/>
-          <a:chExt cx="0" cy="0"/>
-        </a:xfrm>
-      </p:grpSpPr>
-      <p:sp>
-        <p:nvSpPr>
-          <p:cNvPr id="2" name="Título Vertical 1"/>
-          <p:cNvSpPr>
-            <a:spLocks noGrp="1"/>
-          </p:cNvSpPr>
-          <p:nvPr>
-            <p:ph type="title" orient="vert"/>
-          </p:nvPr>
-        </p:nvSpPr>
-        <p:spPr>
-          <a:xfrm>
-            <a:off x="9125351" y="274641"/>
-            <a:ext cx="2369960" cy="5592761"/>
-          </a:xfrm>
-        </p:spPr>
-        <p:txBody>
-          <a:bodyPr vert="eaVert"/>
-          <a:lstStyle/>
-          <a:p>
-            <a:r>
-              <a:rPr kumimoji="0" lang="pt-BR"/>
-              <a:t>Clique para editar o título mestre</a:t>
-            </a:r>
-            <a:endParaRPr kumimoji="0" lang="en-US"/>
-          </a:p>
-        </p:txBody>
-      </p:sp>
-      <p:sp>
-        <p:nvSpPr>
-          <p:cNvPr id="3" name="Espaço Reservado para Texto Vertical 2"/>
-          <p:cNvSpPr>
-            <a:spLocks noGrp="1"/>
-          </p:cNvSpPr>
-          <p:nvPr>
-            <p:ph type="body" orient="vert" idx="1"/>
-          </p:nvPr>
-        </p:nvSpPr>
-        <p:spPr>
-          <a:xfrm>
-            <a:off x="609600" y="274641"/>
-            <a:ext cx="8432800" cy="5592760"/>
-          </a:xfrm>
-        </p:spPr>
-        <p:txBody>
-          <a:bodyPr vert="eaVert"/>
-          <a:lstStyle/>
-          <a:p>
-            <a:pPr lvl="0" eaLnBrk="1" latinLnBrk="0" hangingPunct="1"/>
-            <a:r>
-              <a:rPr lang="pt-BR"/>
-              <a:t>Clique para editar o texto mestre</a:t>
-            </a:r>
-          </a:p>
-          <a:p>
-            <a:pPr lvl="1" eaLnBrk="1" latinLnBrk="0" hangingPunct="1"/>
-            <a:r>
-              <a:rPr lang="pt-BR"/>
-              <a:t>Segundo nível</a:t>
-            </a:r>
-          </a:p>
-          <a:p>
-            <a:pPr lvl="2" eaLnBrk="1" latinLnBrk="0" hangingPunct="1"/>
-            <a:r>
-              <a:rPr lang="pt-BR"/>
-              <a:t>Terceiro nível</a:t>
-            </a:r>
-          </a:p>
-          <a:p>
-            <a:pPr lvl="3" eaLnBrk="1" latinLnBrk="0" hangingPunct="1"/>
-            <a:r>
-              <a:rPr lang="pt-BR"/>
-              <a:t>Quarto nível</a:t>
-            </a:r>
-          </a:p>
-          <a:p>
-            <a:pPr lvl="4" eaLnBrk="1" latinLnBrk="0" hangingPunct="1"/>
-            <a:r>
-              <a:rPr lang="pt-BR"/>
-              <a:t>Quinto nível</a:t>
-            </a:r>
-            <a:endParaRPr kumimoji="0" lang="en-US"/>
-          </a:p>
-        </p:txBody>
-      </p:sp>
-      <p:sp>
-        <p:nvSpPr>
-          <p:cNvPr id="4" name="Espaço Reservado para Data 3"/>
-          <p:cNvSpPr>
-            <a:spLocks noGrp="1"/>
-          </p:cNvSpPr>
-          <p:nvPr>
-            <p:ph type="dt" sz="half" idx="10"/>
-          </p:nvPr>
-        </p:nvSpPr>
-        <p:spPr/>
-        <p:txBody>
-          <a:bodyPr/>
-          <a:lstStyle/>
-          <a:p>
-            <a:fld id="{B41ABA4E-CD72-497B-97AA-7213B3980F60}" type="datetimeFigureOut">
-              <a:rPr lang="en-US" smtClean="0"/>
-              <a:pPr/>
-              <a:t>7/2/2019</a:t>
-            </a:fld>
-            <a:endParaRPr lang="en-US" dirty="0"/>
-          </a:p>
-        </p:txBody>
-      </p:sp>
-      <p:sp>
-        <p:nvSpPr>
-          <p:cNvPr id="5" name="Espaço Reservado para Rodapé 4"/>
-          <p:cNvSpPr>
-            <a:spLocks noGrp="1"/>
-          </p:cNvSpPr>
-          <p:nvPr>
-            <p:ph type="ftr" sz="quarter" idx="11"/>
-          </p:nvPr>
-        </p:nvSpPr>
-        <p:spPr/>
-        <p:txBody>
-          <a:bodyPr/>
-          <a:lstStyle/>
-          <a:p>
-            <a:endParaRPr kumimoji="0" lang="en-US" dirty="0"/>
-          </a:p>
-        </p:txBody>
-      </p:sp>
-      <p:sp>
-        <p:nvSpPr>
-          <p:cNvPr id="6" name="Espaço Reservado para Número de Slide 5"/>
-          <p:cNvSpPr>
-            <a:spLocks noGrp="1"/>
-          </p:cNvSpPr>
-          <p:nvPr>
-            <p:ph type="sldNum" sz="quarter" idx="12"/>
-          </p:nvPr>
-        </p:nvSpPr>
-        <p:spPr/>
-        <p:txBody>
-          <a:bodyPr/>
-          <a:lstStyle/>
-          <a:p>
-            <a:fld id="{D2E57653-3E58-4892-A7ED-712530ACC680}" type="slidenum">
-              <a:rPr kumimoji="0" lang="en-US" smtClean="0"/>
-              <a:pPr/>
-              <a:t>‹nº›</a:t>
-            </a:fld>
-            <a:endParaRPr kumimoji="0" lang="en-US" dirty="0"/>
-          </a:p>
-        </p:txBody>
-      </p:sp>
-    </p:spTree>
-  </p:cSld>
-  <p:clrMapOvr>
-    <a:masterClrMapping/>
-  </p:clrMapOvr>
-</p:sldLayout>
-</file>
-
-<file path=ppt/slideLayouts/slideLayout2.xml><?xml version="1.0" encoding="utf-8"?>
-<p:sldLayout xmlns:a="http://schemas.openxmlformats.org/drawingml/2006/main" xmlns:r="http://schemas.openxmlformats.org/officeDocument/2006/relationships" xmlns:p="http://schemas.openxmlformats.org/presentationml/2006/main" type="obj" preserve="1">
-  <p:cSld name="Título e conteúdo">
-    <p:spTree>
-      <p:nvGrpSpPr>
-        <p:cNvPr id="1" name=""/>
-        <p:cNvGrpSpPr/>
-        <p:nvPr/>
-      </p:nvGrpSpPr>
-      <p:grpSpPr>
-        <a:xfrm>
-          <a:off x="0" y="0"/>
-          <a:ext cx="0" cy="0"/>
-          <a:chOff x="0" y="0"/>
-          <a:chExt cx="0" cy="0"/>
-        </a:xfrm>
-      </p:grpSpPr>
-      <p:sp>
-        <p:nvSpPr>
-          <p:cNvPr id="3" name="Espaço Reservado para Conteúdo 2"/>
-          <p:cNvSpPr>
-            <a:spLocks noGrp="1"/>
-          </p:cNvSpPr>
-          <p:nvPr>
-            <p:ph idx="1"/>
-          </p:nvPr>
-        </p:nvSpPr>
-        <p:spPr/>
-        <p:txBody>
-          <a:bodyPr/>
-          <a:lstStyle>
-            <a:lvl1pPr>
-              <a:defRPr>
-                <a:solidFill>
-                  <a:schemeClr val="tx2">
-                    <a:lumMod val="60000"/>
-                    <a:lumOff val="40000"/>
-                  </a:schemeClr>
-                </a:solidFill>
-              </a:defRPr>
-            </a:lvl1pPr>
-            <a:lvl2pPr>
-              <a:defRPr>
-                <a:solidFill>
-                  <a:schemeClr val="tx2">
-                    <a:lumMod val="60000"/>
-                    <a:lumOff val="40000"/>
-                  </a:schemeClr>
-                </a:solidFill>
-              </a:defRPr>
-            </a:lvl2pPr>
-            <a:lvl3pPr>
-              <a:defRPr>
-                <a:solidFill>
-                  <a:schemeClr val="tx2">
-                    <a:lumMod val="60000"/>
-                    <a:lumOff val="40000"/>
-                  </a:schemeClr>
-                </a:solidFill>
-              </a:defRPr>
-            </a:lvl3pPr>
-            <a:lvl4pPr>
-              <a:defRPr>
-                <a:solidFill>
-                  <a:schemeClr val="tx2">
-                    <a:lumMod val="60000"/>
-                    <a:lumOff val="40000"/>
-                  </a:schemeClr>
-                </a:solidFill>
-              </a:defRPr>
-            </a:lvl4pPr>
-            <a:lvl5pPr>
-              <a:defRPr>
-                <a:solidFill>
-                  <a:schemeClr val="tx2">
-                    <a:lumMod val="60000"/>
-                    <a:lumOff val="40000"/>
-                  </a:schemeClr>
-                </a:solidFill>
-              </a:defRPr>
-            </a:lvl5pPr>
-            <a:extLst/>
-          </a:lstStyle>
-          <a:p>
-            <a:pPr lvl="0" eaLnBrk="1" latinLnBrk="0" hangingPunct="1"/>
-            <a:r>
-              <a:rPr lang="pt-BR" dirty="0"/>
-              <a:t>Clique para editar o texto mestre</a:t>
-            </a:r>
-          </a:p>
-          <a:p>
-            <a:pPr lvl="1" eaLnBrk="1" latinLnBrk="0" hangingPunct="1"/>
-            <a:r>
-              <a:rPr lang="pt-BR" dirty="0"/>
-              <a:t>Segundo nível</a:t>
-            </a:r>
-          </a:p>
-          <a:p>
-            <a:pPr lvl="2" eaLnBrk="1" latinLnBrk="0" hangingPunct="1"/>
-            <a:r>
-              <a:rPr lang="pt-BR" dirty="0"/>
-              <a:t>Terceiro nível</a:t>
-            </a:r>
-          </a:p>
-          <a:p>
-            <a:pPr lvl="3" eaLnBrk="1" latinLnBrk="0" hangingPunct="1"/>
-            <a:r>
-              <a:rPr lang="pt-BR" dirty="0"/>
-              <a:t>Quarto nível</a:t>
-            </a:r>
-          </a:p>
-          <a:p>
-            <a:pPr lvl="4" eaLnBrk="1" latinLnBrk="0" hangingPunct="1"/>
-            <a:r>
-              <a:rPr lang="pt-BR" dirty="0"/>
-              <a:t>Quinto nível</a:t>
-            </a:r>
-            <a:endParaRPr kumimoji="0" lang="en-US" dirty="0"/>
-          </a:p>
-        </p:txBody>
-      </p:sp>
-      <p:sp>
-        <p:nvSpPr>
-          <p:cNvPr id="4" name="Espaço Reservado para Data 3"/>
-          <p:cNvSpPr>
-            <a:spLocks noGrp="1"/>
-          </p:cNvSpPr>
-          <p:nvPr>
-            <p:ph type="dt" sz="half" idx="10"/>
-          </p:nvPr>
-        </p:nvSpPr>
-        <p:spPr/>
-        <p:txBody>
-          <a:bodyPr/>
-          <a:lstStyle/>
-          <a:p>
-            <a:fld id="{B41ABA4E-CD72-497B-97AA-7213B3980F60}" type="datetimeFigureOut">
-              <a:rPr lang="en-US" smtClean="0"/>
-              <a:pPr/>
-              <a:t>7/2/2019</a:t>
-            </a:fld>
-            <a:endParaRPr lang="en-US" dirty="0"/>
-          </a:p>
-        </p:txBody>
-      </p:sp>
-      <p:sp>
-        <p:nvSpPr>
-          <p:cNvPr id="5" name="Espaço Reservado para Rodapé 4"/>
-          <p:cNvSpPr>
-            <a:spLocks noGrp="1"/>
-          </p:cNvSpPr>
-          <p:nvPr>
-            <p:ph type="ftr" sz="quarter" idx="11"/>
-          </p:nvPr>
-        </p:nvSpPr>
-        <p:spPr/>
-        <p:txBody>
-          <a:bodyPr/>
-          <a:lstStyle/>
-          <a:p>
-            <a:endParaRPr kumimoji="0" lang="en-US" dirty="0"/>
-          </a:p>
-        </p:txBody>
-      </p:sp>
-      <p:sp>
-        <p:nvSpPr>
-          <p:cNvPr id="6" name="Espaço Reservado para Número de Slide 5"/>
-          <p:cNvSpPr>
-            <a:spLocks noGrp="1"/>
-          </p:cNvSpPr>
-          <p:nvPr>
-            <p:ph type="sldNum" sz="quarter" idx="12"/>
-          </p:nvPr>
-        </p:nvSpPr>
-        <p:spPr/>
-        <p:txBody>
-          <a:bodyPr/>
-          <a:lstStyle/>
-          <a:p>
-            <a:fld id="{D2E57653-3E58-4892-A7ED-712530ACC680}" type="slidenum">
-              <a:rPr kumimoji="0" lang="en-US" smtClean="0"/>
-              <a:pPr/>
-              <a:t>‹nº›</a:t>
-            </a:fld>
-            <a:endParaRPr kumimoji="0" lang="en-US" dirty="0"/>
-          </a:p>
-        </p:txBody>
-      </p:sp>
-      <p:sp>
-        <p:nvSpPr>
-          <p:cNvPr id="7" name="Título 6"/>
-          <p:cNvSpPr>
-            <a:spLocks noGrp="1"/>
-          </p:cNvSpPr>
-          <p:nvPr>
-            <p:ph type="title"/>
-          </p:nvPr>
-        </p:nvSpPr>
-        <p:spPr/>
-        <p:txBody>
-          <a:bodyPr rtlCol="0"/>
-          <a:lstStyle>
-            <a:lvl1pPr>
-              <a:defRPr>
-                <a:solidFill>
-                  <a:schemeClr val="tx2">
-                    <a:lumMod val="40000"/>
-                    <a:lumOff val="60000"/>
-                  </a:schemeClr>
-                </a:solidFill>
-              </a:defRPr>
-            </a:lvl1pPr>
-            <a:extLst/>
-          </a:lstStyle>
-          <a:p>
-            <a:r>
-              <a:rPr kumimoji="0" lang="pt-BR" dirty="0"/>
-              <a:t>Clique para editar o título mestre</a:t>
-            </a:r>
-            <a:endParaRPr kumimoji="0" lang="en-US" dirty="0"/>
-          </a:p>
-        </p:txBody>
-      </p:sp>
-    </p:spTree>
-  </p:cSld>
-  <p:clrMapOvr>
-    <a:masterClrMapping/>
-  </p:clrMapOvr>
-</p:sldLayout>
-</file>
-
-<file path=ppt/slideLayouts/slideLayout3.xml><?xml version="1.0" encoding="utf-8"?>
-<p:sldLayout xmlns:a="http://schemas.openxmlformats.org/drawingml/2006/main" xmlns:r="http://schemas.openxmlformats.org/officeDocument/2006/relationships" xmlns:p="http://schemas.openxmlformats.org/presentationml/2006/main" type="secHead" preserve="1">
-  <p:cSld name="Cabeçalho da Seção">
-    <p:bg>
-      <p:bgRef idx="1002">
-        <a:schemeClr val="bg1"/>
-      </p:bgRef>
-    </p:bg>
-    <p:spTree>
-      <p:nvGrpSpPr>
-        <p:cNvPr id="1" name=""/>
-        <p:cNvGrpSpPr/>
-        <p:nvPr/>
-      </p:nvGrpSpPr>
-      <p:grpSpPr>
-        <a:xfrm>
-          <a:off x="0" y="0"/>
-          <a:ext cx="0" cy="0"/>
-          <a:chOff x="0" y="0"/>
-          <a:chExt cx="0" cy="0"/>
-        </a:xfrm>
-      </p:grpSpPr>
-      <p:sp>
-        <p:nvSpPr>
-          <p:cNvPr id="2" name="Título 1"/>
-          <p:cNvSpPr>
-            <a:spLocks noGrp="1"/>
-          </p:cNvSpPr>
-          <p:nvPr>
-            <p:ph type="title"/>
-          </p:nvPr>
-        </p:nvSpPr>
-        <p:spPr>
-          <a:xfrm>
-            <a:off x="963168" y="1059712"/>
-            <a:ext cx="10363200" cy="1828800"/>
-          </a:xfrm>
-        </p:spPr>
-        <p:txBody>
-          <a:bodyPr vert="horz" anchor="b">
-            <a:normAutofit/>
-            <a:scene3d>
-              <a:camera prst="orthographicFront"/>
-              <a:lightRig rig="soft" dir="t"/>
-            </a:scene3d>
-            <a:sp3d prstMaterial="softEdge">
-              <a:bevelT w="25400" h="25400"/>
-            </a:sp3d>
-          </a:bodyPr>
-          <a:lstStyle>
-            <a:lvl1pPr algn="r">
-              <a:buNone/>
-              <a:defRPr sz="4800" b="1" cap="none" baseline="0">
-                <a:effectLst>
-                  <a:outerShdw blurRad="31750" dist="25400" dir="5400000" algn="tl" rotWithShape="0">
-                    <a:srgbClr val="000000">
-                      <a:alpha val="25000"/>
-                    </a:srgbClr>
-                  </a:outerShdw>
-                </a:effectLst>
-              </a:defRPr>
-            </a:lvl1pPr>
-            <a:extLst/>
-          </a:lstStyle>
-          <a:p>
-            <a:r>
-              <a:rPr kumimoji="0" lang="pt-BR"/>
-              <a:t>Clique para editar o título mestre</a:t>
-            </a:r>
-            <a:endParaRPr kumimoji="0" lang="en-US"/>
-          </a:p>
-        </p:txBody>
-      </p:sp>
-      <p:sp>
-        <p:nvSpPr>
-          <p:cNvPr id="3" name="Espaço Reservado para Texto 2"/>
-          <p:cNvSpPr>
-            <a:spLocks noGrp="1"/>
-          </p:cNvSpPr>
-          <p:nvPr>
-            <p:ph type="body" idx="1"/>
-          </p:nvPr>
-        </p:nvSpPr>
-        <p:spPr>
-          <a:xfrm>
-            <a:off x="5230284" y="2931712"/>
-            <a:ext cx="6096000" cy="1454888"/>
-          </a:xfrm>
-        </p:spPr>
-        <p:txBody>
-          <a:bodyPr lIns="91440" rIns="91440" anchor="t"/>
-          <a:lstStyle>
-            <a:lvl1pPr marL="0" indent="0" algn="l">
-              <a:buNone/>
-              <a:defRPr sz="2300">
-                <a:solidFill>
-                  <a:schemeClr val="tx1"/>
-                </a:solidFill>
-              </a:defRPr>
-            </a:lvl1pPr>
-            <a:lvl2pPr>
-              <a:buNone/>
-              <a:defRPr sz="1800">
-                <a:solidFill>
-                  <a:schemeClr val="tx1">
-                    <a:tint val="75000"/>
-                  </a:schemeClr>
-                </a:solidFill>
-              </a:defRPr>
-            </a:lvl2pPr>
-            <a:lvl3pPr>
-              <a:buNone/>
-              <a:defRPr sz="1600">
-                <a:solidFill>
-                  <a:schemeClr val="tx1">
-                    <a:tint val="75000"/>
-                  </a:schemeClr>
-                </a:solidFill>
-              </a:defRPr>
-            </a:lvl3pPr>
-            <a:lvl4pPr>
-              <a:buNone/>
-              <a:defRPr sz="1400">
-                <a:solidFill>
-                  <a:schemeClr val="tx1">
-                    <a:tint val="75000"/>
-                  </a:schemeClr>
-                </a:solidFill>
-              </a:defRPr>
-            </a:lvl4pPr>
-            <a:lvl5pPr>
-              <a:buNone/>
-              <a:defRPr sz="1400">
-                <a:solidFill>
-                  <a:schemeClr val="tx1">
-                    <a:tint val="75000"/>
-                  </a:schemeClr>
-                </a:solidFill>
-              </a:defRPr>
-            </a:lvl5pPr>
-            <a:extLst/>
-          </a:lstStyle>
-          <a:p>
-            <a:pPr lvl="0" eaLnBrk="1" latinLnBrk="0" hangingPunct="1"/>
-            <a:r>
-              <a:rPr kumimoji="0" lang="pt-BR"/>
-              <a:t>Clique para editar o texto mestre</a:t>
-            </a:r>
-          </a:p>
-        </p:txBody>
-      </p:sp>
-      <p:sp>
-        <p:nvSpPr>
-          <p:cNvPr id="4" name="Espaço Reservado para Data 3"/>
-          <p:cNvSpPr>
-            <a:spLocks noGrp="1"/>
-          </p:cNvSpPr>
-          <p:nvPr>
-            <p:ph type="dt" sz="half" idx="10"/>
-          </p:nvPr>
-        </p:nvSpPr>
-        <p:spPr/>
-        <p:txBody>
-          <a:bodyPr/>
-          <a:lstStyle/>
-          <a:p>
-            <a:fld id="{B41ABA4E-CD72-497B-97AA-7213B3980F60}" type="datetimeFigureOut">
-              <a:rPr lang="en-US" smtClean="0"/>
-              <a:pPr/>
-              <a:t>7/2/2019</a:t>
-            </a:fld>
-            <a:endParaRPr lang="en-US" dirty="0"/>
-          </a:p>
-        </p:txBody>
-      </p:sp>
-      <p:sp>
-        <p:nvSpPr>
-          <p:cNvPr id="5" name="Espaço Reservado para Rodapé 4"/>
-          <p:cNvSpPr>
-            <a:spLocks noGrp="1"/>
-          </p:cNvSpPr>
-          <p:nvPr>
-            <p:ph type="ftr" sz="quarter" idx="11"/>
-          </p:nvPr>
-        </p:nvSpPr>
-        <p:spPr/>
-        <p:txBody>
-          <a:bodyPr/>
-          <a:lstStyle/>
-          <a:p>
-            <a:endParaRPr kumimoji="0" lang="en-US" dirty="0"/>
-          </a:p>
-        </p:txBody>
-      </p:sp>
-      <p:sp>
-        <p:nvSpPr>
-          <p:cNvPr id="6" name="Espaço Reservado para Número de Slide 5"/>
-          <p:cNvSpPr>
-            <a:spLocks noGrp="1"/>
-          </p:cNvSpPr>
-          <p:nvPr>
-            <p:ph type="sldNum" sz="quarter" idx="12"/>
-          </p:nvPr>
-        </p:nvSpPr>
-        <p:spPr/>
-        <p:txBody>
-          <a:bodyPr/>
-          <a:lstStyle/>
-          <a:p>
-            <a:fld id="{D2E57653-3E58-4892-A7ED-712530ACC680}" type="slidenum">
-              <a:rPr kumimoji="0" lang="en-US" smtClean="0"/>
-              <a:pPr/>
-              <a:t>‹nº›</a:t>
-            </a:fld>
-            <a:endParaRPr kumimoji="0" lang="en-US" dirty="0"/>
-          </a:p>
-        </p:txBody>
-      </p:sp>
-      <p:sp>
-        <p:nvSpPr>
-          <p:cNvPr id="7" name="Divisa 6"/>
-          <p:cNvSpPr/>
-          <p:nvPr/>
-        </p:nvSpPr>
-        <p:spPr>
-          <a:xfrm>
-            <a:off x="4848907" y="3005472"/>
-            <a:ext cx="243840" cy="228600"/>
-          </a:xfrm>
-          <a:prstGeom prst="chevron">
-            <a:avLst>
-              <a:gd name="adj" fmla="val 50000"/>
-            </a:avLst>
-          </a:prstGeom>
-          <a:gradFill flip="none" rotWithShape="1">
-            <a:gsLst>
-              <a:gs pos="0">
-                <a:schemeClr val="accent1">
-                  <a:shade val="60000"/>
-                  <a:satMod val="125000"/>
-                </a:schemeClr>
-              </a:gs>
-              <a:gs pos="72000">
-                <a:schemeClr val="accent1">
-                  <a:tint val="90000"/>
-                  <a:satMod val="138000"/>
-                </a:schemeClr>
-              </a:gs>
-              <a:gs pos="100000">
-                <a:schemeClr val="accent1">
-                  <a:tint val="76000"/>
-                  <a:satMod val="136000"/>
-                </a:schemeClr>
-              </a:gs>
-            </a:gsLst>
-            <a:lin ang="16200000" scaled="0"/>
-          </a:gradFill>
-          <a:ln w="3175" cap="rnd" cmpd="sng" algn="ctr">
+        </p:grpSpPr>
+        <p:sp>
+          <p:nvSpPr>
+            <p:cNvPr id="20" name="Forma livre 12">
+              <a:extLst>
+                <a:ext uri="{FF2B5EF4-FFF2-40B4-BE49-F238E27FC236}">
+                  <a16:creationId xmlns:a16="http://schemas.microsoft.com/office/drawing/2014/main" id="{943E1265-8EC5-42F5-9B5D-D70B19572CB5}"/>
+                </a:ext>
+              </a:extLst>
+            </p:cNvPr>
+            <p:cNvSpPr>
+              <a:spLocks/>
+            </p:cNvSpPr>
+            <p:nvPr/>
+          </p:nvSpPr>
+          <p:spPr bwMode="auto">
+            <a:xfrm>
+              <a:off x="673754" y="6391353"/>
+              <a:ext cx="4086153" cy="460538"/>
+            </a:xfrm>
+            <a:custGeom>
+              <a:avLst>
+                <a:gd name="A1" fmla="val 0"/>
+                <a:gd name="A2" fmla="val 0"/>
+                <a:gd name="A3" fmla="val 0"/>
+                <a:gd name="A4" fmla="val 0"/>
+                <a:gd name="A5" fmla="val 0"/>
+                <a:gd name="A6" fmla="val 0"/>
+                <a:gd name="A7" fmla="val 0"/>
+                <a:gd name="A8" fmla="val 0"/>
+              </a:avLst>
+              <a:gdLst/>
+              <a:ahLst/>
+              <a:cxnLst>
+                <a:cxn ang="0">
+                  <a:pos x="0" y="0"/>
+                </a:cxn>
+                <a:cxn ang="0">
+                  <a:pos x="5760" y="0"/>
+                </a:cxn>
+                <a:cxn ang="0">
+                  <a:pos x="5760" y="528"/>
+                </a:cxn>
+                <a:cxn ang="0">
+                  <a:pos x="48" y="0"/>
+                </a:cxn>
+              </a:cxnLst>
+              <a:rect l="0" t="0" r="0" b="0"/>
+              <a:pathLst>
+                <a:path w="7485" h="337">
+                  <a:moveTo>
+                    <a:pt x="0" y="2"/>
+                  </a:moveTo>
+                  <a:lnTo>
+                    <a:pt x="7485" y="337"/>
+                  </a:lnTo>
+                  <a:lnTo>
+                    <a:pt x="5558" y="337"/>
+                  </a:lnTo>
+                  <a:lnTo>
+                    <a:pt x="1" y="0"/>
+                  </a:lnTo>
+                </a:path>
+              </a:pathLst>
+            </a:custGeom>
             <a:solidFill>
               <a:schemeClr val="accent1">
-                <a:shade val="50000"/>
+                <a:tint val="65000"/>
+                <a:satMod val="115000"/>
+                <a:alpha val="40000"/>
               </a:schemeClr>
             </a:solidFill>
-            <a:prstDash val="solid"/>
-          </a:ln>
-          <a:effectLst>
-            <a:outerShdw blurRad="50800" dist="25400" dir="5400000">
+            <a:ln w="9525" cap="flat" cmpd="sng" algn="ctr">
+              <a:noFill/>
+              <a:prstDash val="solid"/>
+              <a:round/>
+              <a:headEnd type="none" w="med" len="med"/>
+              <a:tailEnd type="none" w="med" len="med"/>
+            </a:ln>
+            <a:effectLst/>
+          </p:spPr>
+          <p:txBody>
+            <a:bodyPr vert="horz" wrap="square" lIns="91440" tIns="45720" rIns="91440" bIns="45720" anchor="t" compatLnSpc="1"/>
+            <a:lstStyle/>
+            <a:p>
+              <a:endParaRPr kumimoji="0" lang="en-US" sz="1800"/>
+            </a:p>
+          </p:txBody>
+        </p:sp>
+        <p:sp>
+          <p:nvSpPr>
+            <p:cNvPr id="21" name="Forma livre 11">
+              <a:extLst>
+                <a:ext uri="{FF2B5EF4-FFF2-40B4-BE49-F238E27FC236}">
+                  <a16:creationId xmlns:a16="http://schemas.microsoft.com/office/drawing/2014/main" id="{045982C0-6BAE-4A6C-B4C8-C4FAE02A9D42}"/>
+                </a:ext>
+              </a:extLst>
+            </p:cNvPr>
+            <p:cNvSpPr>
+              <a:spLocks/>
+            </p:cNvSpPr>
+            <p:nvPr/>
+          </p:nvSpPr>
+          <p:spPr bwMode="auto">
+            <a:xfrm>
+              <a:off x="655680" y="6404539"/>
+              <a:ext cx="3052195" cy="447352"/>
+            </a:xfrm>
+            <a:custGeom>
+              <a:avLst>
+                <a:gd name="A1" fmla="val 0"/>
+                <a:gd name="A2" fmla="val 0"/>
+                <a:gd name="A3" fmla="val 0"/>
+                <a:gd name="A4" fmla="val 0"/>
+                <a:gd name="A5" fmla="val 0"/>
+                <a:gd name="A6" fmla="val 0"/>
+                <a:gd name="A7" fmla="val 0"/>
+                <a:gd name="A8" fmla="val 0"/>
+              </a:avLst>
+              <a:gdLst/>
+              <a:ahLst/>
+              <a:cxnLst>
+                <a:cxn ang="0">
+                  <a:pos x="0" y="0"/>
+                </a:cxn>
+                <a:cxn ang="0">
+                  <a:pos x="5760" y="0"/>
+                </a:cxn>
+                <a:cxn ang="0">
+                  <a:pos x="5760" y="528"/>
+                </a:cxn>
+                <a:cxn ang="0">
+                  <a:pos x="48" y="0"/>
+                </a:cxn>
+              </a:cxnLst>
+              <a:rect l="0" t="0" r="0" b="0"/>
+              <a:pathLst>
+                <a:path w="5591" h="588">
+                  <a:moveTo>
+                    <a:pt x="0" y="0"/>
+                  </a:moveTo>
+                  <a:lnTo>
+                    <a:pt x="5591" y="585"/>
+                  </a:lnTo>
+                  <a:lnTo>
+                    <a:pt x="4415" y="588"/>
+                  </a:lnTo>
+                  <a:lnTo>
+                    <a:pt x="12" y="4"/>
+                  </a:lnTo>
+                </a:path>
+              </a:pathLst>
+            </a:custGeom>
+            <a:solidFill>
               <a:srgbClr val="000000">
-                <a:alpha val="46000"/>
+                <a:alpha val="100000"/>
               </a:srgbClr>
-            </a:outerShdw>
-          </a:effectLst>
-        </p:spPr>
-        <p:style>
-          <a:lnRef idx="1">
-            <a:schemeClr val="accent1"/>
-          </a:lnRef>
-          <a:fillRef idx="3">
-            <a:schemeClr val="accent1"/>
-          </a:fillRef>
-          <a:effectRef idx="2">
-            <a:schemeClr val="accent1"/>
-          </a:effectRef>
-          <a:fontRef idx="minor">
-            <a:schemeClr val="lt1"/>
-          </a:fontRef>
-        </p:style>
-        <p:txBody>
-          <a:bodyPr anchor="ctr"/>
-          <a:lstStyle/>
-          <a:p>
-            <a:pPr algn="l" eaLnBrk="1" latinLnBrk="0" hangingPunct="1"/>
-            <a:endParaRPr kumimoji="0" lang="en-US" sz="1800"/>
-          </a:p>
-        </p:txBody>
-      </p:sp>
-      <p:sp>
-        <p:nvSpPr>
-          <p:cNvPr id="8" name="Divisa 7"/>
-          <p:cNvSpPr/>
-          <p:nvPr/>
-        </p:nvSpPr>
-        <p:spPr>
-          <a:xfrm>
-            <a:off x="4600352" y="3005472"/>
-            <a:ext cx="243840" cy="228600"/>
-          </a:xfrm>
-          <a:prstGeom prst="chevron">
-            <a:avLst>
-              <a:gd name="adj" fmla="val 50000"/>
-            </a:avLst>
-          </a:prstGeom>
-          <a:gradFill flip="none" rotWithShape="1">
-            <a:gsLst>
-              <a:gs pos="0">
-                <a:schemeClr val="accent1">
-                  <a:shade val="60000"/>
-                  <a:satMod val="125000"/>
-                </a:schemeClr>
-              </a:gs>
-              <a:gs pos="72000">
-                <a:schemeClr val="accent1">
-                  <a:tint val="90000"/>
-                  <a:satMod val="138000"/>
-                </a:schemeClr>
-              </a:gs>
-              <a:gs pos="100000">
-                <a:schemeClr val="accent1">
-                  <a:tint val="76000"/>
-                  <a:satMod val="136000"/>
-                </a:schemeClr>
-              </a:gs>
-            </a:gsLst>
-            <a:lin ang="16200000" scaled="0"/>
-          </a:gradFill>
-          <a:ln w="3175" cap="rnd" cmpd="sng" algn="ctr">
-            <a:solidFill>
-              <a:schemeClr val="accent1">
-                <a:shade val="50000"/>
-              </a:schemeClr>
             </a:solidFill>
-            <a:prstDash val="solid"/>
-          </a:ln>
-          <a:effectLst>
-            <a:outerShdw blurRad="50800" dist="25400" dir="5400000">
-              <a:srgbClr val="000000">
-                <a:alpha val="46000"/>
-              </a:srgbClr>
-            </a:outerShdw>
-          </a:effectLst>
-        </p:spPr>
-        <p:style>
-          <a:lnRef idx="1">
-            <a:schemeClr val="accent1"/>
-          </a:lnRef>
-          <a:fillRef idx="3">
-            <a:schemeClr val="accent1"/>
-          </a:fillRef>
-          <a:effectRef idx="2">
-            <a:schemeClr val="accent1"/>
-          </a:effectRef>
-          <a:fontRef idx="minor">
-            <a:schemeClr val="lt1"/>
-          </a:fontRef>
-        </p:style>
-        <p:txBody>
-          <a:bodyPr anchor="ctr"/>
-          <a:lstStyle/>
-          <a:p>
-            <a:pPr algn="l" eaLnBrk="1" latinLnBrk="0" hangingPunct="1"/>
-            <a:endParaRPr kumimoji="0" lang="en-US" sz="1800"/>
-          </a:p>
-        </p:txBody>
-      </p:sp>
-    </p:spTree>
-  </p:cSld>
-  <p:clrMapOvr>
-    <a:overrideClrMapping bg1="dk1" tx1="lt1" bg2="dk2" tx2="lt2" accent1="accent1" accent2="accent2" accent3="accent3" accent4="accent4" accent5="accent5" accent6="accent6" hlink="hlink" folHlink="folHlink"/>
-  </p:clrMapOvr>
-</p:sldLayout>
-</file>
-
-<file path=ppt/slideLayouts/slideLayout4.xml><?xml version="1.0" encoding="utf-8"?>
-<p:sldLayout xmlns:a="http://schemas.openxmlformats.org/drawingml/2006/main" xmlns:r="http://schemas.openxmlformats.org/officeDocument/2006/relationships" xmlns:p="http://schemas.openxmlformats.org/presentationml/2006/main" type="twoObj" preserve="1">
-  <p:cSld name="Duas Partes de Conteúdo">
-    <p:bg>
-      <p:bgRef idx="1002">
-        <a:schemeClr val="bg1"/>
-      </p:bgRef>
-    </p:bg>
-    <p:spTree>
-      <p:nvGrpSpPr>
-        <p:cNvPr id="1" name=""/>
-        <p:cNvGrpSpPr/>
-        <p:nvPr/>
-      </p:nvGrpSpPr>
-      <p:grpSpPr>
-        <a:xfrm>
-          <a:off x="0" y="0"/>
-          <a:ext cx="0" cy="0"/>
-          <a:chOff x="0" y="0"/>
-          <a:chExt cx="0" cy="0"/>
-        </a:xfrm>
-      </p:grpSpPr>
-      <p:sp>
-        <p:nvSpPr>
-          <p:cNvPr id="3" name="Espaço Reservado para Conteúdo 2"/>
-          <p:cNvSpPr>
-            <a:spLocks noGrp="1"/>
-          </p:cNvSpPr>
-          <p:nvPr>
-            <p:ph sz="half" idx="1"/>
-          </p:nvPr>
-        </p:nvSpPr>
-        <p:spPr>
-          <a:xfrm>
-            <a:off x="609600" y="1481329"/>
-            <a:ext cx="5384800" cy="4525963"/>
-          </a:xfrm>
-        </p:spPr>
-        <p:txBody>
-          <a:bodyPr/>
-          <a:lstStyle>
-            <a:lvl1pPr>
-              <a:defRPr sz="2800"/>
-            </a:lvl1pPr>
-            <a:lvl2pPr>
-              <a:defRPr sz="2400"/>
-            </a:lvl2pPr>
-            <a:lvl3pPr>
-              <a:defRPr sz="2000"/>
-            </a:lvl3pPr>
-            <a:lvl4pPr>
-              <a:defRPr sz="1800"/>
-            </a:lvl4pPr>
-            <a:lvl5pPr>
-              <a:defRPr sz="1800"/>
-            </a:lvl5pPr>
-            <a:extLst/>
-          </a:lstStyle>
-          <a:p>
-            <a:pPr lvl="0" eaLnBrk="1" latinLnBrk="0" hangingPunct="1"/>
-            <a:r>
-              <a:rPr lang="pt-BR"/>
-              <a:t>Clique para editar o texto mestre</a:t>
-            </a:r>
-          </a:p>
-          <a:p>
-            <a:pPr lvl="1" eaLnBrk="1" latinLnBrk="0" hangingPunct="1"/>
-            <a:r>
-              <a:rPr lang="pt-BR"/>
-              <a:t>Segundo nível</a:t>
-            </a:r>
-          </a:p>
-          <a:p>
-            <a:pPr lvl="2" eaLnBrk="1" latinLnBrk="0" hangingPunct="1"/>
-            <a:r>
-              <a:rPr lang="pt-BR"/>
-              <a:t>Terceiro nível</a:t>
-            </a:r>
-          </a:p>
-          <a:p>
-            <a:pPr lvl="3" eaLnBrk="1" latinLnBrk="0" hangingPunct="1"/>
-            <a:r>
-              <a:rPr lang="pt-BR"/>
-              <a:t>Quarto nível</a:t>
-            </a:r>
-          </a:p>
-          <a:p>
-            <a:pPr lvl="4" eaLnBrk="1" latinLnBrk="0" hangingPunct="1"/>
-            <a:r>
-              <a:rPr lang="pt-BR"/>
-              <a:t>Quinto nível</a:t>
-            </a:r>
-            <a:endParaRPr kumimoji="0" lang="en-US"/>
-          </a:p>
-        </p:txBody>
-      </p:sp>
-      <p:sp>
-        <p:nvSpPr>
-          <p:cNvPr id="4" name="Espaço Reservado para Conteúdo 3"/>
-          <p:cNvSpPr>
-            <a:spLocks noGrp="1"/>
-          </p:cNvSpPr>
-          <p:nvPr>
-            <p:ph sz="half" idx="2"/>
-          </p:nvPr>
-        </p:nvSpPr>
-        <p:spPr>
-          <a:xfrm>
-            <a:off x="6197600" y="1481329"/>
-            <a:ext cx="5384800" cy="4525963"/>
-          </a:xfrm>
-        </p:spPr>
-        <p:txBody>
-          <a:bodyPr/>
-          <a:lstStyle>
-            <a:lvl1pPr>
-              <a:defRPr sz="2800"/>
-            </a:lvl1pPr>
-            <a:lvl2pPr>
-              <a:defRPr sz="2400"/>
-            </a:lvl2pPr>
-            <a:lvl3pPr>
-              <a:defRPr sz="2000"/>
-            </a:lvl3pPr>
-            <a:lvl4pPr>
-              <a:defRPr sz="1800"/>
-            </a:lvl4pPr>
-            <a:lvl5pPr>
-              <a:defRPr sz="1800"/>
-            </a:lvl5pPr>
-            <a:extLst/>
-          </a:lstStyle>
-          <a:p>
-            <a:pPr lvl="0" eaLnBrk="1" latinLnBrk="0" hangingPunct="1"/>
-            <a:r>
-              <a:rPr lang="pt-BR"/>
-              <a:t>Clique para editar o texto mestre</a:t>
-            </a:r>
-          </a:p>
-          <a:p>
-            <a:pPr lvl="1" eaLnBrk="1" latinLnBrk="0" hangingPunct="1"/>
-            <a:r>
-              <a:rPr lang="pt-BR"/>
-              <a:t>Segundo nível</a:t>
-            </a:r>
-          </a:p>
-          <a:p>
-            <a:pPr lvl="2" eaLnBrk="1" latinLnBrk="0" hangingPunct="1"/>
-            <a:r>
-              <a:rPr lang="pt-BR"/>
-              <a:t>Terceiro nível</a:t>
-            </a:r>
-          </a:p>
-          <a:p>
-            <a:pPr lvl="3" eaLnBrk="1" latinLnBrk="0" hangingPunct="1"/>
-            <a:r>
-              <a:rPr lang="pt-BR"/>
-              <a:t>Quarto nível</a:t>
-            </a:r>
-          </a:p>
-          <a:p>
-            <a:pPr lvl="4" eaLnBrk="1" latinLnBrk="0" hangingPunct="1"/>
-            <a:r>
-              <a:rPr lang="pt-BR"/>
-              <a:t>Quinto nível</a:t>
-            </a:r>
-            <a:endParaRPr kumimoji="0" lang="en-US"/>
-          </a:p>
-        </p:txBody>
-      </p:sp>
-      <p:sp>
-        <p:nvSpPr>
-          <p:cNvPr id="5" name="Espaço Reservado para Data 4"/>
-          <p:cNvSpPr>
-            <a:spLocks noGrp="1"/>
-          </p:cNvSpPr>
-          <p:nvPr>
-            <p:ph type="dt" sz="half" idx="10"/>
-          </p:nvPr>
-        </p:nvSpPr>
-        <p:spPr/>
-        <p:txBody>
-          <a:bodyPr/>
-          <a:lstStyle/>
-          <a:p>
-            <a:fld id="{B41ABA4E-CD72-497B-97AA-7213B3980F60}" type="datetimeFigureOut">
-              <a:rPr lang="en-US" smtClean="0"/>
-              <a:pPr/>
-              <a:t>7/2/2019</a:t>
-            </a:fld>
-            <a:endParaRPr lang="en-US" dirty="0"/>
-          </a:p>
-        </p:txBody>
-      </p:sp>
-      <p:sp>
-        <p:nvSpPr>
-          <p:cNvPr id="6" name="Espaço Reservado para Rodapé 5"/>
-          <p:cNvSpPr>
-            <a:spLocks noGrp="1"/>
-          </p:cNvSpPr>
-          <p:nvPr>
-            <p:ph type="ftr" sz="quarter" idx="11"/>
-          </p:nvPr>
-        </p:nvSpPr>
-        <p:spPr/>
-        <p:txBody>
-          <a:bodyPr/>
-          <a:lstStyle/>
-          <a:p>
-            <a:endParaRPr kumimoji="0" lang="en-US" dirty="0"/>
-          </a:p>
-        </p:txBody>
-      </p:sp>
-      <p:sp>
-        <p:nvSpPr>
-          <p:cNvPr id="7" name="Espaço Reservado para Número de Slide 6"/>
-          <p:cNvSpPr>
-            <a:spLocks noGrp="1"/>
-          </p:cNvSpPr>
-          <p:nvPr>
-            <p:ph type="sldNum" sz="quarter" idx="12"/>
-          </p:nvPr>
-        </p:nvSpPr>
-        <p:spPr/>
-        <p:txBody>
-          <a:bodyPr/>
-          <a:lstStyle/>
-          <a:p>
-            <a:fld id="{D2E57653-3E58-4892-A7ED-712530ACC680}" type="slidenum">
-              <a:rPr kumimoji="0" lang="en-US" smtClean="0"/>
-              <a:pPr/>
-              <a:t>‹nº›</a:t>
-            </a:fld>
-            <a:endParaRPr kumimoji="0" lang="en-US" dirty="0"/>
-          </a:p>
-        </p:txBody>
-      </p:sp>
-      <p:sp>
-        <p:nvSpPr>
-          <p:cNvPr id="8" name="Título 7"/>
-          <p:cNvSpPr>
-            <a:spLocks noGrp="1"/>
-          </p:cNvSpPr>
-          <p:nvPr>
-            <p:ph type="title"/>
-          </p:nvPr>
-        </p:nvSpPr>
-        <p:spPr/>
-        <p:txBody>
-          <a:bodyPr rtlCol="0"/>
-          <a:lstStyle/>
-          <a:p>
-            <a:r>
-              <a:rPr kumimoji="0" lang="pt-BR"/>
-              <a:t>Clique para editar o título mestre</a:t>
-            </a:r>
-            <a:endParaRPr kumimoji="0" lang="en-US"/>
-          </a:p>
-        </p:txBody>
-      </p:sp>
-    </p:spTree>
-  </p:cSld>
-  <p:clrMapOvr>
-    <a:overrideClrMapping bg1="dk1" tx1="lt1" bg2="dk2" tx2="lt2" accent1="accent1" accent2="accent2" accent3="accent3" accent4="accent4" accent5="accent5" accent6="accent6" hlink="hlink" folHlink="folHlink"/>
-  </p:clrMapOvr>
-</p:sldLayout>
-</file>
-
-<file path=ppt/slideLayouts/slideLayout5.xml><?xml version="1.0" encoding="utf-8"?>
-<p:sldLayout xmlns:a="http://schemas.openxmlformats.org/drawingml/2006/main" xmlns:r="http://schemas.openxmlformats.org/officeDocument/2006/relationships" xmlns:p="http://schemas.openxmlformats.org/presentationml/2006/main" showMasterSp="0" type="twoTxTwoObj" preserve="1">
-  <p:cSld name="Comparação">
-    <p:bg>
-      <p:bgRef idx="1003">
-        <a:schemeClr val="bg1"/>
-      </p:bgRef>
-    </p:bg>
-    <p:spTree>
-      <p:nvGrpSpPr>
-        <p:cNvPr id="1" name=""/>
-        <p:cNvGrpSpPr/>
-        <p:nvPr/>
-      </p:nvGrpSpPr>
-      <p:grpSpPr>
-        <a:xfrm>
-          <a:off x="0" y="0"/>
-          <a:ext cx="0" cy="0"/>
-          <a:chOff x="0" y="0"/>
-          <a:chExt cx="0" cy="0"/>
-        </a:xfrm>
-      </p:grpSpPr>
-      <p:sp>
-        <p:nvSpPr>
-          <p:cNvPr id="2" name="Título 1"/>
-          <p:cNvSpPr>
-            <a:spLocks noGrp="1"/>
-          </p:cNvSpPr>
-          <p:nvPr>
-            <p:ph type="title"/>
-          </p:nvPr>
-        </p:nvSpPr>
-        <p:spPr>
-          <a:xfrm>
-            <a:off x="609600" y="273050"/>
-            <a:ext cx="10972800" cy="1143000"/>
-          </a:xfrm>
-        </p:spPr>
-        <p:txBody>
-          <a:bodyPr anchor="ctr"/>
-          <a:lstStyle>
-            <a:lvl1pPr>
-              <a:defRPr/>
-            </a:lvl1pPr>
-            <a:extLst/>
-          </a:lstStyle>
-          <a:p>
-            <a:r>
-              <a:rPr kumimoji="0" lang="pt-BR"/>
-              <a:t>Clique para editar o título mestre</a:t>
-            </a:r>
-            <a:endParaRPr kumimoji="0" lang="en-US"/>
-          </a:p>
-        </p:txBody>
-      </p:sp>
-      <p:sp>
-        <p:nvSpPr>
-          <p:cNvPr id="3" name="Espaço Reservado para Texto 2"/>
-          <p:cNvSpPr>
-            <a:spLocks noGrp="1"/>
-          </p:cNvSpPr>
-          <p:nvPr>
-            <p:ph type="body" idx="1"/>
-          </p:nvPr>
-        </p:nvSpPr>
-        <p:spPr>
-          <a:xfrm>
-            <a:off x="609600" y="5410200"/>
-            <a:ext cx="5386917" cy="762000"/>
-          </a:xfrm>
-          <a:solidFill>
-            <a:schemeClr val="accent1"/>
-          </a:solidFill>
-          <a:ln w="9652">
-            <a:solidFill>
-              <a:schemeClr val="accent1"/>
-            </a:solidFill>
-            <a:miter lim="800000"/>
-          </a:ln>
-        </p:spPr>
-        <p:txBody>
-          <a:bodyPr lIns="182880" anchor="ctr"/>
-          <a:lstStyle>
-            <a:lvl1pPr marL="0" indent="0">
-              <a:buNone/>
-              <a:defRPr sz="2400" b="0">
-                <a:solidFill>
-                  <a:schemeClr val="bg1"/>
-                </a:solidFill>
-              </a:defRPr>
-            </a:lvl1pPr>
-            <a:lvl2pPr>
-              <a:buNone/>
-              <a:defRPr sz="2000" b="1"/>
-            </a:lvl2pPr>
-            <a:lvl3pPr>
-              <a:buNone/>
-              <a:defRPr sz="1800" b="1"/>
-            </a:lvl3pPr>
-            <a:lvl4pPr>
-              <a:buNone/>
-              <a:defRPr sz="1600" b="1"/>
-            </a:lvl4pPr>
-            <a:lvl5pPr>
-              <a:buNone/>
-              <a:defRPr sz="1600" b="1"/>
-            </a:lvl5pPr>
-            <a:extLst/>
-          </a:lstStyle>
-          <a:p>
-            <a:pPr lvl="0" eaLnBrk="1" latinLnBrk="0" hangingPunct="1"/>
-            <a:r>
-              <a:rPr kumimoji="0" lang="pt-BR"/>
-              <a:t>Clique para editar o texto mestre</a:t>
-            </a:r>
-          </a:p>
-        </p:txBody>
-      </p:sp>
-      <p:sp>
-        <p:nvSpPr>
-          <p:cNvPr id="4" name="Espaço Reservado para Texto 3"/>
-          <p:cNvSpPr>
-            <a:spLocks noGrp="1"/>
-          </p:cNvSpPr>
-          <p:nvPr>
-            <p:ph type="body" sz="half" idx="3"/>
-          </p:nvPr>
-        </p:nvSpPr>
-        <p:spPr>
-          <a:xfrm>
-            <a:off x="6193369" y="5410200"/>
-            <a:ext cx="5389033" cy="762000"/>
-          </a:xfrm>
-          <a:solidFill>
-            <a:schemeClr val="accent1"/>
-          </a:solidFill>
-          <a:ln w="9652">
-            <a:solidFill>
-              <a:schemeClr val="accent1"/>
-            </a:solidFill>
-            <a:miter lim="800000"/>
-          </a:ln>
-        </p:spPr>
-        <p:txBody>
-          <a:bodyPr lIns="182880" anchor="ctr"/>
-          <a:lstStyle>
-            <a:lvl1pPr marL="0" indent="0">
-              <a:buNone/>
-              <a:defRPr sz="2400" b="0">
-                <a:solidFill>
-                  <a:schemeClr val="bg1"/>
-                </a:solidFill>
-              </a:defRPr>
-            </a:lvl1pPr>
-            <a:lvl2pPr>
-              <a:buNone/>
-              <a:defRPr sz="2000" b="1"/>
-            </a:lvl2pPr>
-            <a:lvl3pPr>
-              <a:buNone/>
-              <a:defRPr sz="1800" b="1"/>
-            </a:lvl3pPr>
-            <a:lvl4pPr>
-              <a:buNone/>
-              <a:defRPr sz="1600" b="1"/>
-            </a:lvl4pPr>
-            <a:lvl5pPr>
-              <a:buNone/>
-              <a:defRPr sz="1600" b="1"/>
-            </a:lvl5pPr>
-            <a:extLst/>
-          </a:lstStyle>
-          <a:p>
-            <a:pPr lvl="0" eaLnBrk="1" latinLnBrk="0" hangingPunct="1"/>
-            <a:r>
-              <a:rPr kumimoji="0" lang="pt-BR"/>
-              <a:t>Clique para editar o texto mestre</a:t>
-            </a:r>
-          </a:p>
-        </p:txBody>
-      </p:sp>
-      <p:sp>
-        <p:nvSpPr>
-          <p:cNvPr id="5" name="Espaço Reservado para Conteúdo 4"/>
-          <p:cNvSpPr>
-            <a:spLocks noGrp="1"/>
-          </p:cNvSpPr>
-          <p:nvPr>
-            <p:ph sz="quarter" idx="2"/>
-          </p:nvPr>
-        </p:nvSpPr>
-        <p:spPr>
-          <a:xfrm>
-            <a:off x="609600" y="1444295"/>
-            <a:ext cx="5386917" cy="3941763"/>
-          </a:xfrm>
-          <a:ln>
-            <a:noFill/>
-            <a:prstDash val="sysDash"/>
-            <a:miter lim="800000"/>
-          </a:ln>
-        </p:spPr>
-        <p:txBody>
-          <a:bodyPr/>
-          <a:lstStyle>
-            <a:lvl1pPr>
-              <a:defRPr sz="2400"/>
-            </a:lvl1pPr>
-            <a:lvl2pPr>
-              <a:defRPr sz="2000"/>
-            </a:lvl2pPr>
-            <a:lvl3pPr>
-              <a:defRPr sz="1800"/>
-            </a:lvl3pPr>
-            <a:lvl4pPr>
-              <a:defRPr sz="1600"/>
-            </a:lvl4pPr>
-            <a:lvl5pPr>
-              <a:defRPr sz="1600"/>
-            </a:lvl5pPr>
-            <a:extLst/>
-          </a:lstStyle>
-          <a:p>
-            <a:pPr lvl="0" eaLnBrk="1" latinLnBrk="0" hangingPunct="1"/>
-            <a:r>
-              <a:rPr lang="pt-BR"/>
-              <a:t>Clique para editar o texto mestre</a:t>
-            </a:r>
-          </a:p>
-          <a:p>
-            <a:pPr lvl="1" eaLnBrk="1" latinLnBrk="0" hangingPunct="1"/>
-            <a:r>
-              <a:rPr lang="pt-BR"/>
-              <a:t>Segundo nível</a:t>
-            </a:r>
-          </a:p>
-          <a:p>
-            <a:pPr lvl="2" eaLnBrk="1" latinLnBrk="0" hangingPunct="1"/>
-            <a:r>
-              <a:rPr lang="pt-BR"/>
-              <a:t>Terceiro nível</a:t>
-            </a:r>
-          </a:p>
-          <a:p>
-            <a:pPr lvl="3" eaLnBrk="1" latinLnBrk="0" hangingPunct="1"/>
-            <a:r>
-              <a:rPr lang="pt-BR"/>
-              <a:t>Quarto nível</a:t>
-            </a:r>
-          </a:p>
-          <a:p>
-            <a:pPr lvl="4" eaLnBrk="1" latinLnBrk="0" hangingPunct="1"/>
-            <a:r>
-              <a:rPr lang="pt-BR"/>
-              <a:t>Quinto nível</a:t>
-            </a:r>
-            <a:endParaRPr kumimoji="0" lang="en-US"/>
-          </a:p>
-        </p:txBody>
-      </p:sp>
-      <p:sp>
-        <p:nvSpPr>
-          <p:cNvPr id="6" name="Espaço Reservado para Conteúdo 5"/>
-          <p:cNvSpPr>
-            <a:spLocks noGrp="1"/>
-          </p:cNvSpPr>
-          <p:nvPr>
-            <p:ph sz="quarter" idx="4"/>
-          </p:nvPr>
-        </p:nvSpPr>
-        <p:spPr>
-          <a:xfrm>
-            <a:off x="6193368" y="1444295"/>
-            <a:ext cx="5389033" cy="3941763"/>
-          </a:xfrm>
-          <a:ln>
-            <a:noFill/>
-            <a:prstDash val="sysDash"/>
-            <a:miter lim="800000"/>
-          </a:ln>
-        </p:spPr>
-        <p:txBody>
-          <a:bodyPr/>
-          <a:lstStyle>
-            <a:lvl1pPr>
-              <a:spcBef>
-                <a:spcPts val="0"/>
-              </a:spcBef>
-              <a:defRPr sz="2400"/>
-            </a:lvl1pPr>
-            <a:lvl2pPr>
-              <a:defRPr sz="2000"/>
-            </a:lvl2pPr>
-            <a:lvl3pPr>
-              <a:defRPr sz="1800"/>
-            </a:lvl3pPr>
-            <a:lvl4pPr>
-              <a:defRPr sz="1600"/>
-            </a:lvl4pPr>
-            <a:lvl5pPr>
-              <a:defRPr sz="1600"/>
-            </a:lvl5pPr>
-            <a:extLst/>
-          </a:lstStyle>
-          <a:p>
-            <a:pPr lvl="0" eaLnBrk="1" latinLnBrk="0" hangingPunct="1"/>
-            <a:r>
-              <a:rPr lang="pt-BR"/>
-              <a:t>Clique para editar o texto mestre</a:t>
-            </a:r>
-          </a:p>
-          <a:p>
-            <a:pPr lvl="1" eaLnBrk="1" latinLnBrk="0" hangingPunct="1"/>
-            <a:r>
-              <a:rPr lang="pt-BR"/>
-              <a:t>Segundo nível</a:t>
-            </a:r>
-          </a:p>
-          <a:p>
-            <a:pPr lvl="2" eaLnBrk="1" latinLnBrk="0" hangingPunct="1"/>
-            <a:r>
-              <a:rPr lang="pt-BR"/>
-              <a:t>Terceiro nível</a:t>
-            </a:r>
-          </a:p>
-          <a:p>
-            <a:pPr lvl="3" eaLnBrk="1" latinLnBrk="0" hangingPunct="1"/>
-            <a:r>
-              <a:rPr lang="pt-BR"/>
-              <a:t>Quarto nível</a:t>
-            </a:r>
-          </a:p>
-          <a:p>
-            <a:pPr lvl="4" eaLnBrk="1" latinLnBrk="0" hangingPunct="1"/>
-            <a:r>
-              <a:rPr lang="pt-BR"/>
-              <a:t>Quinto nível</a:t>
-            </a:r>
-            <a:endParaRPr kumimoji="0" lang="en-US"/>
-          </a:p>
-        </p:txBody>
-      </p:sp>
-      <p:sp>
-        <p:nvSpPr>
-          <p:cNvPr id="7" name="Espaço Reservado para Data 6"/>
-          <p:cNvSpPr>
-            <a:spLocks noGrp="1"/>
-          </p:cNvSpPr>
-          <p:nvPr>
-            <p:ph type="dt" sz="half" idx="10"/>
-          </p:nvPr>
-        </p:nvSpPr>
-        <p:spPr/>
-        <p:txBody>
-          <a:bodyPr/>
-          <a:lstStyle/>
-          <a:p>
-            <a:fld id="{B41ABA4E-CD72-497B-97AA-7213B3980F60}" type="datetimeFigureOut">
-              <a:rPr lang="en-US" smtClean="0"/>
-              <a:pPr/>
-              <a:t>7/2/2019</a:t>
-            </a:fld>
-            <a:endParaRPr lang="en-US" dirty="0"/>
-          </a:p>
-        </p:txBody>
-      </p:sp>
-      <p:sp>
-        <p:nvSpPr>
-          <p:cNvPr id="8" name="Espaço Reservado para Rodapé 7"/>
-          <p:cNvSpPr>
-            <a:spLocks noGrp="1"/>
-          </p:cNvSpPr>
-          <p:nvPr>
-            <p:ph type="ftr" sz="quarter" idx="11"/>
-          </p:nvPr>
-        </p:nvSpPr>
-        <p:spPr/>
-        <p:txBody>
-          <a:bodyPr/>
-          <a:lstStyle/>
-          <a:p>
-            <a:endParaRPr kumimoji="0" lang="en-US" dirty="0"/>
-          </a:p>
-        </p:txBody>
-      </p:sp>
-      <p:sp>
-        <p:nvSpPr>
-          <p:cNvPr id="9" name="Espaço Reservado para Número de Slide 8"/>
-          <p:cNvSpPr>
-            <a:spLocks noGrp="1"/>
-          </p:cNvSpPr>
-          <p:nvPr>
-            <p:ph type="sldNum" sz="quarter" idx="12"/>
-          </p:nvPr>
-        </p:nvSpPr>
-        <p:spPr/>
-        <p:txBody>
-          <a:bodyPr/>
-          <a:lstStyle/>
-          <a:p>
-            <a:fld id="{D2E57653-3E58-4892-A7ED-712530ACC680}" type="slidenum">
-              <a:rPr kumimoji="0" lang="en-US" smtClean="0"/>
-              <a:pPr/>
-              <a:t>‹nº›</a:t>
-            </a:fld>
-            <a:endParaRPr kumimoji="0" lang="en-US" dirty="0"/>
-          </a:p>
-        </p:txBody>
-      </p:sp>
-    </p:spTree>
-  </p:cSld>
-  <p:clrMapOvr>
-    <a:overrideClrMapping bg1="lt1" tx1="dk1" bg2="lt2" tx2="dk2" accent1="accent1" accent2="accent2" accent3="accent3" accent4="accent4" accent5="accent5" accent6="accent6" hlink="hlink" folHlink="folHlink"/>
-  </p:clrMapOvr>
-</p:sldLayout>
-</file>
-
-<file path=ppt/slideLayouts/slideLayout6.xml><?xml version="1.0" encoding="utf-8"?>
-<p:sldLayout xmlns:a="http://schemas.openxmlformats.org/drawingml/2006/main" xmlns:r="http://schemas.openxmlformats.org/officeDocument/2006/relationships" xmlns:p="http://schemas.openxmlformats.org/presentationml/2006/main" type="titleOnly" preserve="1">
-  <p:cSld name="Somente título">
-    <p:bg>
-      <p:bgRef idx="1002">
-        <a:schemeClr val="bg1"/>
-      </p:bgRef>
-    </p:bg>
-    <p:spTree>
-      <p:nvGrpSpPr>
-        <p:cNvPr id="1" name=""/>
-        <p:cNvGrpSpPr/>
-        <p:nvPr/>
-      </p:nvGrpSpPr>
-      <p:grpSpPr>
-        <a:xfrm>
-          <a:off x="0" y="0"/>
-          <a:ext cx="0" cy="0"/>
-          <a:chOff x="0" y="0"/>
-          <a:chExt cx="0" cy="0"/>
-        </a:xfrm>
-      </p:grpSpPr>
-      <p:sp>
-        <p:nvSpPr>
-          <p:cNvPr id="3" name="Espaço Reservado para Data 2"/>
-          <p:cNvSpPr>
-            <a:spLocks noGrp="1"/>
-          </p:cNvSpPr>
-          <p:nvPr>
-            <p:ph type="dt" sz="half" idx="10"/>
-          </p:nvPr>
-        </p:nvSpPr>
-        <p:spPr/>
-        <p:txBody>
-          <a:bodyPr/>
-          <a:lstStyle/>
-          <a:p>
-            <a:fld id="{B41ABA4E-CD72-497B-97AA-7213B3980F60}" type="datetimeFigureOut">
-              <a:rPr lang="en-US" smtClean="0"/>
-              <a:pPr/>
-              <a:t>7/2/2019</a:t>
-            </a:fld>
-            <a:endParaRPr lang="en-US" dirty="0"/>
-          </a:p>
-        </p:txBody>
-      </p:sp>
-      <p:sp>
-        <p:nvSpPr>
-          <p:cNvPr id="4" name="Espaço Reservado para Rodapé 3"/>
-          <p:cNvSpPr>
-            <a:spLocks noGrp="1"/>
-          </p:cNvSpPr>
-          <p:nvPr>
-            <p:ph type="ftr" sz="quarter" idx="11"/>
-          </p:nvPr>
-        </p:nvSpPr>
-        <p:spPr/>
-        <p:txBody>
-          <a:bodyPr/>
-          <a:lstStyle/>
-          <a:p>
-            <a:endParaRPr kumimoji="0" lang="en-US" dirty="0"/>
-          </a:p>
-        </p:txBody>
-      </p:sp>
-      <p:sp>
-        <p:nvSpPr>
-          <p:cNvPr id="5" name="Espaço Reservado para Número de Slide 4"/>
-          <p:cNvSpPr>
-            <a:spLocks noGrp="1"/>
-          </p:cNvSpPr>
-          <p:nvPr>
-            <p:ph type="sldNum" sz="quarter" idx="12"/>
-          </p:nvPr>
-        </p:nvSpPr>
-        <p:spPr/>
-        <p:txBody>
-          <a:bodyPr/>
-          <a:lstStyle/>
-          <a:p>
-            <a:fld id="{D2E57653-3E58-4892-A7ED-712530ACC680}" type="slidenum">
-              <a:rPr kumimoji="0" lang="en-US" smtClean="0"/>
-              <a:pPr/>
-              <a:t>‹nº›</a:t>
-            </a:fld>
-            <a:endParaRPr kumimoji="0" lang="en-US" dirty="0"/>
-          </a:p>
-        </p:txBody>
-      </p:sp>
-      <p:sp>
-        <p:nvSpPr>
-          <p:cNvPr id="6" name="Título 5"/>
-          <p:cNvSpPr>
-            <a:spLocks noGrp="1"/>
-          </p:cNvSpPr>
-          <p:nvPr>
-            <p:ph type="title"/>
-          </p:nvPr>
-        </p:nvSpPr>
-        <p:spPr/>
-        <p:txBody>
-          <a:bodyPr rtlCol="0"/>
-          <a:lstStyle/>
-          <a:p>
-            <a:r>
-              <a:rPr kumimoji="0" lang="pt-BR"/>
-              <a:t>Clique para editar o título mestre</a:t>
-            </a:r>
-            <a:endParaRPr kumimoji="0" lang="en-US"/>
-          </a:p>
-        </p:txBody>
-      </p:sp>
-    </p:spTree>
-  </p:cSld>
-  <p:clrMapOvr>
-    <a:overrideClrMapping bg1="dk1" tx1="lt1" bg2="dk2" tx2="lt2" accent1="accent1" accent2="accent2" accent3="accent3" accent4="accent4" accent5="accent5" accent6="accent6" hlink="hlink" folHlink="folHlink"/>
-  </p:clrMapOvr>
-</p:sldLayout>
-</file>
-
-<file path=ppt/slideLayouts/slideLayout7.xml><?xml version="1.0" encoding="utf-8"?>
-<p:sldLayout xmlns:a="http://schemas.openxmlformats.org/drawingml/2006/main" xmlns:r="http://schemas.openxmlformats.org/officeDocument/2006/relationships" xmlns:p="http://schemas.openxmlformats.org/presentationml/2006/main" type="blank" preserve="1">
-  <p:cSld name="Em branco">
-    <p:spTree>
-      <p:nvGrpSpPr>
-        <p:cNvPr id="1" name=""/>
-        <p:cNvGrpSpPr/>
-        <p:nvPr/>
-      </p:nvGrpSpPr>
-      <p:grpSpPr>
-        <a:xfrm>
-          <a:off x="0" y="0"/>
-          <a:ext cx="0" cy="0"/>
-          <a:chOff x="0" y="0"/>
-          <a:chExt cx="0" cy="0"/>
-        </a:xfrm>
-      </p:grpSpPr>
-      <p:sp>
-        <p:nvSpPr>
-          <p:cNvPr id="2" name="Espaço Reservado para Data 1"/>
-          <p:cNvSpPr>
-            <a:spLocks noGrp="1"/>
-          </p:cNvSpPr>
-          <p:nvPr>
-            <p:ph type="dt" sz="half" idx="10"/>
-          </p:nvPr>
-        </p:nvSpPr>
-        <p:spPr/>
-        <p:txBody>
-          <a:bodyPr/>
-          <a:lstStyle/>
-          <a:p>
-            <a:fld id="{B41ABA4E-CD72-497B-97AA-7213B3980F60}" type="datetimeFigureOut">
-              <a:rPr lang="en-US" smtClean="0"/>
-              <a:pPr/>
-              <a:t>7/2/2019</a:t>
-            </a:fld>
-            <a:endParaRPr lang="en-US" dirty="0"/>
-          </a:p>
-        </p:txBody>
-      </p:sp>
-      <p:sp>
-        <p:nvSpPr>
-          <p:cNvPr id="3" name="Espaço Reservado para Rodapé 2"/>
-          <p:cNvSpPr>
-            <a:spLocks noGrp="1"/>
-          </p:cNvSpPr>
-          <p:nvPr>
-            <p:ph type="ftr" sz="quarter" idx="11"/>
-          </p:nvPr>
-        </p:nvSpPr>
-        <p:spPr/>
-        <p:txBody>
-          <a:bodyPr/>
-          <a:lstStyle/>
-          <a:p>
-            <a:endParaRPr kumimoji="0" lang="en-US" dirty="0"/>
-          </a:p>
-        </p:txBody>
-      </p:sp>
-      <p:sp>
-        <p:nvSpPr>
-          <p:cNvPr id="4" name="Espaço Reservado para Número de Slide 3"/>
-          <p:cNvSpPr>
-            <a:spLocks noGrp="1"/>
-          </p:cNvSpPr>
-          <p:nvPr>
-            <p:ph type="sldNum" sz="quarter" idx="12"/>
-          </p:nvPr>
-        </p:nvSpPr>
-        <p:spPr/>
-        <p:txBody>
-          <a:bodyPr/>
-          <a:lstStyle/>
-          <a:p>
-            <a:fld id="{D2E57653-3E58-4892-A7ED-712530ACC680}" type="slidenum">
-              <a:rPr kumimoji="0" lang="en-US" smtClean="0"/>
-              <a:pPr/>
-              <a:t>‹nº›</a:t>
-            </a:fld>
-            <a:endParaRPr kumimoji="0" lang="en-US" dirty="0"/>
-          </a:p>
-        </p:txBody>
-      </p:sp>
-    </p:spTree>
-  </p:cSld>
-  <p:clrMapOvr>
-    <a:masterClrMapping/>
-  </p:clrMapOvr>
-</p:sldLayout>
-</file>
-
-<file path=ppt/slideLayouts/slideLayout8.xml><?xml version="1.0" encoding="utf-8"?>
-<p:sldLayout xmlns:a="http://schemas.openxmlformats.org/drawingml/2006/main" xmlns:r="http://schemas.openxmlformats.org/officeDocument/2006/relationships" xmlns:p="http://schemas.openxmlformats.org/presentationml/2006/main" showMasterSp="0" type="objTx" preserve="1">
-  <p:cSld name="Conteúdo com Legenda">
-    <p:bg>
-      <p:bgRef idx="1003">
-        <a:schemeClr val="bg1"/>
-      </p:bgRef>
-    </p:bg>
-    <p:spTree>
-      <p:nvGrpSpPr>
-        <p:cNvPr id="1" name=""/>
-        <p:cNvGrpSpPr/>
-        <p:nvPr/>
-      </p:nvGrpSpPr>
-      <p:grpSpPr>
-        <a:xfrm>
-          <a:off x="0" y="0"/>
-          <a:ext cx="0" cy="0"/>
-          <a:chOff x="0" y="0"/>
-          <a:chExt cx="0" cy="0"/>
-        </a:xfrm>
-      </p:grpSpPr>
-      <p:sp>
-        <p:nvSpPr>
-          <p:cNvPr id="2" name="Título 1"/>
-          <p:cNvSpPr>
-            <a:spLocks noGrp="1"/>
-          </p:cNvSpPr>
-          <p:nvPr>
-            <p:ph type="title"/>
-          </p:nvPr>
-        </p:nvSpPr>
-        <p:spPr>
-          <a:xfrm>
-            <a:off x="1219200" y="4876800"/>
-            <a:ext cx="9975701" cy="457200"/>
-          </a:xfrm>
-        </p:spPr>
-        <p:txBody>
-          <a:bodyPr vert="horz" anchor="t">
-            <a:noAutofit/>
-            <a:sp3d prstMaterial="softEdge">
-              <a:bevelT w="0" h="0"/>
-            </a:sp3d>
-          </a:bodyPr>
-          <a:lstStyle>
-            <a:lvl1pPr algn="r">
-              <a:buNone/>
-              <a:defRPr sz="2500" b="0">
-                <a:solidFill>
-                  <a:schemeClr val="accent1"/>
-                </a:solidFill>
-                <a:effectLst/>
-              </a:defRPr>
-            </a:lvl1pPr>
-            <a:extLst/>
-          </a:lstStyle>
-          <a:p>
-            <a:r>
-              <a:rPr kumimoji="0" lang="pt-BR"/>
-              <a:t>Clique para editar o título mestre</a:t>
-            </a:r>
-            <a:endParaRPr kumimoji="0" lang="en-US"/>
-          </a:p>
-        </p:txBody>
-      </p:sp>
-      <p:sp>
-        <p:nvSpPr>
-          <p:cNvPr id="3" name="Espaço Reservado para Texto 2"/>
-          <p:cNvSpPr>
-            <a:spLocks noGrp="1"/>
-          </p:cNvSpPr>
-          <p:nvPr>
-            <p:ph type="body" idx="2"/>
-          </p:nvPr>
-        </p:nvSpPr>
-        <p:spPr>
-          <a:xfrm>
-            <a:off x="5892800" y="5355102"/>
-            <a:ext cx="5299456" cy="914400"/>
-          </a:xfrm>
-        </p:spPr>
-        <p:txBody>
-          <a:bodyPr/>
-          <a:lstStyle>
-            <a:lvl1pPr marL="0" indent="0" algn="r">
-              <a:buNone/>
-              <a:defRPr sz="1600"/>
-            </a:lvl1pPr>
-            <a:lvl2pPr>
-              <a:buNone/>
-              <a:defRPr sz="1200"/>
-            </a:lvl2pPr>
-            <a:lvl3pPr>
-              <a:buNone/>
-              <a:defRPr sz="1000"/>
-            </a:lvl3pPr>
-            <a:lvl4pPr>
-              <a:buNone/>
-              <a:defRPr sz="900"/>
-            </a:lvl4pPr>
-            <a:lvl5pPr>
-              <a:buNone/>
-              <a:defRPr sz="900"/>
-            </a:lvl5pPr>
-            <a:extLst/>
-          </a:lstStyle>
-          <a:p>
-            <a:pPr lvl="0" eaLnBrk="1" latinLnBrk="0" hangingPunct="1"/>
-            <a:r>
-              <a:rPr kumimoji="0" lang="pt-BR"/>
-              <a:t>Clique para editar o texto mestre</a:t>
-            </a:r>
-          </a:p>
-        </p:txBody>
-      </p:sp>
-      <p:sp>
-        <p:nvSpPr>
-          <p:cNvPr id="4" name="Espaço Reservado para Conteúdo 3"/>
-          <p:cNvSpPr>
-            <a:spLocks noGrp="1"/>
-          </p:cNvSpPr>
-          <p:nvPr>
-            <p:ph sz="half" idx="1"/>
-          </p:nvPr>
-        </p:nvSpPr>
-        <p:spPr>
-          <a:xfrm>
-            <a:off x="1219200" y="274320"/>
-            <a:ext cx="9973056" cy="4572000"/>
-          </a:xfrm>
-        </p:spPr>
-        <p:txBody>
-          <a:bodyPr/>
-          <a:lstStyle>
-            <a:lvl1pPr>
-              <a:defRPr sz="3200"/>
-            </a:lvl1pPr>
-            <a:lvl2pPr>
-              <a:defRPr sz="2800"/>
-            </a:lvl2pPr>
-            <a:lvl3pPr>
-              <a:defRPr sz="2400"/>
-            </a:lvl3pPr>
-            <a:lvl4pPr>
-              <a:defRPr sz="2000"/>
-            </a:lvl4pPr>
-            <a:lvl5pPr>
-              <a:defRPr sz="2000"/>
-            </a:lvl5pPr>
-            <a:extLst/>
-          </a:lstStyle>
-          <a:p>
-            <a:pPr lvl="0" eaLnBrk="1" latinLnBrk="0" hangingPunct="1"/>
-            <a:r>
-              <a:rPr lang="pt-BR"/>
-              <a:t>Clique para editar o texto mestre</a:t>
-            </a:r>
-          </a:p>
-          <a:p>
-            <a:pPr lvl="1" eaLnBrk="1" latinLnBrk="0" hangingPunct="1"/>
-            <a:r>
-              <a:rPr lang="pt-BR"/>
-              <a:t>Segundo nível</a:t>
-            </a:r>
-          </a:p>
-          <a:p>
-            <a:pPr lvl="2" eaLnBrk="1" latinLnBrk="0" hangingPunct="1"/>
-            <a:r>
-              <a:rPr lang="pt-BR"/>
-              <a:t>Terceiro nível</a:t>
-            </a:r>
-          </a:p>
-          <a:p>
-            <a:pPr lvl="3" eaLnBrk="1" latinLnBrk="0" hangingPunct="1"/>
-            <a:r>
-              <a:rPr lang="pt-BR"/>
-              <a:t>Quarto nível</a:t>
-            </a:r>
-          </a:p>
-          <a:p>
-            <a:pPr lvl="4" eaLnBrk="1" latinLnBrk="0" hangingPunct="1"/>
-            <a:r>
-              <a:rPr lang="pt-BR"/>
-              <a:t>Quinto nível</a:t>
-            </a:r>
-            <a:endParaRPr kumimoji="0" lang="en-US"/>
-          </a:p>
-        </p:txBody>
-      </p:sp>
-      <p:sp>
-        <p:nvSpPr>
-          <p:cNvPr id="5" name="Espaço Reservado para Data 4"/>
-          <p:cNvSpPr>
-            <a:spLocks noGrp="1"/>
-          </p:cNvSpPr>
-          <p:nvPr>
-            <p:ph type="dt" sz="half" idx="10"/>
-          </p:nvPr>
-        </p:nvSpPr>
-        <p:spPr>
-          <a:xfrm>
-            <a:off x="8969376" y="6407944"/>
-            <a:ext cx="2560320" cy="365760"/>
-          </a:xfrm>
-        </p:spPr>
-        <p:txBody>
-          <a:bodyPr/>
-          <a:lstStyle/>
-          <a:p>
-            <a:fld id="{B41ABA4E-CD72-497B-97AA-7213B3980F60}" type="datetimeFigureOut">
-              <a:rPr lang="en-US" smtClean="0"/>
-              <a:pPr/>
-              <a:t>7/2/2019</a:t>
-            </a:fld>
-            <a:endParaRPr lang="en-US" dirty="0"/>
-          </a:p>
-        </p:txBody>
-      </p:sp>
-      <p:sp>
-        <p:nvSpPr>
-          <p:cNvPr id="6" name="Espaço Reservado para Rodapé 5"/>
-          <p:cNvSpPr>
-            <a:spLocks noGrp="1"/>
-          </p:cNvSpPr>
-          <p:nvPr>
-            <p:ph type="ftr" sz="quarter" idx="11"/>
-          </p:nvPr>
-        </p:nvSpPr>
-        <p:spPr/>
-        <p:txBody>
-          <a:bodyPr/>
-          <a:lstStyle/>
-          <a:p>
-            <a:endParaRPr kumimoji="0" lang="en-US" dirty="0"/>
-          </a:p>
-        </p:txBody>
-      </p:sp>
-      <p:sp>
-        <p:nvSpPr>
-          <p:cNvPr id="7" name="Espaço Reservado para Número de Slide 6"/>
-          <p:cNvSpPr>
-            <a:spLocks noGrp="1"/>
-          </p:cNvSpPr>
-          <p:nvPr>
-            <p:ph type="sldNum" sz="quarter" idx="12"/>
-          </p:nvPr>
-        </p:nvSpPr>
-        <p:spPr/>
-        <p:txBody>
-          <a:bodyPr/>
-          <a:lstStyle/>
-          <a:p>
-            <a:fld id="{D2E57653-3E58-4892-A7ED-712530ACC680}" type="slidenum">
-              <a:rPr kumimoji="0" lang="en-US" smtClean="0"/>
-              <a:pPr/>
-              <a:t>‹nº›</a:t>
-            </a:fld>
-            <a:endParaRPr kumimoji="0" lang="en-US" dirty="0"/>
-          </a:p>
-        </p:txBody>
-      </p:sp>
-    </p:spTree>
-  </p:cSld>
-  <p:clrMapOvr>
-    <a:overrideClrMapping bg1="lt1" tx1="dk1" bg2="lt2" tx2="dk2" accent1="accent1" accent2="accent2" accent3="accent3" accent4="accent4" accent5="accent5" accent6="accent6" hlink="hlink" folHlink="folHlink"/>
-  </p:clrMapOvr>
-</p:sldLayout>
-</file>
-
-<file path=ppt/slideLayouts/slideLayout9.xml><?xml version="1.0" encoding="utf-8"?>
-<p:sldLayout xmlns:a="http://schemas.openxmlformats.org/drawingml/2006/main" xmlns:r="http://schemas.openxmlformats.org/officeDocument/2006/relationships" xmlns:p="http://schemas.openxmlformats.org/presentationml/2006/main" showMasterSp="0" type="picTx" preserve="1">
-  <p:cSld name="Imagem com Legenda">
-    <p:bg>
-      <p:bgRef idx="1002">
-        <a:schemeClr val="bg1"/>
-      </p:bgRef>
-    </p:bg>
-    <p:spTree>
-      <p:nvGrpSpPr>
-        <p:cNvPr id="1" name=""/>
-        <p:cNvGrpSpPr/>
-        <p:nvPr/>
-      </p:nvGrpSpPr>
-      <p:grpSpPr>
-        <a:xfrm>
-          <a:off x="0" y="0"/>
-          <a:ext cx="0" cy="0"/>
-          <a:chOff x="0" y="0"/>
-          <a:chExt cx="0" cy="0"/>
-        </a:xfrm>
-      </p:grpSpPr>
-      <p:sp>
-        <p:nvSpPr>
-          <p:cNvPr id="4" name="Espaço Reservado para Texto 3"/>
-          <p:cNvSpPr>
-            <a:spLocks noGrp="1"/>
-          </p:cNvSpPr>
-          <p:nvPr>
-            <p:ph type="body" sz="half" idx="2"/>
-          </p:nvPr>
-        </p:nvSpPr>
-        <p:spPr>
-          <a:xfrm>
-            <a:off x="1521643" y="5443402"/>
-            <a:ext cx="9550400" cy="648232"/>
-          </a:xfrm>
-          <a:noFill/>
-        </p:spPr>
-        <p:txBody>
-          <a:bodyPr lIns="91440" tIns="0" rIns="91440" anchor="t"/>
-          <a:lstStyle>
-            <a:lvl1pPr marL="0" marR="18288" indent="0" algn="r">
-              <a:buNone/>
-              <a:defRPr sz="1400"/>
-            </a:lvl1pPr>
-            <a:lvl2pPr>
-              <a:defRPr sz="1200"/>
-            </a:lvl2pPr>
-            <a:lvl3pPr>
-              <a:defRPr sz="1000"/>
-            </a:lvl3pPr>
-            <a:lvl4pPr>
-              <a:defRPr sz="900"/>
-            </a:lvl4pPr>
-            <a:lvl5pPr>
-              <a:defRPr sz="900"/>
-            </a:lvl5pPr>
-            <a:extLst/>
-          </a:lstStyle>
-          <a:p>
-            <a:pPr lvl="0" eaLnBrk="1" latinLnBrk="0" hangingPunct="1"/>
-            <a:r>
-              <a:rPr kumimoji="0" lang="pt-BR"/>
-              <a:t>Clique para editar o texto mestre</a:t>
-            </a:r>
-          </a:p>
-        </p:txBody>
-      </p:sp>
-      <p:sp>
-        <p:nvSpPr>
-          <p:cNvPr id="3" name="Espaço Reservado para Imagem 2"/>
-          <p:cNvSpPr>
-            <a:spLocks noGrp="1"/>
-          </p:cNvSpPr>
-          <p:nvPr>
-            <p:ph type="pic" idx="1"/>
-          </p:nvPr>
-        </p:nvSpPr>
-        <p:spPr>
-          <a:xfrm>
-            <a:off x="304800" y="189968"/>
-            <a:ext cx="11582400" cy="4389120"/>
-          </a:xfrm>
-          <a:prstGeom prst="rect">
-            <a:avLst/>
-          </a:prstGeom>
-          <a:solidFill>
-            <a:schemeClr val="bg2"/>
-          </a:solidFill>
-          <a:ln>
-            <a:solidFill>
-              <a:schemeClr val="bg1"/>
-            </a:solidFill>
-          </a:ln>
-          <a:effectLst>
-            <a:innerShdw blurRad="95250">
-              <a:srgbClr val="000000"/>
-            </a:innerShdw>
-          </a:effectLst>
-        </p:spPr>
-        <p:txBody>
-          <a:bodyPr/>
-          <a:lstStyle>
-            <a:lvl1pPr marL="0" indent="0">
-              <a:buNone/>
-              <a:defRPr sz="3200"/>
-            </a:lvl1pPr>
-            <a:extLst/>
-          </a:lstStyle>
-          <a:p>
-            <a:r>
-              <a:rPr kumimoji="0" lang="pt-BR"/>
-              <a:t>Clique no ícone para adicionar uma imagem</a:t>
-            </a:r>
-            <a:endParaRPr kumimoji="0" lang="en-US" dirty="0"/>
-          </a:p>
-        </p:txBody>
-      </p:sp>
-      <p:sp>
-        <p:nvSpPr>
-          <p:cNvPr id="5" name="Espaço Reservado para Data 4"/>
-          <p:cNvSpPr>
-            <a:spLocks noGrp="1"/>
-          </p:cNvSpPr>
-          <p:nvPr>
-            <p:ph type="dt" sz="half" idx="10"/>
-          </p:nvPr>
-        </p:nvSpPr>
-        <p:spPr/>
-        <p:txBody>
-          <a:bodyPr/>
-          <a:lstStyle>
-            <a:lvl1pPr>
-              <a:defRPr>
-                <a:solidFill>
-                  <a:schemeClr val="tx1"/>
-                </a:solidFill>
-              </a:defRPr>
-            </a:lvl1pPr>
-            <a:extLst/>
-          </a:lstStyle>
-          <a:p>
-            <a:fld id="{B41ABA4E-CD72-497B-97AA-7213B3980F60}" type="datetimeFigureOut">
-              <a:rPr lang="en-US" smtClean="0"/>
-              <a:pPr/>
-              <a:t>7/2/2019</a:t>
-            </a:fld>
-            <a:endParaRPr lang="en-US" dirty="0"/>
-          </a:p>
-        </p:txBody>
-      </p:sp>
-      <p:sp>
-        <p:nvSpPr>
-          <p:cNvPr id="6" name="Espaço Reservado para Rodapé 5"/>
-          <p:cNvSpPr>
-            <a:spLocks noGrp="1"/>
-          </p:cNvSpPr>
-          <p:nvPr>
-            <p:ph type="ftr" sz="quarter" idx="11"/>
-          </p:nvPr>
-        </p:nvSpPr>
-        <p:spPr>
-          <a:xfrm>
-            <a:off x="5840097" y="6407945"/>
-            <a:ext cx="3134241" cy="365125"/>
-          </a:xfrm>
-        </p:spPr>
-        <p:txBody>
-          <a:bodyPr/>
-          <a:lstStyle>
-            <a:lvl1pPr>
-              <a:defRPr>
-                <a:solidFill>
-                  <a:schemeClr val="tx1"/>
-                </a:solidFill>
-              </a:defRPr>
-            </a:lvl1pPr>
-            <a:extLst/>
-          </a:lstStyle>
-          <a:p>
-            <a:endParaRPr kumimoji="0" lang="en-US" dirty="0"/>
-          </a:p>
-        </p:txBody>
-      </p:sp>
-      <p:sp>
-        <p:nvSpPr>
-          <p:cNvPr id="7" name="Espaço Reservado para Número de Slide 6"/>
-          <p:cNvSpPr>
-            <a:spLocks noGrp="1"/>
-          </p:cNvSpPr>
-          <p:nvPr>
-            <p:ph type="sldNum" sz="quarter" idx="12"/>
-          </p:nvPr>
-        </p:nvSpPr>
-        <p:spPr/>
-        <p:txBody>
-          <a:bodyPr/>
-          <a:lstStyle>
-            <a:lvl1pPr>
-              <a:defRPr>
-                <a:solidFill>
-                  <a:schemeClr val="tx1"/>
-                </a:solidFill>
-              </a:defRPr>
-            </a:lvl1pPr>
-            <a:extLst/>
-          </a:lstStyle>
-          <a:p>
-            <a:fld id="{D2E57653-3E58-4892-A7ED-712530ACC680}" type="slidenum">
-              <a:rPr kumimoji="0" lang="en-US" smtClean="0"/>
-              <a:pPr/>
-              <a:t>‹nº›</a:t>
-            </a:fld>
-            <a:endParaRPr kumimoji="0" lang="en-US" dirty="0"/>
-          </a:p>
-        </p:txBody>
-      </p:sp>
-      <p:sp>
-        <p:nvSpPr>
-          <p:cNvPr id="2" name="Título 1"/>
-          <p:cNvSpPr>
-            <a:spLocks noGrp="1"/>
-          </p:cNvSpPr>
-          <p:nvPr>
-            <p:ph type="title"/>
-          </p:nvPr>
-        </p:nvSpPr>
-        <p:spPr>
-          <a:xfrm>
-            <a:off x="304800" y="4865122"/>
-            <a:ext cx="10767243" cy="562672"/>
-          </a:xfrm>
-          <a:noFill/>
-        </p:spPr>
-        <p:txBody>
-          <a:bodyPr anchor="t">
-            <a:sp3d prstMaterial="softEdge"/>
-          </a:bodyPr>
-          <a:lstStyle>
-            <a:lvl1pPr marR="0" algn="r">
-              <a:buNone/>
-              <a:defRPr sz="3000" b="0">
-                <a:solidFill>
-                  <a:schemeClr val="accent1"/>
-                </a:solidFill>
-                <a:effectLst>
-                  <a:outerShdw blurRad="50800" dist="25000" dir="5400000" algn="t" rotWithShape="0">
-                    <a:prstClr val="black">
-                      <a:alpha val="45000"/>
-                    </a:prstClr>
-                  </a:outerShdw>
-                </a:effectLst>
-              </a:defRPr>
-            </a:lvl1pPr>
-            <a:extLst/>
-          </a:lstStyle>
-          <a:p>
-            <a:r>
-              <a:rPr kumimoji="0" lang="pt-BR"/>
-              <a:t>Clique para editar o título mestre</a:t>
-            </a:r>
-            <a:endParaRPr kumimoji="0" lang="en-US"/>
-          </a:p>
-        </p:txBody>
-      </p:sp>
-      <p:sp>
-        <p:nvSpPr>
-          <p:cNvPr id="8" name="Forma livre 7"/>
-          <p:cNvSpPr>
-            <a:spLocks/>
-          </p:cNvSpPr>
-          <p:nvPr/>
-        </p:nvSpPr>
-        <p:spPr bwMode="auto">
-          <a:xfrm>
-            <a:off x="665697" y="5944936"/>
-            <a:ext cx="6587499" cy="921076"/>
-          </a:xfrm>
-          <a:custGeom>
-            <a:avLst>
-              <a:gd name="A1" fmla="val 0"/>
-              <a:gd name="A2" fmla="val 0"/>
-              <a:gd name="A3" fmla="val 0"/>
-              <a:gd name="A4" fmla="val 0"/>
-              <a:gd name="A5" fmla="val 0"/>
-              <a:gd name="A6" fmla="val 0"/>
-              <a:gd name="A7" fmla="val 0"/>
-              <a:gd name="A8" fmla="val 0"/>
-            </a:avLst>
-            <a:gdLst/>
-            <a:ahLst/>
-            <a:cxnLst>
-              <a:cxn ang="0">
-                <a:pos x="0" y="0"/>
-              </a:cxn>
-              <a:cxn ang="0">
-                <a:pos x="5760" y="0"/>
-              </a:cxn>
-              <a:cxn ang="0">
-                <a:pos x="5760" y="528"/>
-              </a:cxn>
-              <a:cxn ang="0">
-                <a:pos x="48" y="0"/>
-              </a:cxn>
-            </a:cxnLst>
-            <a:rect l="0" t="0" r="0" b="0"/>
-            <a:pathLst>
-              <a:path w="7485" h="337">
-                <a:moveTo>
-                  <a:pt x="0" y="2"/>
-                </a:moveTo>
-                <a:lnTo>
-                  <a:pt x="7485" y="337"/>
-                </a:lnTo>
-                <a:lnTo>
-                  <a:pt x="5558" y="337"/>
-                </a:lnTo>
-                <a:lnTo>
-                  <a:pt x="1" y="0"/>
-                </a:lnTo>
-              </a:path>
-            </a:pathLst>
-          </a:custGeom>
-          <a:solidFill>
-            <a:schemeClr val="accent1">
-              <a:tint val="65000"/>
-              <a:satMod val="115000"/>
-              <a:alpha val="40000"/>
-            </a:schemeClr>
-          </a:solidFill>
-          <a:ln w="9525" cap="flat" cmpd="sng" algn="ctr">
-            <a:noFill/>
-            <a:prstDash val="solid"/>
-            <a:round/>
-            <a:headEnd type="none" w="med" len="med"/>
-            <a:tailEnd type="none" w="med" len="med"/>
-          </a:ln>
-          <a:effectLst/>
-        </p:spPr>
-        <p:txBody>
-          <a:bodyPr vert="horz" wrap="square" lIns="91440" tIns="45720" rIns="91440" bIns="45720" anchor="t" compatLnSpc="1"/>
-          <a:lstStyle/>
-          <a:p>
-            <a:endParaRPr kumimoji="0" lang="en-US" sz="1800"/>
-          </a:p>
-        </p:txBody>
-      </p:sp>
-      <p:sp>
-        <p:nvSpPr>
-          <p:cNvPr id="9" name="Forma livre 8"/>
-          <p:cNvSpPr>
-            <a:spLocks/>
-          </p:cNvSpPr>
-          <p:nvPr/>
-        </p:nvSpPr>
-        <p:spPr bwMode="auto">
-          <a:xfrm>
-            <a:off x="647623" y="5939011"/>
-            <a:ext cx="4920601" cy="933450"/>
-          </a:xfrm>
-          <a:custGeom>
-            <a:avLst>
-              <a:gd name="A1" fmla="val 0"/>
-              <a:gd name="A2" fmla="val 0"/>
-              <a:gd name="A3" fmla="val 0"/>
-              <a:gd name="A4" fmla="val 0"/>
-              <a:gd name="A5" fmla="val 0"/>
-              <a:gd name="A6" fmla="val 0"/>
-              <a:gd name="A7" fmla="val 0"/>
-              <a:gd name="A8" fmla="val 0"/>
-            </a:avLst>
-            <a:gdLst/>
-            <a:ahLst/>
-            <a:cxnLst>
-              <a:cxn ang="0">
-                <a:pos x="0" y="0"/>
-              </a:cxn>
-              <a:cxn ang="0">
-                <a:pos x="5760" y="0"/>
-              </a:cxn>
-              <a:cxn ang="0">
-                <a:pos x="5760" y="528"/>
-              </a:cxn>
-              <a:cxn ang="0">
-                <a:pos x="48" y="0"/>
-              </a:cxn>
-            </a:cxnLst>
-            <a:rect l="0" t="0" r="0" b="0"/>
-            <a:pathLst>
-              <a:path w="5591" h="588">
-                <a:moveTo>
-                  <a:pt x="0" y="0"/>
-                </a:moveTo>
-                <a:lnTo>
-                  <a:pt x="5591" y="585"/>
-                </a:lnTo>
-                <a:lnTo>
-                  <a:pt x="4415" y="588"/>
-                </a:lnTo>
-                <a:lnTo>
-                  <a:pt x="12" y="4"/>
-                </a:lnTo>
-              </a:path>
-            </a:pathLst>
-          </a:custGeom>
-          <a:solidFill>
-            <a:srgbClr val="000000">
-              <a:alpha val="100000"/>
-            </a:srgbClr>
-          </a:solidFill>
-          <a:ln w="9525" cap="flat" cmpd="sng" algn="ctr">
-            <a:noFill/>
-            <a:prstDash val="solid"/>
-            <a:round/>
-            <a:headEnd type="none" w="med" len="med"/>
-            <a:tailEnd type="none" w="med" len="med"/>
-          </a:ln>
-          <a:effectLst/>
-        </p:spPr>
-        <p:txBody>
-          <a:bodyPr vert="horz" wrap="square" lIns="91440" tIns="45720" rIns="91440" bIns="45720" anchor="t" compatLnSpc="1"/>
-          <a:lstStyle/>
-          <a:p>
-            <a:endParaRPr kumimoji="0" lang="en-US" sz="1800"/>
-          </a:p>
-        </p:txBody>
-      </p:sp>
-      <p:sp>
-        <p:nvSpPr>
-          <p:cNvPr id="10" name="Triângulo retângulo 9"/>
-          <p:cNvSpPr>
-            <a:spLocks/>
-          </p:cNvSpPr>
-          <p:nvPr/>
-        </p:nvSpPr>
-        <p:spPr bwMode="auto">
-          <a:xfrm>
-            <a:off x="-8056" y="5791253"/>
-            <a:ext cx="4536419" cy="1080868"/>
-          </a:xfrm>
-          <a:prstGeom prst="rtTriangle">
-            <a:avLst/>
-          </a:prstGeom>
-          <a:blipFill>
-            <a:blip r:embed="rId2">
-              <a:alphaModFix amt="50000"/>
-            </a:blip>
-            <a:tile tx="0" ty="0" sx="50000" sy="50000" flip="none" algn="t"/>
-          </a:blipFill>
-          <a:ln w="12700" cap="rnd" cmpd="thickThin" algn="ctr">
-            <a:noFill/>
-            <a:prstDash val="solid"/>
-          </a:ln>
-          <a:effectLst>
-            <a:fillOverlay blend="mult">
-              <a:gradFill flip="none" rotWithShape="1">
-                <a:gsLst>
-                  <a:gs pos="0">
-                    <a:schemeClr val="accent1">
-                      <a:shade val="20000"/>
-                      <a:satMod val="176000"/>
-                      <a:alpha val="100000"/>
-                    </a:schemeClr>
-                  </a:gs>
-                  <a:gs pos="18000">
-                    <a:schemeClr val="accent1">
-                      <a:shade val="48000"/>
-                      <a:satMod val="153000"/>
-                      <a:alpha val="100000"/>
-                    </a:schemeClr>
-                  </a:gs>
-                  <a:gs pos="43000">
-                    <a:schemeClr val="accent1">
-                      <a:tint val="86000"/>
-                      <a:satMod val="149000"/>
-                      <a:alpha val="100000"/>
-                    </a:schemeClr>
-                  </a:gs>
-                  <a:gs pos="45000">
-                    <a:schemeClr val="accent1">
-                      <a:tint val="85000"/>
-                      <a:satMod val="150000"/>
-                      <a:alpha val="100000"/>
-                    </a:schemeClr>
-                  </a:gs>
-                  <a:gs pos="50000">
-                    <a:schemeClr val="accent1">
-                      <a:tint val="86000"/>
-                      <a:satMod val="149000"/>
-                      <a:alpha val="100000"/>
-                    </a:schemeClr>
-                  </a:gs>
-                  <a:gs pos="79000">
-                    <a:schemeClr val="accent1">
-                      <a:shade val="53000"/>
-                      <a:satMod val="150000"/>
-                      <a:alpha val="100000"/>
-                    </a:schemeClr>
-                  </a:gs>
-                  <a:gs pos="100000">
-                    <a:schemeClr val="accent1">
-                      <a:shade val="25000"/>
-                      <a:satMod val="170000"/>
-                      <a:alpha val="100000"/>
-                    </a:schemeClr>
-                  </a:gs>
-                </a:gsLst>
-                <a:lin ang="450000" scaled="1"/>
-                <a:tileRect/>
-              </a:gradFill>
-            </a:fillOverlay>
-          </a:effectLst>
-        </p:spPr>
-        <p:style>
-          <a:lnRef idx="3">
-            <a:schemeClr val="lt1"/>
-          </a:lnRef>
-          <a:fillRef idx="1">
-            <a:schemeClr val="accent1"/>
-          </a:fillRef>
-          <a:effectRef idx="1">
-            <a:schemeClr val="accent1"/>
-          </a:effectRef>
-          <a:fontRef idx="minor">
-            <a:schemeClr val="lt1"/>
-          </a:fontRef>
-        </p:style>
-        <p:txBody>
-          <a:bodyPr vert="horz" wrap="square" lIns="91440" tIns="45720" rIns="91440" bIns="45720" anchor="ctr" compatLnSpc="1"/>
-          <a:lstStyle/>
-          <a:p>
-            <a:pPr algn="ctr" eaLnBrk="1" latinLnBrk="0" hangingPunct="1"/>
-            <a:endParaRPr kumimoji="0" lang="en-US" sz="1800"/>
-          </a:p>
-        </p:txBody>
-      </p:sp>
-      <p:cxnSp>
-        <p:nvCxnSpPr>
-          <p:cNvPr id="11" name="Conector reto 10"/>
-          <p:cNvCxnSpPr/>
-          <p:nvPr/>
-        </p:nvCxnSpPr>
-        <p:spPr>
-          <a:xfrm>
-            <a:off x="-12316" y="5787739"/>
-            <a:ext cx="4540679" cy="1084383"/>
-          </a:xfrm>
-          <a:prstGeom prst="line">
-            <a:avLst/>
-          </a:prstGeom>
-          <a:noFill/>
-          <a:ln w="12065" cap="flat" cmpd="sng" algn="ctr">
-            <a:gradFill>
-              <a:gsLst>
-                <a:gs pos="45000">
-                  <a:schemeClr val="accent1">
-                    <a:tint val="70000"/>
-                    <a:satMod val="110000"/>
-                  </a:schemeClr>
-                </a:gs>
-                <a:gs pos="15000">
-                  <a:schemeClr val="accent1">
-                    <a:shade val="40000"/>
-                    <a:satMod val="110000"/>
-                  </a:schemeClr>
-                </a:gs>
-              </a:gsLst>
-              <a:lin ang="5400000" scaled="1"/>
-            </a:gradFill>
-            <a:prstDash val="solid"/>
-            <a:miter lim="800000"/>
-          </a:ln>
-          <a:effectLst/>
-        </p:spPr>
-        <p:style>
-          <a:lnRef idx="2">
-            <a:schemeClr val="accent1"/>
-          </a:lnRef>
-          <a:fillRef idx="0">
-            <a:schemeClr val="accent1"/>
-          </a:fillRef>
-          <a:effectRef idx="1">
-            <a:schemeClr val="accent1"/>
-          </a:effectRef>
-          <a:fontRef idx="minor">
-            <a:schemeClr val="tx1"/>
-          </a:fontRef>
-        </p:style>
-      </p:cxnSp>
-      <p:sp>
-        <p:nvSpPr>
-          <p:cNvPr id="12" name="Divisa 11"/>
-          <p:cNvSpPr/>
-          <p:nvPr/>
-        </p:nvSpPr>
-        <p:spPr>
-          <a:xfrm>
-            <a:off x="11552149" y="4988440"/>
-            <a:ext cx="243840" cy="228600"/>
-          </a:xfrm>
-          <a:prstGeom prst="chevron">
-            <a:avLst>
-              <a:gd name="adj" fmla="val 50000"/>
-            </a:avLst>
-          </a:prstGeom>
-          <a:gradFill flip="none" rotWithShape="1">
-            <a:gsLst>
-              <a:gs pos="0">
-                <a:schemeClr val="accent1">
-                  <a:shade val="60000"/>
-                  <a:satMod val="125000"/>
-                </a:schemeClr>
-              </a:gs>
-              <a:gs pos="72000">
-                <a:schemeClr val="accent1">
-                  <a:tint val="90000"/>
-                  <a:satMod val="138000"/>
-                </a:schemeClr>
-              </a:gs>
-              <a:gs pos="100000">
-                <a:schemeClr val="accent1">
-                  <a:tint val="76000"/>
-                  <a:satMod val="136000"/>
-                </a:schemeClr>
-              </a:gs>
-            </a:gsLst>
-            <a:lin ang="16200000" scaled="0"/>
-          </a:gradFill>
-          <a:ln w="3175" cap="rnd" cmpd="sng" algn="ctr">
-            <a:solidFill>
-              <a:schemeClr val="accent1">
-                <a:shade val="50000"/>
-              </a:schemeClr>
-            </a:solidFill>
-            <a:prstDash val="solid"/>
-          </a:ln>
-          <a:effectLst>
-            <a:outerShdw blurRad="50800" dist="25400" dir="5400000">
-              <a:srgbClr val="000000">
-                <a:alpha val="46000"/>
-              </a:srgbClr>
-            </a:outerShdw>
-          </a:effectLst>
-        </p:spPr>
-        <p:style>
-          <a:lnRef idx="1">
-            <a:schemeClr val="accent1"/>
-          </a:lnRef>
-          <a:fillRef idx="3">
-            <a:schemeClr val="accent1"/>
-          </a:fillRef>
-          <a:effectRef idx="2">
-            <a:schemeClr val="accent1"/>
-          </a:effectRef>
-          <a:fontRef idx="minor">
-            <a:schemeClr val="lt1"/>
-          </a:fontRef>
-        </p:style>
-        <p:txBody>
-          <a:bodyPr anchor="ctr"/>
-          <a:lstStyle/>
-          <a:p>
-            <a:pPr algn="l" eaLnBrk="1" latinLnBrk="0" hangingPunct="1"/>
-            <a:endParaRPr kumimoji="0" lang="en-US" sz="1800"/>
-          </a:p>
-        </p:txBody>
-      </p:sp>
-      <p:sp>
-        <p:nvSpPr>
-          <p:cNvPr id="13" name="Divisa 12"/>
-          <p:cNvSpPr/>
-          <p:nvPr/>
-        </p:nvSpPr>
-        <p:spPr>
-          <a:xfrm>
-            <a:off x="11303595" y="4988440"/>
-            <a:ext cx="243840" cy="228600"/>
-          </a:xfrm>
-          <a:prstGeom prst="chevron">
-            <a:avLst>
-              <a:gd name="adj" fmla="val 50000"/>
-            </a:avLst>
-          </a:prstGeom>
-          <a:gradFill flip="none" rotWithShape="1">
-            <a:gsLst>
-              <a:gs pos="0">
-                <a:schemeClr val="accent1">
-                  <a:shade val="60000"/>
-                  <a:satMod val="125000"/>
-                </a:schemeClr>
-              </a:gs>
-              <a:gs pos="72000">
-                <a:schemeClr val="accent1">
-                  <a:tint val="90000"/>
-                  <a:satMod val="138000"/>
-                </a:schemeClr>
-              </a:gs>
-              <a:gs pos="100000">
-                <a:schemeClr val="accent1">
-                  <a:tint val="76000"/>
-                  <a:satMod val="136000"/>
-                </a:schemeClr>
-              </a:gs>
-            </a:gsLst>
-            <a:lin ang="16200000" scaled="0"/>
-          </a:gradFill>
-          <a:ln w="3175" cap="rnd" cmpd="sng" algn="ctr">
-            <a:solidFill>
-              <a:schemeClr val="accent1">
-                <a:shade val="50000"/>
-              </a:schemeClr>
-            </a:solidFill>
-            <a:prstDash val="solid"/>
-          </a:ln>
-          <a:effectLst>
-            <a:outerShdw blurRad="50800" dist="25400" dir="5400000">
-              <a:srgbClr val="000000">
-                <a:alpha val="46000"/>
-              </a:srgbClr>
-            </a:outerShdw>
-          </a:effectLst>
-        </p:spPr>
-        <p:style>
-          <a:lnRef idx="1">
-            <a:schemeClr val="accent1"/>
-          </a:lnRef>
-          <a:fillRef idx="3">
-            <a:schemeClr val="accent1"/>
-          </a:fillRef>
-          <a:effectRef idx="2">
-            <a:schemeClr val="accent1"/>
-          </a:effectRef>
-          <a:fontRef idx="minor">
-            <a:schemeClr val="lt1"/>
-          </a:fontRef>
-        </p:style>
-        <p:txBody>
-          <a:bodyPr anchor="ctr"/>
-          <a:lstStyle/>
-          <a:p>
-            <a:pPr algn="l" eaLnBrk="1" latinLnBrk="0" hangingPunct="1"/>
-            <a:endParaRPr kumimoji="0" lang="en-US" sz="1800"/>
-          </a:p>
-        </p:txBody>
-      </p:sp>
-    </p:spTree>
-  </p:cSld>
-  <p:clrMapOvr>
-    <a:overrideClrMapping bg1="dk1" tx1="lt1" bg2="dk2" tx2="lt2" accent1="accent1" accent2="accent2" accent3="accent3" accent4="accent4" accent5="accent5" accent6="accent6" hlink="hlink" folHlink="folHlink"/>
-  </p:clrMapOvr>
-</p:sldLayout>
-</file>
-
-<file path=ppt/slideMasters/slideMaster1.xml><?xml version="1.0" encoding="utf-8"?>
-<p:sldMaster xmlns:a="http://schemas.openxmlformats.org/drawingml/2006/main" xmlns:r="http://schemas.openxmlformats.org/officeDocument/2006/relationships" xmlns:p="http://schemas.openxmlformats.org/presentationml/2006/main">
-  <p:cSld>
-    <p:bg>
-      <p:bgPr>
-        <a:solidFill>
-          <a:schemeClr val="tx1"/>
-        </a:solidFill>
-        <a:effectLst/>
-      </p:bgPr>
-    </p:bg>
-    <p:spTree>
-      <p:nvGrpSpPr>
-        <p:cNvPr id="1" name=""/>
-        <p:cNvGrpSpPr/>
-        <p:nvPr/>
-      </p:nvGrpSpPr>
-      <p:grpSpPr>
-        <a:xfrm>
-          <a:off x="0" y="0"/>
-          <a:ext cx="0" cy="0"/>
-          <a:chOff x="0" y="0"/>
-          <a:chExt cx="0" cy="0"/>
-        </a:xfrm>
-      </p:grpSpPr>
-      <p:sp>
-        <p:nvSpPr>
-          <p:cNvPr id="13" name="Forma livre 12"/>
-          <p:cNvSpPr>
-            <a:spLocks/>
-          </p:cNvSpPr>
-          <p:nvPr/>
-        </p:nvSpPr>
-        <p:spPr bwMode="auto">
-          <a:xfrm>
-            <a:off x="665698" y="6405474"/>
-            <a:ext cx="4086153" cy="460538"/>
-          </a:xfrm>
-          <a:custGeom>
-            <a:avLst>
-              <a:gd name="A1" fmla="val 0"/>
-              <a:gd name="A2" fmla="val 0"/>
-              <a:gd name="A3" fmla="val 0"/>
-              <a:gd name="A4" fmla="val 0"/>
-              <a:gd name="A5" fmla="val 0"/>
-              <a:gd name="A6" fmla="val 0"/>
-              <a:gd name="A7" fmla="val 0"/>
-              <a:gd name="A8" fmla="val 0"/>
-            </a:avLst>
-            <a:gdLst/>
-            <a:ahLst/>
-            <a:cxnLst>
-              <a:cxn ang="0">
-                <a:pos x="0" y="0"/>
-              </a:cxn>
-              <a:cxn ang="0">
-                <a:pos x="5760" y="0"/>
-              </a:cxn>
-              <a:cxn ang="0">
-                <a:pos x="5760" y="528"/>
-              </a:cxn>
-              <a:cxn ang="0">
-                <a:pos x="48" y="0"/>
-              </a:cxn>
-            </a:cxnLst>
-            <a:rect l="0" t="0" r="0" b="0"/>
-            <a:pathLst>
-              <a:path w="7485" h="337">
-                <a:moveTo>
-                  <a:pt x="0" y="2"/>
-                </a:moveTo>
-                <a:lnTo>
-                  <a:pt x="7485" y="337"/>
-                </a:lnTo>
-                <a:lnTo>
-                  <a:pt x="5558" y="337"/>
-                </a:lnTo>
-                <a:lnTo>
-                  <a:pt x="1" y="0"/>
-                </a:lnTo>
-              </a:path>
-            </a:pathLst>
-          </a:custGeom>
-          <a:solidFill>
-            <a:schemeClr val="accent1">
-              <a:tint val="65000"/>
-              <a:satMod val="115000"/>
-              <a:alpha val="40000"/>
-            </a:schemeClr>
-          </a:solidFill>
-          <a:ln w="9525" cap="flat" cmpd="sng" algn="ctr">
-            <a:noFill/>
-            <a:prstDash val="solid"/>
-            <a:round/>
-            <a:headEnd type="none" w="med" len="med"/>
-            <a:tailEnd type="none" w="med" len="med"/>
-          </a:ln>
-          <a:effectLst/>
-        </p:spPr>
-        <p:txBody>
-          <a:bodyPr vert="horz" wrap="square" lIns="91440" tIns="45720" rIns="91440" bIns="45720" anchor="t" compatLnSpc="1"/>
-          <a:lstStyle/>
-          <a:p>
-            <a:endParaRPr kumimoji="0" lang="en-US" sz="1800"/>
-          </a:p>
-        </p:txBody>
-      </p:sp>
-      <p:sp>
-        <p:nvSpPr>
-          <p:cNvPr id="12" name="Forma livre 11"/>
-          <p:cNvSpPr>
-            <a:spLocks/>
-          </p:cNvSpPr>
-          <p:nvPr/>
-        </p:nvSpPr>
-        <p:spPr bwMode="auto">
-          <a:xfrm>
-            <a:off x="647624" y="6418660"/>
-            <a:ext cx="3052195" cy="447352"/>
-          </a:xfrm>
-          <a:custGeom>
-            <a:avLst>
-              <a:gd name="A1" fmla="val 0"/>
-              <a:gd name="A2" fmla="val 0"/>
-              <a:gd name="A3" fmla="val 0"/>
-              <a:gd name="A4" fmla="val 0"/>
-              <a:gd name="A5" fmla="val 0"/>
-              <a:gd name="A6" fmla="val 0"/>
-              <a:gd name="A7" fmla="val 0"/>
-              <a:gd name="A8" fmla="val 0"/>
-            </a:avLst>
-            <a:gdLst/>
-            <a:ahLst/>
-            <a:cxnLst>
-              <a:cxn ang="0">
-                <a:pos x="0" y="0"/>
-              </a:cxn>
-              <a:cxn ang="0">
-                <a:pos x="5760" y="0"/>
-              </a:cxn>
-              <a:cxn ang="0">
-                <a:pos x="5760" y="528"/>
-              </a:cxn>
-              <a:cxn ang="0">
-                <a:pos x="48" y="0"/>
-              </a:cxn>
-            </a:cxnLst>
-            <a:rect l="0" t="0" r="0" b="0"/>
-            <a:pathLst>
-              <a:path w="5591" h="588">
-                <a:moveTo>
-                  <a:pt x="0" y="0"/>
-                </a:moveTo>
-                <a:lnTo>
-                  <a:pt x="5591" y="585"/>
-                </a:lnTo>
-                <a:lnTo>
-                  <a:pt x="4415" y="588"/>
-                </a:lnTo>
-                <a:lnTo>
-                  <a:pt x="12" y="4"/>
-                </a:lnTo>
-              </a:path>
-            </a:pathLst>
-          </a:custGeom>
-          <a:solidFill>
-            <a:srgbClr val="000000">
-              <a:alpha val="100000"/>
-            </a:srgbClr>
-          </a:solidFill>
-          <a:ln w="9525" cap="flat" cmpd="sng" algn="ctr">
-            <a:noFill/>
-            <a:prstDash val="solid"/>
-            <a:round/>
-            <a:headEnd type="none" w="med" len="med"/>
-            <a:tailEnd type="none" w="med" len="med"/>
-          </a:ln>
-          <a:effectLst/>
-        </p:spPr>
-        <p:txBody>
-          <a:bodyPr vert="horz" wrap="square" lIns="91440" tIns="45720" rIns="91440" bIns="45720" anchor="t" compatLnSpc="1"/>
-          <a:lstStyle/>
-          <a:p>
-            <a:endParaRPr kumimoji="0" lang="en-US" sz="1800"/>
-          </a:p>
-        </p:txBody>
-      </p:sp>
-      <p:sp>
-        <p:nvSpPr>
-          <p:cNvPr id="14" name="Triângulo retângulo 13"/>
-          <p:cNvSpPr>
-            <a:spLocks/>
-          </p:cNvSpPr>
-          <p:nvPr/>
-        </p:nvSpPr>
-        <p:spPr bwMode="auto">
-          <a:xfrm>
-            <a:off x="-8056" y="6331687"/>
-            <a:ext cx="2813891" cy="540434"/>
-          </a:xfrm>
-          <a:prstGeom prst="rtTriangle">
-            <a:avLst/>
-          </a:prstGeom>
-          <a:blipFill>
-            <a:blip r:embed="rId13">
-              <a:alphaModFix amt="50000"/>
-            </a:blip>
-            <a:tile tx="0" ty="0" sx="50000" sy="50000" flip="none" algn="t"/>
-          </a:blipFill>
-          <a:ln w="12700" cap="rnd" cmpd="thickThin" algn="ctr">
-            <a:noFill/>
-            <a:prstDash val="solid"/>
-          </a:ln>
-          <a:effectLst>
-            <a:fillOverlay blend="mult">
-              <a:gradFill flip="none" rotWithShape="1">
-                <a:gsLst>
-                  <a:gs pos="0">
-                    <a:schemeClr val="accent1">
-                      <a:shade val="20000"/>
-                      <a:satMod val="176000"/>
-                      <a:alpha val="100000"/>
-                    </a:schemeClr>
-                  </a:gs>
-                  <a:gs pos="18000">
-                    <a:schemeClr val="accent1">
-                      <a:shade val="48000"/>
-                      <a:satMod val="153000"/>
-                      <a:alpha val="100000"/>
-                    </a:schemeClr>
-                  </a:gs>
-                  <a:gs pos="43000">
-                    <a:schemeClr val="accent1">
-                      <a:tint val="86000"/>
-                      <a:satMod val="149000"/>
-                      <a:alpha val="100000"/>
-                    </a:schemeClr>
-                  </a:gs>
-                  <a:gs pos="45000">
-                    <a:schemeClr val="accent1">
-                      <a:tint val="85000"/>
-                      <a:satMod val="150000"/>
-                      <a:alpha val="100000"/>
-                    </a:schemeClr>
-                  </a:gs>
-                  <a:gs pos="50000">
-                    <a:schemeClr val="accent1">
-                      <a:tint val="86000"/>
-                      <a:satMod val="149000"/>
-                      <a:alpha val="100000"/>
-                    </a:schemeClr>
-                  </a:gs>
-                  <a:gs pos="79000">
-                    <a:schemeClr val="accent1">
-                      <a:shade val="53000"/>
-                      <a:satMod val="150000"/>
-                      <a:alpha val="100000"/>
-                    </a:schemeClr>
-                  </a:gs>
-                  <a:gs pos="100000">
-                    <a:schemeClr val="accent1">
-                      <a:shade val="25000"/>
-                      <a:satMod val="170000"/>
-                      <a:alpha val="100000"/>
-                    </a:schemeClr>
-                  </a:gs>
-                </a:gsLst>
-                <a:lin ang="450000" scaled="1"/>
-                <a:tileRect/>
-              </a:gradFill>
-            </a:fillOverlay>
-          </a:effectLst>
-        </p:spPr>
-        <p:style>
-          <a:lnRef idx="3">
-            <a:schemeClr val="lt1"/>
-          </a:lnRef>
-          <a:fillRef idx="1">
-            <a:schemeClr val="accent1"/>
-          </a:fillRef>
-          <a:effectRef idx="1">
-            <a:schemeClr val="accent1"/>
-          </a:effectRef>
-          <a:fontRef idx="minor">
-            <a:schemeClr val="lt1"/>
-          </a:fontRef>
-        </p:style>
-        <p:txBody>
-          <a:bodyPr vert="horz" wrap="square" lIns="91440" tIns="45720" rIns="91440" bIns="45720" anchor="ctr" compatLnSpc="1"/>
-          <a:lstStyle/>
-          <a:p>
-            <a:pPr algn="ctr" eaLnBrk="1" latinLnBrk="0" hangingPunct="1"/>
-            <a:endParaRPr kumimoji="0" lang="en-US" sz="1800"/>
-          </a:p>
-        </p:txBody>
-      </p:sp>
+            <a:ln w="9525" cap="flat" cmpd="sng" algn="ctr">
+              <a:noFill/>
+              <a:prstDash val="solid"/>
+              <a:round/>
+              <a:headEnd type="none" w="med" len="med"/>
+              <a:tailEnd type="none" w="med" len="med"/>
+            </a:ln>
+            <a:effectLst/>
+          </p:spPr>
+          <p:txBody>
+            <a:bodyPr vert="horz" wrap="square" lIns="91440" tIns="45720" rIns="91440" bIns="45720" anchor="t" compatLnSpc="1"/>
+            <a:lstStyle/>
+            <a:p>
+              <a:endParaRPr kumimoji="0" lang="en-US" sz="1800"/>
+            </a:p>
+          </p:txBody>
+        </p:sp>
+        <p:sp>
+          <p:nvSpPr>
+            <p:cNvPr id="23" name="Triângulo retângulo 13">
+              <a:extLst>
+                <a:ext uri="{FF2B5EF4-FFF2-40B4-BE49-F238E27FC236}">
+                  <a16:creationId xmlns:a16="http://schemas.microsoft.com/office/drawing/2014/main" id="{F031D62E-34D0-4307-89A9-D4DF99FC2071}"/>
+                </a:ext>
+              </a:extLst>
+            </p:cNvPr>
+            <p:cNvSpPr>
+              <a:spLocks/>
+            </p:cNvSpPr>
+            <p:nvPr/>
+          </p:nvSpPr>
+          <p:spPr bwMode="auto">
+            <a:xfrm>
+              <a:off x="0" y="6317566"/>
+              <a:ext cx="2813891" cy="540434"/>
+            </a:xfrm>
+            <a:prstGeom prst="rtTriangle">
+              <a:avLst/>
+            </a:prstGeom>
+            <a:blipFill>
+              <a:blip r:embed="rId4">
+                <a:alphaModFix amt="50000"/>
+              </a:blip>
+              <a:tile tx="0" ty="0" sx="50000" sy="50000" flip="none" algn="t"/>
+            </a:blipFill>
+            <a:ln w="12700" cap="rnd" cmpd="thickThin" algn="ctr">
+              <a:noFill/>
+              <a:prstDash val="solid"/>
+            </a:ln>
+            <a:effectLst>
+              <a:fillOverlay blend="mult">
+                <a:gradFill flip="none" rotWithShape="1">
+                  <a:gsLst>
+                    <a:gs pos="0">
+                      <a:schemeClr val="accent1">
+                        <a:shade val="20000"/>
+                        <a:satMod val="176000"/>
+                        <a:alpha val="100000"/>
+                      </a:schemeClr>
+                    </a:gs>
+                    <a:gs pos="18000">
+                      <a:schemeClr val="accent1">
+                        <a:shade val="48000"/>
+                        <a:satMod val="153000"/>
+                        <a:alpha val="100000"/>
+                      </a:schemeClr>
+                    </a:gs>
+                    <a:gs pos="43000">
+                      <a:schemeClr val="accent1">
+                        <a:tint val="86000"/>
+                        <a:satMod val="149000"/>
+                        <a:alpha val="100000"/>
+                      </a:schemeClr>
+                    </a:gs>
+                    <a:gs pos="45000">
+                      <a:schemeClr val="accent1">
+                        <a:tint val="85000"/>
+                        <a:satMod val="150000"/>
+                        <a:alpha val="100000"/>
+                      </a:schemeClr>
+                    </a:gs>
+                    <a:gs pos="50000">
+                      <a:schemeClr val="accent1">
+                        <a:tint val="86000"/>
+                        <a:satMod val="149000"/>
+                        <a:alpha val="100000"/>
+                      </a:schemeClr>
+                    </a:gs>
+                    <a:gs pos="79000">
+                      <a:schemeClr val="accent1">
+                        <a:shade val="53000"/>
+                        <a:satMod val="150000"/>
+                        <a:alpha val="100000"/>
+                      </a:schemeClr>
+                    </a:gs>
+                    <a:gs pos="100000">
+                      <a:schemeClr val="accent1">
+                        <a:shade val="25000"/>
+                        <a:satMod val="170000"/>
+                        <a:alpha val="100000"/>
+                      </a:schemeClr>
+                    </a:gs>
+                  </a:gsLst>
+                  <a:lin ang="450000" scaled="1"/>
+                  <a:tileRect/>
+                </a:gradFill>
+              </a:fillOverlay>
+            </a:effectLst>
+          </p:spPr>
+          <p:style>
+            <a:lnRef idx="3">
+              <a:schemeClr val="lt1"/>
+            </a:lnRef>
+            <a:fillRef idx="1">
+              <a:schemeClr val="accent1"/>
+            </a:fillRef>
+            <a:effectRef idx="1">
+              <a:schemeClr val="accent1"/>
+            </a:effectRef>
+            <a:fontRef idx="minor">
+              <a:schemeClr val="lt1"/>
+            </a:fontRef>
+          </p:style>
+          <p:txBody>
+            <a:bodyPr vert="horz" wrap="square" lIns="91440" tIns="45720" rIns="91440" bIns="45720" anchor="ctr" compatLnSpc="1"/>
+            <a:lstStyle/>
+            <a:p>
+              <a:pPr algn="ctr" eaLnBrk="1" latinLnBrk="0" hangingPunct="1"/>
+              <a:endParaRPr kumimoji="0" lang="en-US" sz="1800"/>
+            </a:p>
+          </p:txBody>
+        </p:sp>
+      </p:grpSp>
       <p:sp>
         <p:nvSpPr>
           <p:cNvPr id="9" name="Espaço Reservado para Título 8"/>
@@ -7479,7 +5745,7 @@
             <a:fld id="{B41ABA4E-CD72-497B-97AA-7213B3980F60}" type="datetimeFigureOut">
               <a:rPr lang="en-US" smtClean="0"/>
               <a:pPr/>
-              <a:t>7/2/2019</a:t>
+              <a:t>9/19/2021</a:t>
             </a:fld>
             <a:endParaRPr lang="en-US" dirty="0"/>
           </a:p>
@@ -7568,15 +5834,6 @@
   <p:sldLayoutIdLst>
     <p:sldLayoutId id="2147483781" r:id="rId1"/>
     <p:sldLayoutId id="2147483782" r:id="rId2"/>
-    <p:sldLayoutId id="2147483783" r:id="rId3"/>
-    <p:sldLayoutId id="2147483784" r:id="rId4"/>
-    <p:sldLayoutId id="2147483785" r:id="rId5"/>
-    <p:sldLayoutId id="2147483786" r:id="rId6"/>
-    <p:sldLayoutId id="2147483787" r:id="rId7"/>
-    <p:sldLayoutId id="2147483788" r:id="rId8"/>
-    <p:sldLayoutId id="2147483789" r:id="rId9"/>
-    <p:sldLayoutId id="2147483790" r:id="rId10"/>
-    <p:sldLayoutId id="2147483791" r:id="rId11"/>
   </p:sldLayoutIdLst>
   <p:txStyles>
     <p:titleStyle>
@@ -7904,11 +6161,13 @@
           </a:xfrm>
         </p:spPr>
         <p:txBody>
-          <a:bodyPr/>
+          <a:bodyPr>
+            <a:normAutofit/>
+          </a:bodyPr>
           <a:lstStyle/>
           <a:p>
             <a:r>
-              <a:rPr lang="pt-BR" dirty="0"/>
+              <a:rPr lang="pt-BR" sz="6600" dirty="0"/>
               <a:t>Controle do Áudio</a:t>
             </a:r>
           </a:p>
@@ -7931,21 +6190,23 @@
           </a:xfrm>
         </p:spPr>
         <p:txBody>
-          <a:bodyPr lIns="36000" rIns="36000"/>
+          <a:bodyPr lIns="36000" rIns="36000">
+            <a:normAutofit/>
+          </a:bodyPr>
           <a:lstStyle/>
           <a:p>
             <a:pPr marL="109728" indent="0">
               <a:buNone/>
             </a:pPr>
             <a:r>
-              <a:rPr lang="pt-BR" dirty="0">
+              <a:rPr lang="pt-BR" sz="3600" dirty="0">
                 <a:solidFill>
                   <a:schemeClr val="accent1">
                     <a:lumMod val="50000"/>
                   </a:schemeClr>
                 </a:solidFill>
               </a:rPr>
-              <a:t>Desenvolvimento de Jogos</a:t>
+              <a:t>Programação de Jogos</a:t>
             </a:r>
           </a:p>
         </p:txBody>
@@ -8006,7 +6267,14 @@
             </a:r>
             <a:r>
               <a:rPr lang="pt-BR" dirty="0"/>
-              <a:t>é definida pela quantidade de vezes que a onda se repete a cada segundo</a:t>
+              <a:t>é definida pela quantidade </a:t>
+            </a:r>
+            <a:br>
+              <a:rPr lang="pt-BR" dirty="0"/>
+            </a:br>
+            <a:r>
+              <a:rPr lang="pt-BR" dirty="0"/>
+              <a:t>de vezes que a onda se repete a cada segundo</a:t>
             </a:r>
           </a:p>
           <a:p>
@@ -8115,29 +6383,7 @@
                 </a:solidFill>
                 <a:latin typeface="Consolas" panose="020B0609020204030204" pitchFamily="49" charset="0"/>
               </a:rPr>
-              <a:t>-&gt;</a:t>
-            </a:r>
-            <a:r>
-              <a:rPr lang="en-US" dirty="0" err="1">
-                <a:solidFill>
-                  <a:schemeClr val="bg1">
-                    <a:lumMod val="75000"/>
-                  </a:schemeClr>
-                </a:solidFill>
-                <a:latin typeface="Consolas" panose="020B0609020204030204" pitchFamily="49" charset="0"/>
-              </a:rPr>
-              <a:t>SetFrequencyRatio</a:t>
-            </a:r>
-            <a:r>
-              <a:rPr lang="en-US" dirty="0">
-                <a:solidFill>
-                  <a:schemeClr val="bg1">
-                    <a:lumMod val="75000"/>
-                  </a:schemeClr>
-                </a:solidFill>
-                <a:latin typeface="Consolas" panose="020B0609020204030204" pitchFamily="49" charset="0"/>
-              </a:rPr>
-              <a:t>(level);</a:t>
+              <a:t>-&gt;SetFrequencyRatio(level);</a:t>
             </a:r>
             <a:endParaRPr lang="pt-BR" dirty="0">
               <a:solidFill>
@@ -9452,8 +7698,8 @@
                 <a:gd name="adj3" fmla="val 113177"/>
               </a:avLst>
             </a:prstGeom>
-            <a:ln>
-              <a:tailEnd type="triangle"/>
+            <a:ln w="19050">
+              <a:tailEnd type="triangle" w="lg" len="med"/>
             </a:ln>
           </p:spPr>
           <p:style>
@@ -9590,7 +7836,29 @@
                 </a:solidFill>
                 <a:latin typeface="Consolas" panose="020B0609020204030204" pitchFamily="49" charset="0"/>
               </a:rPr>
-              <a:t> = XAUDIO2_LOOP_INFINITE;</a:t>
+              <a:t> = </a:t>
+            </a:r>
+            <a:r>
+              <a:rPr lang="en-US" sz="1600" dirty="0">
+                <a:solidFill>
+                  <a:schemeClr val="accent4">
+                    <a:lumMod val="75000"/>
+                  </a:schemeClr>
+                </a:solidFill>
+                <a:latin typeface="Consolas" panose="020B0609020204030204" pitchFamily="49" charset="0"/>
+              </a:rPr>
+              <a:t>XAUDIO2_LOOP_INFINITE</a:t>
+            </a:r>
+            <a:r>
+              <a:rPr lang="en-US" sz="1600" dirty="0">
+                <a:solidFill>
+                  <a:schemeClr val="bg1">
+                    <a:lumMod val="75000"/>
+                  </a:schemeClr>
+                </a:solidFill>
+                <a:latin typeface="Consolas" panose="020B0609020204030204" pitchFamily="49" charset="0"/>
+              </a:rPr>
+              <a:t>;</a:t>
             </a:r>
           </a:p>
           <a:p>
@@ -10186,14 +8454,21 @@
             </a:r>
             <a:r>
               <a:rPr lang="pt-BR" dirty="0"/>
-              <a:t> fornece a possibilidade de controlar a reprodução do áudio além das funcionalidades básicas de </a:t>
+              <a:t> fornece a possibilidade de </a:t>
             </a:r>
             <a:br>
               <a:rPr lang="pt-BR" dirty="0"/>
             </a:br>
             <a:r>
               <a:rPr lang="pt-BR" dirty="0"/>
-              <a:t>Play e Stop</a:t>
+              <a:t>controlar a reprodução do áudio além das </a:t>
+            </a:r>
+            <a:br>
+              <a:rPr lang="pt-BR" dirty="0"/>
+            </a:br>
+            <a:r>
+              <a:rPr lang="pt-BR" dirty="0"/>
+              <a:t>funcionalidades básicas de Play e Stop</a:t>
             </a:r>
           </a:p>
           <a:p>
@@ -10236,15 +8511,7 @@
             <a:pPr lvl="2"/>
             <a:r>
               <a:rPr lang="pt-BR" dirty="0"/>
-              <a:t>Em </a:t>
-            </a:r>
-            <a:r>
-              <a:rPr lang="pt-BR" dirty="0" err="1"/>
-              <a:t>Sources</a:t>
-            </a:r>
-            <a:r>
-              <a:rPr lang="pt-BR" dirty="0"/>
-              <a:t> Voices diferentes</a:t>
+              <a:t>Em Sources Voices diferentes</a:t>
             </a:r>
           </a:p>
           <a:p>
@@ -10343,7 +8610,7 @@
             </a:r>
             <a:r>
               <a:rPr lang="pt-BR" dirty="0"/>
-              <a:t>são importantes para os jogos</a:t>
+              <a:t>são importantes</a:t>
             </a:r>
           </a:p>
           <a:p>
@@ -10439,7 +8706,7 @@
                   </a:schemeClr>
                 </a:solidFill>
               </a:rPr>
-              <a:t>formato WAVE</a:t>
+              <a:t>formato de áudio WAVE</a:t>
             </a:r>
           </a:p>
         </p:txBody>
@@ -11232,24 +9499,14 @@
               <a:t>Criar uma </a:t>
             </a:r>
             <a:r>
-              <a:rPr lang="pt-BR" dirty="0" err="1">
+              <a:rPr lang="pt-BR" dirty="0">
                 <a:solidFill>
                   <a:schemeClr val="accent1">
                     <a:lumMod val="75000"/>
                   </a:schemeClr>
                 </a:solidFill>
               </a:rPr>
-              <a:t>Source</a:t>
-            </a:r>
-            <a:r>
-              <a:rPr lang="pt-BR" dirty="0">
-                <a:solidFill>
-                  <a:schemeClr val="accent1">
-                    <a:lumMod val="75000"/>
-                  </a:schemeClr>
-                </a:solidFill>
-              </a:rPr>
-              <a:t> Voice</a:t>
+              <a:t>Source Voice</a:t>
             </a:r>
             <a:r>
               <a:rPr lang="pt-BR" dirty="0"/>
@@ -11367,8 +9624,58 @@
                 <a:latin typeface="Consolas" pitchFamily="49" charset="0"/>
                 <a:cs typeface="Consolas" pitchFamily="49" charset="0"/>
               </a:rPr>
-              <a:t>(&amp;</a:t>
-            </a:r>
+              <a:t>(&amp;sourceVoice, (</a:t>
+            </a:r>
+            <a:r>
+              <a:rPr lang="en-US" sz="1600" dirty="0">
+                <a:solidFill>
+                  <a:schemeClr val="accent1">
+                    <a:lumMod val="75000"/>
+                  </a:schemeClr>
+                </a:solidFill>
+                <a:latin typeface="Consolas" pitchFamily="49" charset="0"/>
+                <a:cs typeface="Consolas" pitchFamily="49" charset="0"/>
+              </a:rPr>
+              <a:t>WAVEFORMATEX</a:t>
+            </a:r>
+            <a:r>
+              <a:rPr lang="en-US" sz="1600" dirty="0">
+                <a:solidFill>
+                  <a:schemeClr val="bg1">
+                    <a:lumMod val="85000"/>
+                  </a:schemeClr>
+                </a:solidFill>
+                <a:latin typeface="Consolas" pitchFamily="49" charset="0"/>
+                <a:cs typeface="Consolas" pitchFamily="49" charset="0"/>
+              </a:rPr>
+              <a:t>*) &amp;</a:t>
+            </a:r>
+            <a:r>
+              <a:rPr lang="en-US" sz="1600" dirty="0" err="1">
+                <a:solidFill>
+                  <a:schemeClr val="bg1">
+                    <a:lumMod val="85000"/>
+                  </a:schemeClr>
+                </a:solidFill>
+                <a:latin typeface="Consolas" pitchFamily="49" charset="0"/>
+                <a:cs typeface="Consolas" pitchFamily="49" charset="0"/>
+              </a:rPr>
+              <a:t>wfx</a:t>
+            </a:r>
+            <a:r>
+              <a:rPr lang="en-US" sz="1600" dirty="0">
+                <a:solidFill>
+                  <a:schemeClr val="bg1">
+                    <a:lumMod val="85000"/>
+                  </a:schemeClr>
+                </a:solidFill>
+                <a:latin typeface="Consolas" pitchFamily="49" charset="0"/>
+                <a:cs typeface="Consolas" pitchFamily="49" charset="0"/>
+              </a:rPr>
+              <a:t>);</a:t>
+            </a:r>
+          </a:p>
+          <a:p>
             <a:r>
               <a:rPr lang="en-US" sz="1600" dirty="0" err="1">
                 <a:solidFill>
@@ -11391,105 +9698,7 @@
                 <a:latin typeface="Consolas" pitchFamily="49" charset="0"/>
                 <a:cs typeface="Consolas" pitchFamily="49" charset="0"/>
               </a:rPr>
-              <a:t>, (</a:t>
-            </a:r>
-            <a:r>
-              <a:rPr lang="en-US" sz="1600" dirty="0">
-                <a:solidFill>
-                  <a:schemeClr val="accent1">
-                    <a:lumMod val="75000"/>
-                  </a:schemeClr>
-                </a:solidFill>
-                <a:latin typeface="Consolas" pitchFamily="49" charset="0"/>
-                <a:cs typeface="Consolas" pitchFamily="49" charset="0"/>
-              </a:rPr>
-              <a:t>WAVEFORMATEX</a:t>
-            </a:r>
-            <a:r>
-              <a:rPr lang="en-US" sz="1600" dirty="0">
-                <a:solidFill>
-                  <a:schemeClr val="bg1">
-                    <a:lumMod val="85000"/>
-                  </a:schemeClr>
-                </a:solidFill>
-                <a:latin typeface="Consolas" pitchFamily="49" charset="0"/>
-                <a:cs typeface="Consolas" pitchFamily="49" charset="0"/>
-              </a:rPr>
-              <a:t>*) &amp;</a:t>
-            </a:r>
-            <a:r>
-              <a:rPr lang="en-US" sz="1600" dirty="0" err="1">
-                <a:solidFill>
-                  <a:schemeClr val="bg1">
-                    <a:lumMod val="85000"/>
-                  </a:schemeClr>
-                </a:solidFill>
-                <a:latin typeface="Consolas" pitchFamily="49" charset="0"/>
-                <a:cs typeface="Consolas" pitchFamily="49" charset="0"/>
-              </a:rPr>
-              <a:t>wfx</a:t>
-            </a:r>
-            <a:r>
-              <a:rPr lang="en-US" sz="1600" dirty="0">
-                <a:solidFill>
-                  <a:schemeClr val="bg1">
-                    <a:lumMod val="85000"/>
-                  </a:schemeClr>
-                </a:solidFill>
-                <a:latin typeface="Consolas" pitchFamily="49" charset="0"/>
-                <a:cs typeface="Consolas" pitchFamily="49" charset="0"/>
-              </a:rPr>
-              <a:t>);</a:t>
-            </a:r>
-          </a:p>
-          <a:p>
-            <a:r>
-              <a:rPr lang="en-US" sz="1600" dirty="0" err="1">
-                <a:solidFill>
-                  <a:schemeClr val="bg1">
-                    <a:lumMod val="85000"/>
-                  </a:schemeClr>
-                </a:solidFill>
-                <a:latin typeface="Consolas" pitchFamily="49" charset="0"/>
-                <a:cs typeface="Consolas" pitchFamily="49" charset="0"/>
-              </a:rPr>
-              <a:t>sourceVoice</a:t>
-            </a:r>
-            <a:r>
-              <a:rPr lang="en-US" sz="1600" dirty="0">
-                <a:solidFill>
-                  <a:schemeClr val="bg1">
-                    <a:lumMod val="85000"/>
-                  </a:schemeClr>
-                </a:solidFill>
-                <a:latin typeface="Consolas" pitchFamily="49" charset="0"/>
-                <a:cs typeface="Consolas" pitchFamily="49" charset="0"/>
-              </a:rPr>
-              <a:t>-&gt;</a:t>
-            </a:r>
-            <a:r>
-              <a:rPr lang="en-US" sz="1600" dirty="0" err="1">
-                <a:solidFill>
-                  <a:schemeClr val="bg1">
-                    <a:lumMod val="85000"/>
-                  </a:schemeClr>
-                </a:solidFill>
-                <a:latin typeface="Consolas" pitchFamily="49" charset="0"/>
-                <a:cs typeface="Consolas" pitchFamily="49" charset="0"/>
-              </a:rPr>
-              <a:t>SubmitSourceBuffer</a:t>
-            </a:r>
-            <a:r>
-              <a:rPr lang="en-US" sz="1600" dirty="0">
-                <a:solidFill>
-                  <a:schemeClr val="bg1">
-                    <a:lumMod val="85000"/>
-                  </a:schemeClr>
-                </a:solidFill>
-                <a:latin typeface="Consolas" pitchFamily="49" charset="0"/>
-                <a:cs typeface="Consolas" pitchFamily="49" charset="0"/>
-              </a:rPr>
-              <a:t>(&amp;buffer);</a:t>
+              <a:t>-&gt;SubmitSourceBuffer(&amp;buffer);</a:t>
             </a:r>
           </a:p>
           <a:p>
@@ -11733,14 +9942,14 @@
           <a:prstGeom prst="straightConnector1">
             <a:avLst/>
           </a:prstGeom>
-          <a:ln w="19050" cmpd="sng">
+          <a:ln w="25400" cmpd="sng">
             <a:solidFill>
               <a:schemeClr val="tx2">
                 <a:lumMod val="60000"/>
                 <a:lumOff val="40000"/>
               </a:schemeClr>
             </a:solidFill>
-            <a:tailEnd type="triangle"/>
+            <a:tailEnd type="triangle" w="lg" len="med"/>
           </a:ln>
         </p:spPr>
         <p:style>
@@ -11782,8 +9991,8 @@
           <a:prstGeom prst="straightConnector1">
             <a:avLst/>
           </a:prstGeom>
-          <a:ln w="19050" cmpd="sng">
-            <a:tailEnd type="triangle"/>
+          <a:ln w="25400" cmpd="sng">
+            <a:tailEnd type="triangle" w="lg" len="med"/>
           </a:ln>
         </p:spPr>
         <p:style>
@@ -11824,8 +10033,8 @@
           <a:prstGeom prst="straightConnector1">
             <a:avLst/>
           </a:prstGeom>
-          <a:ln w="19050" cmpd="sng">
-            <a:tailEnd type="triangle"/>
+          <a:ln w="25400" cmpd="sng">
+            <a:tailEnd type="triangle" w="lg" len="med"/>
           </a:ln>
         </p:spPr>
         <p:style>
@@ -12048,82 +10257,18 @@
           <a:p>
             <a:pPr algn="ctr"/>
             <a:r>
-              <a:rPr lang="pt-BR" sz="1400" dirty="0" err="1">
+              <a:rPr lang="pt-BR" sz="1400" dirty="0">
                 <a:solidFill>
                   <a:schemeClr val="bg1">
                     <a:lumMod val="75000"/>
                   </a:schemeClr>
                 </a:solidFill>
               </a:rPr>
-              <a:t>Source</a:t>
-            </a:r>
-            <a:r>
-              <a:rPr lang="pt-BR" sz="1400" dirty="0">
-                <a:solidFill>
-                  <a:schemeClr val="bg1">
-                    <a:lumMod val="75000"/>
-                  </a:schemeClr>
-                </a:solidFill>
-              </a:rPr>
-              <a:t> Voice</a:t>
+              <a:t>Source Voice</a:t>
             </a:r>
           </a:p>
         </p:txBody>
       </p:sp>
-      <p:pic>
-        <p:nvPicPr>
-          <p:cNvPr id="47" name="Picture 2" descr="http://www.downloadplayer.net/Images/VDLP/VideoCards/GeForceGT440Large.gif">
-            <a:extLst>
-              <a:ext uri="{FF2B5EF4-FFF2-40B4-BE49-F238E27FC236}">
-                <a16:creationId xmlns:a16="http://schemas.microsoft.com/office/drawing/2014/main" id="{CF56FFAF-DB79-40E1-A260-5397DC74F69E}"/>
-              </a:ext>
-            </a:extLst>
-          </p:cNvPr>
-          <p:cNvPicPr>
-            <a:picLocks noChangeAspect="1" noChangeArrowheads="1"/>
-          </p:cNvPicPr>
-          <p:nvPr/>
-        </p:nvPicPr>
-        <p:blipFill>
-          <a:blip r:embed="rId3">
-            <a:duotone>
-              <a:prstClr val="black"/>
-              <a:schemeClr val="accent1">
-                <a:tint val="45000"/>
-                <a:satMod val="400000"/>
-              </a:schemeClr>
-            </a:duotone>
-            <a:extLst>
-              <a:ext uri="{28A0092B-C50C-407E-A947-70E740481C1C}">
-                <a14:useLocalDpi xmlns:a14="http://schemas.microsoft.com/office/drawing/2010/main" val="0"/>
-              </a:ext>
-            </a:extLst>
-          </a:blip>
-          <a:srcRect/>
-          <a:stretch>
-            <a:fillRect/>
-          </a:stretch>
-        </p:blipFill>
-        <p:spPr bwMode="auto">
-          <a:xfrm>
-            <a:off x="8219509" y="3993701"/>
-            <a:ext cx="2128728" cy="1609118"/>
-          </a:xfrm>
-          <a:prstGeom prst="rect">
-            <a:avLst/>
-          </a:prstGeom>
-          <a:noFill/>
-          <a:extLst>
-            <a:ext uri="{909E8E84-426E-40DD-AFC4-6F175D3DCCD1}">
-              <a14:hiddenFill xmlns:a14="http://schemas.microsoft.com/office/drawing/2010/main">
-                <a:solidFill>
-                  <a:srgbClr val="FFFFFF"/>
-                </a:solidFill>
-              </a14:hiddenFill>
-            </a:ext>
-          </a:extLst>
-        </p:spPr>
-      </p:pic>
       <p:sp>
         <p:nvSpPr>
           <p:cNvPr id="48" name="Retângulo 47">
@@ -12138,7 +10283,7 @@
         </p:nvSpPr>
         <p:spPr>
           <a:xfrm>
-            <a:off x="8616280" y="3624369"/>
+            <a:off x="8760296" y="3556506"/>
             <a:ext cx="1657826" cy="369332"/>
           </a:xfrm>
           <a:prstGeom prst="rect">
@@ -12165,6 +10310,48 @@
           </a:p>
         </p:txBody>
       </p:sp>
+      <p:pic>
+        <p:nvPicPr>
+          <p:cNvPr id="8" name="Imagem 7" descr="Circuito eletrônico em superfície cinza&#10;&#10;Descrição gerada automaticamente com confiança baixa">
+            <a:extLst>
+              <a:ext uri="{FF2B5EF4-FFF2-40B4-BE49-F238E27FC236}">
+                <a16:creationId xmlns:a16="http://schemas.microsoft.com/office/drawing/2014/main" id="{5EC12D52-9EAD-43CF-90FB-3F6C20507CA6}"/>
+              </a:ext>
+            </a:extLst>
+          </p:cNvPr>
+          <p:cNvPicPr>
+            <a:picLocks noChangeAspect="1"/>
+          </p:cNvPicPr>
+          <p:nvPr/>
+        </p:nvPicPr>
+        <p:blipFill rotWithShape="1">
+          <a:blip r:embed="rId3" cstate="hqprint">
+            <a:duotone>
+              <a:prstClr val="black"/>
+              <a:schemeClr val="accent1">
+                <a:tint val="45000"/>
+                <a:satMod val="400000"/>
+              </a:schemeClr>
+            </a:duotone>
+            <a:extLst>
+              <a:ext uri="{28A0092B-C50C-407E-A947-70E740481C1C}">
+                <a14:useLocalDpi xmlns:a14="http://schemas.microsoft.com/office/drawing/2010/main"/>
+              </a:ext>
+            </a:extLst>
+          </a:blip>
+          <a:srcRect/>
+          <a:stretch/>
+        </p:blipFill>
+        <p:spPr>
+          <a:xfrm>
+            <a:off x="8183758" y="3933056"/>
+            <a:ext cx="2551338" cy="1786203"/>
+          </a:xfrm>
+          <a:prstGeom prst="rect">
+            <a:avLst/>
+          </a:prstGeom>
+        </p:spPr>
+      </p:pic>
     </p:spTree>
     <p:extLst>
       <p:ext uri="{BB962C8B-B14F-4D97-AF65-F5344CB8AC3E}">
@@ -12218,15 +10405,7 @@
           <a:p>
             <a:r>
               <a:rPr lang="pt-BR" dirty="0"/>
-              <a:t>Cada </a:t>
-            </a:r>
-            <a:r>
-              <a:rPr lang="pt-BR" dirty="0" err="1"/>
-              <a:t>Source</a:t>
-            </a:r>
-            <a:r>
-              <a:rPr lang="pt-BR" dirty="0"/>
-              <a:t> Voice tem um </a:t>
+              <a:t>Cada Source Voice tem um </a:t>
             </a:r>
             <a:r>
               <a:rPr lang="pt-BR" dirty="0">
@@ -12287,12 +10466,8 @@
           <a:lstStyle/>
           <a:p>
             <a:r>
-              <a:rPr lang="pt-BR" dirty="0" err="1"/>
-              <a:t>Source</a:t>
-            </a:r>
-            <a:r>
               <a:rPr lang="pt-BR" dirty="0"/>
-              <a:t> Voices</a:t>
+              <a:t>Source Voices</a:t>
             </a:r>
           </a:p>
         </p:txBody>
@@ -14218,15 +12393,7 @@
           <a:p>
             <a:r>
               <a:rPr lang="pt-BR" dirty="0"/>
-              <a:t>As </a:t>
-            </a:r>
-            <a:r>
-              <a:rPr lang="pt-BR" dirty="0" err="1"/>
-              <a:t>Sources</a:t>
-            </a:r>
-            <a:r>
-              <a:rPr lang="pt-BR" dirty="0"/>
-              <a:t> Voices funcionam como </a:t>
+              <a:t>As Sources Voices funcionam como </a:t>
             </a:r>
             <a:r>
               <a:rPr lang="pt-BR" dirty="0">
@@ -14286,12 +12453,8 @@
           <a:lstStyle/>
           <a:p>
             <a:r>
-              <a:rPr lang="pt-BR" dirty="0" err="1"/>
-              <a:t>Source</a:t>
-            </a:r>
-            <a:r>
               <a:rPr lang="pt-BR" dirty="0"/>
-              <a:t> Voices</a:t>
+              <a:t>Source Voices</a:t>
             </a:r>
           </a:p>
         </p:txBody>
@@ -14400,7 +12563,7 @@
                 <a:latin typeface="Consolas" pitchFamily="49" charset="0"/>
                 <a:cs typeface="Consolas" pitchFamily="49" charset="0"/>
               </a:rPr>
-              <a:t>courceVoice</a:t>
+              <a:t>sourceVoice</a:t>
             </a:r>
             <a:r>
               <a:rPr lang="en-US" sz="1600" dirty="0">
@@ -14412,31 +12575,7 @@
                 <a:latin typeface="Consolas" pitchFamily="49" charset="0"/>
                 <a:cs typeface="Consolas" pitchFamily="49" charset="0"/>
               </a:rPr>
-              <a:t>-&gt;</a:t>
-            </a:r>
-            <a:r>
-              <a:rPr lang="en-US" sz="1600" dirty="0" err="1">
-                <a:solidFill>
-                  <a:schemeClr val="bg1">
-                    <a:lumMod val="85000"/>
-                  </a:schemeClr>
-                </a:solidFill>
-                <a:latin typeface="Consolas" pitchFamily="49" charset="0"/>
-                <a:cs typeface="Consolas" pitchFamily="49" charset="0"/>
-              </a:rPr>
-              <a:t>FlushSourceBuffers</a:t>
-            </a:r>
-            <a:r>
-              <a:rPr lang="en-US" sz="1600" dirty="0">
-                <a:solidFill>
-                  <a:schemeClr val="bg1">
-                    <a:lumMod val="85000"/>
-                  </a:schemeClr>
-                </a:solidFill>
-                <a:latin typeface="Consolas" pitchFamily="49" charset="0"/>
-                <a:cs typeface="Consolas" pitchFamily="49" charset="0"/>
-              </a:rPr>
-              <a:t>();</a:t>
+              <a:t>-&gt;FlushSourceBuffers();</a:t>
             </a:r>
           </a:p>
           <a:p>
@@ -14462,31 +12601,7 @@
                 <a:latin typeface="Consolas" pitchFamily="49" charset="0"/>
                 <a:cs typeface="Consolas" pitchFamily="49" charset="0"/>
               </a:rPr>
-              <a:t>-&gt;</a:t>
-            </a:r>
-            <a:r>
-              <a:rPr lang="en-US" sz="1600" dirty="0" err="1">
-                <a:solidFill>
-                  <a:schemeClr val="bg1">
-                    <a:lumMod val="85000"/>
-                  </a:schemeClr>
-                </a:solidFill>
-                <a:latin typeface="Consolas" pitchFamily="49" charset="0"/>
-                <a:cs typeface="Consolas" pitchFamily="49" charset="0"/>
-              </a:rPr>
-              <a:t>SubmitSourceBuffer</a:t>
-            </a:r>
-            <a:r>
-              <a:rPr lang="en-US" sz="1600" dirty="0">
-                <a:solidFill>
-                  <a:schemeClr val="bg1">
-                    <a:lumMod val="85000"/>
-                  </a:schemeClr>
-                </a:solidFill>
-                <a:latin typeface="Consolas" pitchFamily="49" charset="0"/>
-                <a:cs typeface="Consolas" pitchFamily="49" charset="0"/>
-              </a:rPr>
-              <a:t>(&amp;buffer);</a:t>
+              <a:t>-&gt;SubmitSourceBuffer(&amp;buffer);</a:t>
             </a:r>
           </a:p>
           <a:p>
@@ -14804,16 +12919,6 @@
             <a:p>
               <a:pPr algn="ctr"/>
               <a:r>
-                <a:rPr lang="pt-BR" sz="1400" dirty="0" err="1">
-                  <a:solidFill>
-                    <a:schemeClr val="bg1">
-                      <a:lumMod val="75000"/>
-                    </a:schemeClr>
-                  </a:solidFill>
-                </a:rPr>
-                <a:t>Source</a:t>
-              </a:r>
-              <a:r>
                 <a:rPr lang="pt-BR" sz="1400" dirty="0">
                   <a:solidFill>
                     <a:schemeClr val="bg1">
@@ -14821,7 +12926,7 @@
                     </a:schemeClr>
                   </a:solidFill>
                 </a:rPr>
-                <a:t> Voice</a:t>
+                <a:t>Source Voice</a:t>
               </a:r>
             </a:p>
           </p:txBody>
@@ -15848,7 +13953,14 @@
           <a:p>
             <a:r>
               <a:rPr lang="pt-BR" dirty="0"/>
-              <a:t>Para que um som possa ser reproduzido várias vezes </a:t>
+              <a:t>Para que um som possa ser reproduzido várias </a:t>
+            </a:r>
+            <a:br>
+              <a:rPr lang="pt-BR" dirty="0"/>
+            </a:br>
+            <a:r>
+              <a:rPr lang="pt-BR" dirty="0"/>
+              <a:t>vezes </a:t>
             </a:r>
             <a:r>
               <a:rPr lang="pt-BR" dirty="0">
@@ -15864,13 +13976,12 @@
               <a:rPr lang="pt-BR" dirty="0"/>
               <a:t> eles precisam usar </a:t>
             </a:r>
-            <a:r>
-              <a:rPr lang="pt-BR" dirty="0" err="1"/>
-              <a:t>Source</a:t>
-            </a:r>
-            <a:r>
+            <a:br>
               <a:rPr lang="pt-BR" dirty="0"/>
-              <a:t> Voices diferentes</a:t>
+            </a:br>
+            <a:r>
+              <a:rPr lang="pt-BR" dirty="0"/>
+              <a:t>Source Voices diferentes</a:t>
             </a:r>
             <a:endParaRPr lang="pt-BR" dirty="0">
               <a:solidFill>
@@ -15898,12 +14009,8 @@
           <a:lstStyle/>
           <a:p>
             <a:r>
-              <a:rPr lang="pt-BR" dirty="0" err="1"/>
-              <a:t>Source</a:t>
-            </a:r>
-            <a:r>
               <a:rPr lang="pt-BR" dirty="0"/>
-              <a:t> Voices</a:t>
+              <a:t>Source Voices</a:t>
             </a:r>
           </a:p>
         </p:txBody>
@@ -16166,24 +14273,14 @@
           <a:p>
             <a:pPr algn="ctr"/>
             <a:r>
-              <a:rPr lang="pt-BR" sz="1400" dirty="0" err="1">
+              <a:rPr lang="pt-BR" sz="1400" dirty="0">
                 <a:solidFill>
                   <a:schemeClr val="bg1">
                     <a:lumMod val="75000"/>
                   </a:schemeClr>
                 </a:solidFill>
               </a:rPr>
-              <a:t>Source</a:t>
-            </a:r>
-            <a:r>
-              <a:rPr lang="pt-BR" sz="1400" dirty="0">
-                <a:solidFill>
-                  <a:schemeClr val="bg1">
-                    <a:lumMod val="75000"/>
-                  </a:schemeClr>
-                </a:solidFill>
-              </a:rPr>
-              <a:t> Voice 0</a:t>
+              <a:t>Source Voice 0</a:t>
             </a:r>
           </a:p>
         </p:txBody>
@@ -17186,24 +15283,14 @@
           <a:p>
             <a:pPr algn="ctr"/>
             <a:r>
-              <a:rPr lang="pt-BR" sz="1400" dirty="0" err="1">
+              <a:rPr lang="pt-BR" sz="1400" dirty="0">
                 <a:solidFill>
                   <a:schemeClr val="bg1">
                     <a:lumMod val="75000"/>
                   </a:schemeClr>
                 </a:solidFill>
               </a:rPr>
-              <a:t>Source</a:t>
-            </a:r>
-            <a:r>
-              <a:rPr lang="pt-BR" sz="1400" dirty="0">
-                <a:solidFill>
-                  <a:schemeClr val="bg1">
-                    <a:lumMod val="75000"/>
-                  </a:schemeClr>
-                </a:solidFill>
-              </a:rPr>
-              <a:t> Voice 1</a:t>
+              <a:t>Source Voice 1</a:t>
             </a:r>
           </a:p>
         </p:txBody>
@@ -17237,24 +15324,14 @@
           <a:p>
             <a:pPr algn="ctr"/>
             <a:r>
-              <a:rPr lang="pt-BR" sz="1400" dirty="0" err="1">
+              <a:rPr lang="pt-BR" sz="1400" dirty="0">
                 <a:solidFill>
                   <a:schemeClr val="bg1">
                     <a:lumMod val="75000"/>
                   </a:schemeClr>
                 </a:solidFill>
               </a:rPr>
-              <a:t>Source</a:t>
-            </a:r>
-            <a:r>
-              <a:rPr lang="pt-BR" sz="1400" dirty="0">
-                <a:solidFill>
-                  <a:schemeClr val="bg1">
-                    <a:lumMod val="75000"/>
-                  </a:schemeClr>
-                </a:solidFill>
-              </a:rPr>
-              <a:t> Voice 2</a:t>
+              <a:t>Source Voice 2</a:t>
             </a:r>
           </a:p>
         </p:txBody>
@@ -17428,22 +15505,38 @@
             <a:pPr lvl="1"/>
             <a:r>
               <a:rPr lang="pt-BR" dirty="0"/>
-              <a:t>Cada som precisa de um vetor de </a:t>
-            </a:r>
-            <a:r>
-              <a:rPr lang="pt-BR" dirty="0" err="1"/>
-              <a:t>Source</a:t>
+              <a:t>Cada som precisa de um </a:t>
+            </a:r>
+            <a:r>
+              <a:rPr lang="pt-BR" dirty="0">
+                <a:solidFill>
+                  <a:schemeClr val="accent1">
+                    <a:lumMod val="75000"/>
+                  </a:schemeClr>
+                </a:solidFill>
+              </a:rPr>
+              <a:t>vetor</a:t>
             </a:r>
             <a:r>
               <a:rPr lang="pt-BR" dirty="0"/>
-              <a:t> Voices</a:t>
+              <a:t> de Source Voices</a:t>
             </a:r>
           </a:p>
           <a:p>
             <a:pPr lvl="1"/>
             <a:r>
               <a:rPr lang="pt-BR" dirty="0"/>
-              <a:t>O vetor deve ser usado de forma circular</a:t>
+              <a:t>O vetor deve ser usado de forma </a:t>
+            </a:r>
+            <a:r>
+              <a:rPr lang="pt-BR" dirty="0">
+                <a:solidFill>
+                  <a:schemeClr val="accent1">
+                    <a:lumMod val="75000"/>
+                  </a:schemeClr>
+                </a:solidFill>
+              </a:rPr>
+              <a:t>circular</a:t>
             </a:r>
           </a:p>
           <a:p>
@@ -17616,83 +15709,8 @@
                 <a:latin typeface="Consolas" pitchFamily="49" charset="0"/>
                 <a:cs typeface="Consolas" pitchFamily="49" charset="0"/>
               </a:rPr>
-              <a:t>// </a:t>
-            </a:r>
-            <a:r>
-              <a:rPr lang="en-US" sz="1400" dirty="0" err="1">
-                <a:solidFill>
-                  <a:schemeClr val="tx1">
-                    <a:lumMod val="75000"/>
-                    <a:lumOff val="25000"/>
-                  </a:schemeClr>
-                </a:solidFill>
-                <a:latin typeface="Consolas" pitchFamily="49" charset="0"/>
-                <a:cs typeface="Consolas" pitchFamily="49" charset="0"/>
-              </a:rPr>
-              <a:t>recupera</a:t>
-            </a:r>
-            <a:r>
-              <a:rPr lang="en-US" sz="1400" dirty="0">
-                <a:solidFill>
-                  <a:schemeClr val="tx1">
-                    <a:lumMod val="75000"/>
-                    <a:lumOff val="25000"/>
-                  </a:schemeClr>
-                </a:solidFill>
-                <a:latin typeface="Consolas" pitchFamily="49" charset="0"/>
-                <a:cs typeface="Consolas" pitchFamily="49" charset="0"/>
-              </a:rPr>
-              <a:t> </a:t>
-            </a:r>
-            <a:r>
-              <a:rPr lang="en-US" sz="1400" dirty="0" err="1">
-                <a:solidFill>
-                  <a:schemeClr val="tx1">
-                    <a:lumMod val="75000"/>
-                    <a:lumOff val="25000"/>
-                  </a:schemeClr>
-                </a:solidFill>
-                <a:latin typeface="Consolas" pitchFamily="49" charset="0"/>
-                <a:cs typeface="Consolas" pitchFamily="49" charset="0"/>
-              </a:rPr>
-              <a:t>som</a:t>
-            </a:r>
-            <a:r>
-              <a:rPr lang="en-US" sz="1400" dirty="0">
-                <a:solidFill>
-                  <a:schemeClr val="tx1">
-                    <a:lumMod val="75000"/>
-                    <a:lumOff val="25000"/>
-                  </a:schemeClr>
-                </a:solidFill>
-                <a:latin typeface="Consolas" pitchFamily="49" charset="0"/>
-                <a:cs typeface="Consolas" pitchFamily="49" charset="0"/>
-              </a:rPr>
-              <a:t> da </a:t>
-            </a:r>
-            <a:r>
-              <a:rPr lang="en-US" sz="1400" dirty="0" err="1">
-                <a:solidFill>
-                  <a:schemeClr val="tx1">
-                    <a:lumMod val="75000"/>
-                    <a:lumOff val="25000"/>
-                  </a:schemeClr>
-                </a:solidFill>
-                <a:latin typeface="Consolas" pitchFamily="49" charset="0"/>
-                <a:cs typeface="Consolas" pitchFamily="49" charset="0"/>
-              </a:rPr>
-              <a:t>tabela</a:t>
-            </a:r>
-            <a:endParaRPr lang="en-US" sz="1400" dirty="0">
-              <a:solidFill>
-                <a:schemeClr val="tx1">
-                  <a:lumMod val="75000"/>
-                  <a:lumOff val="25000"/>
-                </a:schemeClr>
-              </a:solidFill>
-              <a:latin typeface="Consolas" pitchFamily="49" charset="0"/>
-              <a:cs typeface="Consolas" pitchFamily="49" charset="0"/>
-            </a:endParaRPr>
+              <a:t>// recupera som da tabela</a:t>
+            </a:r>
           </a:p>
           <a:p>
             <a:r>
@@ -17729,7 +15747,7 @@
                 <a:latin typeface="Consolas" pitchFamily="49" charset="0"/>
                 <a:cs typeface="Consolas" pitchFamily="49" charset="0"/>
               </a:rPr>
-              <a:t> * s = sounds[id];</a:t>
+              <a:t> * sound = sound_table[id];</a:t>
             </a:r>
           </a:p>
           <a:p>
@@ -17767,264 +15785,63 @@
                 <a:latin typeface="Consolas" pitchFamily="49" charset="0"/>
                 <a:cs typeface="Consolas" pitchFamily="49" charset="0"/>
               </a:rPr>
-              <a:t>// </a:t>
-            </a:r>
-            <a:r>
-              <a:rPr lang="en-US" sz="1400" dirty="0" err="1">
-                <a:solidFill>
-                  <a:schemeClr val="tx1">
+              <a:t>// limpa voz corrente e inicia reprodução do som</a:t>
+            </a:r>
+          </a:p>
+          <a:p>
+            <a:r>
+              <a:rPr lang="en-US" sz="1400" dirty="0">
+                <a:solidFill>
+                  <a:schemeClr val="bg1">
                     <a:lumMod val="75000"/>
-                    <a:lumOff val="25000"/>
                   </a:schemeClr>
                 </a:solidFill>
                 <a:latin typeface="Consolas" pitchFamily="49" charset="0"/>
                 <a:cs typeface="Consolas" pitchFamily="49" charset="0"/>
               </a:rPr>
-              <a:t>limpa</a:t>
-            </a:r>
+              <a:t>    sound-&gt;voices[sound-&gt;index]-&gt;Stop();</a:t>
+            </a:r>
+          </a:p>
+          <a:p>
             <a:r>
               <a:rPr lang="en-US" sz="1400" dirty="0">
                 <a:solidFill>
-                  <a:schemeClr val="tx1">
+                  <a:schemeClr val="bg1">
                     <a:lumMod val="75000"/>
-                    <a:lumOff val="25000"/>
                   </a:schemeClr>
                 </a:solidFill>
                 <a:latin typeface="Consolas" pitchFamily="49" charset="0"/>
                 <a:cs typeface="Consolas" pitchFamily="49" charset="0"/>
               </a:rPr>
-              <a:t> </a:t>
-            </a:r>
-            <a:r>
-              <a:rPr lang="en-US" sz="1400" dirty="0" err="1">
-                <a:solidFill>
-                  <a:schemeClr val="tx1">
+              <a:t>    sound-&gt;voices[sound-&gt;index]-&gt;FlushSourceBuffers();</a:t>
+            </a:r>
+          </a:p>
+          <a:p>
+            <a:r>
+              <a:rPr lang="en-US" sz="1400" dirty="0">
+                <a:solidFill>
+                  <a:schemeClr val="bg1">
                     <a:lumMod val="75000"/>
-                    <a:lumOff val="25000"/>
                   </a:schemeClr>
                 </a:solidFill>
                 <a:latin typeface="Consolas" pitchFamily="49" charset="0"/>
                 <a:cs typeface="Consolas" pitchFamily="49" charset="0"/>
               </a:rPr>
-              <a:t>voz</a:t>
-            </a:r>
+              <a:t>    sound-&gt;voices[sound-&gt;index]-&gt;SubmitSourceBuffer(&amp;sound-&gt;buffer);</a:t>
+            </a:r>
+          </a:p>
+          <a:p>
             <a:r>
               <a:rPr lang="en-US" sz="1400" dirty="0">
                 <a:solidFill>
-                  <a:schemeClr val="tx1">
+                  <a:schemeClr val="bg1">
                     <a:lumMod val="75000"/>
-                    <a:lumOff val="25000"/>
                   </a:schemeClr>
                 </a:solidFill>
                 <a:latin typeface="Consolas" pitchFamily="49" charset="0"/>
                 <a:cs typeface="Consolas" pitchFamily="49" charset="0"/>
               </a:rPr>
-              <a:t> </a:t>
-            </a:r>
-            <a:r>
-              <a:rPr lang="en-US" sz="1400" dirty="0" err="1">
-                <a:solidFill>
-                  <a:schemeClr val="tx1">
-                    <a:lumMod val="75000"/>
-                    <a:lumOff val="25000"/>
-                  </a:schemeClr>
-                </a:solidFill>
-                <a:latin typeface="Consolas" pitchFamily="49" charset="0"/>
-                <a:cs typeface="Consolas" pitchFamily="49" charset="0"/>
-              </a:rPr>
-              <a:t>corrente</a:t>
-            </a:r>
-            <a:r>
-              <a:rPr lang="en-US" sz="1400" dirty="0">
-                <a:solidFill>
-                  <a:schemeClr val="tx1">
-                    <a:lumMod val="75000"/>
-                    <a:lumOff val="25000"/>
-                  </a:schemeClr>
-                </a:solidFill>
-                <a:latin typeface="Consolas" pitchFamily="49" charset="0"/>
-                <a:cs typeface="Consolas" pitchFamily="49" charset="0"/>
-              </a:rPr>
-              <a:t> e </a:t>
-            </a:r>
-            <a:r>
-              <a:rPr lang="en-US" sz="1400" dirty="0" err="1">
-                <a:solidFill>
-                  <a:schemeClr val="tx1">
-                    <a:lumMod val="75000"/>
-                    <a:lumOff val="25000"/>
-                  </a:schemeClr>
-                </a:solidFill>
-                <a:latin typeface="Consolas" pitchFamily="49" charset="0"/>
-                <a:cs typeface="Consolas" pitchFamily="49" charset="0"/>
-              </a:rPr>
-              <a:t>inicia</a:t>
-            </a:r>
-            <a:r>
-              <a:rPr lang="en-US" sz="1400" dirty="0">
-                <a:solidFill>
-                  <a:schemeClr val="tx1">
-                    <a:lumMod val="75000"/>
-                    <a:lumOff val="25000"/>
-                  </a:schemeClr>
-                </a:solidFill>
-                <a:latin typeface="Consolas" pitchFamily="49" charset="0"/>
-                <a:cs typeface="Consolas" pitchFamily="49" charset="0"/>
-              </a:rPr>
-              <a:t> </a:t>
-            </a:r>
-            <a:r>
-              <a:rPr lang="en-US" sz="1400" dirty="0" err="1">
-                <a:solidFill>
-                  <a:schemeClr val="tx1">
-                    <a:lumMod val="75000"/>
-                    <a:lumOff val="25000"/>
-                  </a:schemeClr>
-                </a:solidFill>
-                <a:latin typeface="Consolas" pitchFamily="49" charset="0"/>
-                <a:cs typeface="Consolas" pitchFamily="49" charset="0"/>
-              </a:rPr>
-              <a:t>reprodução</a:t>
-            </a:r>
-            <a:r>
-              <a:rPr lang="en-US" sz="1400" dirty="0">
-                <a:solidFill>
-                  <a:schemeClr val="tx1">
-                    <a:lumMod val="75000"/>
-                    <a:lumOff val="25000"/>
-                  </a:schemeClr>
-                </a:solidFill>
-                <a:latin typeface="Consolas" pitchFamily="49" charset="0"/>
-                <a:cs typeface="Consolas" pitchFamily="49" charset="0"/>
-              </a:rPr>
-              <a:t> do </a:t>
-            </a:r>
-            <a:r>
-              <a:rPr lang="en-US" sz="1400" dirty="0" err="1">
-                <a:solidFill>
-                  <a:schemeClr val="tx1">
-                    <a:lumMod val="75000"/>
-                    <a:lumOff val="25000"/>
-                  </a:schemeClr>
-                </a:solidFill>
-                <a:latin typeface="Consolas" pitchFamily="49" charset="0"/>
-                <a:cs typeface="Consolas" pitchFamily="49" charset="0"/>
-              </a:rPr>
-              <a:t>som</a:t>
-            </a:r>
-            <a:endParaRPr lang="en-US" sz="1400" dirty="0">
-              <a:solidFill>
-                <a:schemeClr val="tx1">
-                  <a:lumMod val="75000"/>
-                  <a:lumOff val="25000"/>
-                </a:schemeClr>
-              </a:solidFill>
-              <a:latin typeface="Consolas" pitchFamily="49" charset="0"/>
-              <a:cs typeface="Consolas" pitchFamily="49" charset="0"/>
-            </a:endParaRPr>
-          </a:p>
-          <a:p>
-            <a:r>
-              <a:rPr lang="en-US" sz="1400" dirty="0">
-                <a:solidFill>
-                  <a:schemeClr val="bg1">
-                    <a:lumMod val="75000"/>
-                  </a:schemeClr>
-                </a:solidFill>
-                <a:latin typeface="Consolas" pitchFamily="49" charset="0"/>
-                <a:cs typeface="Consolas" pitchFamily="49" charset="0"/>
-              </a:rPr>
-              <a:t>    s-&gt;voices[s-&gt;index]-&gt;Stop();</a:t>
-            </a:r>
-          </a:p>
-          <a:p>
-            <a:r>
-              <a:rPr lang="en-US" sz="1400" dirty="0">
-                <a:solidFill>
-                  <a:schemeClr val="bg1">
-                    <a:lumMod val="75000"/>
-                  </a:schemeClr>
-                </a:solidFill>
-                <a:latin typeface="Consolas" pitchFamily="49" charset="0"/>
-                <a:cs typeface="Consolas" pitchFamily="49" charset="0"/>
-              </a:rPr>
-              <a:t>    s-&gt;voices[s-&gt;index]-&gt;</a:t>
-            </a:r>
-            <a:r>
-              <a:rPr lang="en-US" sz="1400" dirty="0" err="1">
-                <a:solidFill>
-                  <a:schemeClr val="bg1">
-                    <a:lumMod val="75000"/>
-                  </a:schemeClr>
-                </a:solidFill>
-                <a:latin typeface="Consolas" pitchFamily="49" charset="0"/>
-                <a:cs typeface="Consolas" pitchFamily="49" charset="0"/>
-              </a:rPr>
-              <a:t>FlushSourceBuffers</a:t>
-            </a:r>
-            <a:r>
-              <a:rPr lang="en-US" sz="1400" dirty="0">
-                <a:solidFill>
-                  <a:schemeClr val="bg1">
-                    <a:lumMod val="75000"/>
-                  </a:schemeClr>
-                </a:solidFill>
-                <a:latin typeface="Consolas" pitchFamily="49" charset="0"/>
-                <a:cs typeface="Consolas" pitchFamily="49" charset="0"/>
-              </a:rPr>
-              <a:t>();</a:t>
-            </a:r>
-          </a:p>
-          <a:p>
-            <a:r>
-              <a:rPr lang="en-US" sz="1400" dirty="0">
-                <a:solidFill>
-                  <a:schemeClr val="bg1">
-                    <a:lumMod val="75000"/>
-                  </a:schemeClr>
-                </a:solidFill>
-                <a:latin typeface="Consolas" pitchFamily="49" charset="0"/>
-                <a:cs typeface="Consolas" pitchFamily="49" charset="0"/>
-              </a:rPr>
-              <a:t>    s-&gt;voices[s-&gt;index]-&gt;</a:t>
-            </a:r>
-            <a:r>
-              <a:rPr lang="en-US" sz="1400" dirty="0" err="1">
-                <a:solidFill>
-                  <a:schemeClr val="bg1">
-                    <a:lumMod val="75000"/>
-                  </a:schemeClr>
-                </a:solidFill>
-                <a:latin typeface="Consolas" pitchFamily="49" charset="0"/>
-                <a:cs typeface="Consolas" pitchFamily="49" charset="0"/>
-              </a:rPr>
-              <a:t>SubmitSourceBuffer</a:t>
-            </a:r>
-            <a:r>
-              <a:rPr lang="en-US" sz="1400" dirty="0">
-                <a:solidFill>
-                  <a:schemeClr val="bg1">
-                    <a:lumMod val="75000"/>
-                  </a:schemeClr>
-                </a:solidFill>
-                <a:latin typeface="Consolas" pitchFamily="49" charset="0"/>
-                <a:cs typeface="Consolas" pitchFamily="49" charset="0"/>
-              </a:rPr>
-              <a:t>(&amp;s-&gt;buffer);</a:t>
-            </a:r>
-          </a:p>
-          <a:p>
-            <a:r>
-              <a:rPr lang="en-US" sz="1400" dirty="0">
-                <a:solidFill>
-                  <a:schemeClr val="bg1">
-                    <a:lumMod val="75000"/>
-                  </a:schemeClr>
-                </a:solidFill>
-                <a:latin typeface="Consolas" pitchFamily="49" charset="0"/>
-                <a:cs typeface="Consolas" pitchFamily="49" charset="0"/>
-              </a:rPr>
-              <a:t>    s-&gt;voices[s-&gt;index]-&gt;Start();</a:t>
+              <a:t>    sound-&gt;voices[sound-&gt;index]-&gt;Start();</a:t>
             </a:r>
           </a:p>
           <a:p>
@@ -18062,148 +15879,21 @@
                 <a:latin typeface="Consolas" pitchFamily="49" charset="0"/>
                 <a:cs typeface="Consolas" pitchFamily="49" charset="0"/>
               </a:rPr>
-              <a:t>// </a:t>
-            </a:r>
-            <a:r>
-              <a:rPr lang="en-US" sz="1400" dirty="0" err="1">
-                <a:solidFill>
-                  <a:schemeClr val="tx1">
+              <a:t>// seleciona nova trilha para reprodução do próximo som</a:t>
+            </a:r>
+          </a:p>
+          <a:p>
+            <a:r>
+              <a:rPr lang="en-US" sz="1400" dirty="0">
+                <a:solidFill>
+                  <a:schemeClr val="bg1">
                     <a:lumMod val="75000"/>
-                    <a:lumOff val="25000"/>
                   </a:schemeClr>
                 </a:solidFill>
                 <a:latin typeface="Consolas" pitchFamily="49" charset="0"/>
                 <a:cs typeface="Consolas" pitchFamily="49" charset="0"/>
               </a:rPr>
-              <a:t>seleciona</a:t>
-            </a:r>
-            <a:r>
-              <a:rPr lang="en-US" sz="1400" dirty="0">
-                <a:solidFill>
-                  <a:schemeClr val="tx1">
-                    <a:lumMod val="75000"/>
-                    <a:lumOff val="25000"/>
-                  </a:schemeClr>
-                </a:solidFill>
-                <a:latin typeface="Consolas" pitchFamily="49" charset="0"/>
-                <a:cs typeface="Consolas" pitchFamily="49" charset="0"/>
-              </a:rPr>
-              <a:t> nova </a:t>
-            </a:r>
-            <a:r>
-              <a:rPr lang="en-US" sz="1400" dirty="0" err="1">
-                <a:solidFill>
-                  <a:schemeClr val="tx1">
-                    <a:lumMod val="75000"/>
-                    <a:lumOff val="25000"/>
-                  </a:schemeClr>
-                </a:solidFill>
-                <a:latin typeface="Consolas" pitchFamily="49" charset="0"/>
-                <a:cs typeface="Consolas" pitchFamily="49" charset="0"/>
-              </a:rPr>
-              <a:t>trilha</a:t>
-            </a:r>
-            <a:r>
-              <a:rPr lang="en-US" sz="1400" dirty="0">
-                <a:solidFill>
-                  <a:schemeClr val="tx1">
-                    <a:lumMod val="75000"/>
-                    <a:lumOff val="25000"/>
-                  </a:schemeClr>
-                </a:solidFill>
-                <a:latin typeface="Consolas" pitchFamily="49" charset="0"/>
-                <a:cs typeface="Consolas" pitchFamily="49" charset="0"/>
-              </a:rPr>
-              <a:t> para </a:t>
-            </a:r>
-            <a:r>
-              <a:rPr lang="en-US" sz="1400" dirty="0" err="1">
-                <a:solidFill>
-                  <a:schemeClr val="tx1">
-                    <a:lumMod val="75000"/>
-                    <a:lumOff val="25000"/>
-                  </a:schemeClr>
-                </a:solidFill>
-                <a:latin typeface="Consolas" pitchFamily="49" charset="0"/>
-                <a:cs typeface="Consolas" pitchFamily="49" charset="0"/>
-              </a:rPr>
-              <a:t>reprodução</a:t>
-            </a:r>
-            <a:r>
-              <a:rPr lang="en-US" sz="1400" dirty="0">
-                <a:solidFill>
-                  <a:schemeClr val="tx1">
-                    <a:lumMod val="75000"/>
-                    <a:lumOff val="25000"/>
-                  </a:schemeClr>
-                </a:solidFill>
-                <a:latin typeface="Consolas" pitchFamily="49" charset="0"/>
-                <a:cs typeface="Consolas" pitchFamily="49" charset="0"/>
-              </a:rPr>
-              <a:t> do </a:t>
-            </a:r>
-            <a:r>
-              <a:rPr lang="en-US" sz="1400" dirty="0" err="1">
-                <a:solidFill>
-                  <a:schemeClr val="tx1">
-                    <a:lumMod val="75000"/>
-                    <a:lumOff val="25000"/>
-                  </a:schemeClr>
-                </a:solidFill>
-                <a:latin typeface="Consolas" pitchFamily="49" charset="0"/>
-                <a:cs typeface="Consolas" pitchFamily="49" charset="0"/>
-              </a:rPr>
-              <a:t>próximo</a:t>
-            </a:r>
-            <a:r>
-              <a:rPr lang="en-US" sz="1400" dirty="0">
-                <a:solidFill>
-                  <a:schemeClr val="tx1">
-                    <a:lumMod val="75000"/>
-                    <a:lumOff val="25000"/>
-                  </a:schemeClr>
-                </a:solidFill>
-                <a:latin typeface="Consolas" pitchFamily="49" charset="0"/>
-                <a:cs typeface="Consolas" pitchFamily="49" charset="0"/>
-              </a:rPr>
-              <a:t> </a:t>
-            </a:r>
-            <a:r>
-              <a:rPr lang="en-US" sz="1400" dirty="0" err="1">
-                <a:solidFill>
-                  <a:schemeClr val="tx1">
-                    <a:lumMod val="75000"/>
-                    <a:lumOff val="25000"/>
-                  </a:schemeClr>
-                </a:solidFill>
-                <a:latin typeface="Consolas" pitchFamily="49" charset="0"/>
-                <a:cs typeface="Consolas" pitchFamily="49" charset="0"/>
-              </a:rPr>
-              <a:t>som</a:t>
-            </a:r>
-            <a:endParaRPr lang="en-US" sz="1400" dirty="0">
-              <a:solidFill>
-                <a:schemeClr val="tx1">
-                  <a:lumMod val="75000"/>
-                  <a:lumOff val="25000"/>
-                </a:schemeClr>
-              </a:solidFill>
-              <a:latin typeface="Consolas" pitchFamily="49" charset="0"/>
-              <a:cs typeface="Consolas" pitchFamily="49" charset="0"/>
-            </a:endParaRPr>
-          </a:p>
-          <a:p>
-            <a:r>
-              <a:rPr lang="en-US" sz="1400" dirty="0">
-                <a:solidFill>
-                  <a:schemeClr val="bg1">
-                    <a:lumMod val="75000"/>
-                  </a:schemeClr>
-                </a:solidFill>
-                <a:latin typeface="Consolas" pitchFamily="49" charset="0"/>
-                <a:cs typeface="Consolas" pitchFamily="49" charset="0"/>
-              </a:rPr>
-              <a:t>    s-&gt;index = (s-&gt;index + 1) % s-&gt;tracks;</a:t>
+              <a:t>    sound-&gt;index = (sound-&gt;index + 1) % sound-&gt;tracks;</a:t>
             </a:r>
           </a:p>
           <a:p>
@@ -18245,7 +15935,7 @@
         </p:nvGrpSpPr>
         <p:grpSpPr>
           <a:xfrm>
-            <a:off x="7866524" y="3391377"/>
+            <a:off x="8455183" y="3391377"/>
             <a:ext cx="2753385" cy="2319692"/>
             <a:chOff x="8112224" y="3172727"/>
             <a:chExt cx="2753385" cy="2319692"/>
@@ -19369,7 +17059,7 @@
                   </a:schemeClr>
                 </a:solidFill>
               </a:rPr>
-              <a:t>volume do som </a:t>
+              <a:t>volume </a:t>
             </a:r>
             <a:r>
               <a:rPr lang="pt-BR" dirty="0"/>
@@ -19387,7 +17077,7 @@
             </a:r>
             <a:r>
               <a:rPr lang="pt-BR" dirty="0"/>
-              <a:t> da sua onda</a:t>
+              <a:t> da onda</a:t>
             </a:r>
           </a:p>
           <a:p>
@@ -19686,7 +17376,7 @@
           </a:prstGeom>
           <a:ln w="22225">
             <a:solidFill>
-              <a:schemeClr val="accent4">
+              <a:schemeClr val="bg1">
                 <a:lumMod val="75000"/>
               </a:schemeClr>
             </a:solidFill>
